--- a/reseau.pptx
+++ b/reseau.pptx
@@ -132,7 +132,7 @@
 <file path=ppt/revisionInfo.xml><?xml version="1.0" encoding="utf-8"?>
 <p1510:revInfo xmlns:a="http://schemas.openxmlformats.org/drawingml/2006/main" xmlns:r="http://schemas.openxmlformats.org/officeDocument/2006/relationships" xmlns:p1510="http://schemas.microsoft.com/office/powerpoint/2015/10/main">
   <p1510:revLst>
-    <p1510:client id="{D4F531CE-7DDB-4052-B9ED-8190C0E1B2FE}" v="201" dt="2023-10-17T13:14:10.569"/>
+    <p1510:client id="{D4F531CE-7DDB-4052-B9ED-8190C0E1B2FE}" v="202" dt="2023-10-17T13:56:30.598"/>
   </p1510:revLst>
 </p1510:revInfo>
 </file>
@@ -142,7 +142,7 @@
   <pc:docChgLst>
     <pc:chgData name="anthony Yrles" userId="f7fc77b36c18f1e6" providerId="LiveId" clId="{D4F531CE-7DDB-4052-B9ED-8190C0E1B2FE}"/>
     <pc:docChg chg="undo custSel addSld delSld modSld">
-      <pc:chgData name="anthony Yrles" userId="f7fc77b36c18f1e6" providerId="LiveId" clId="{D4F531CE-7DDB-4052-B9ED-8190C0E1B2FE}" dt="2023-10-17T13:14:37.382" v="8864" actId="122"/>
+      <pc:chgData name="anthony Yrles" userId="f7fc77b36c18f1e6" providerId="LiveId" clId="{D4F531CE-7DDB-4052-B9ED-8190C0E1B2FE}" dt="2023-10-17T13:57:09.424" v="8873"/>
       <pc:docMkLst>
         <pc:docMk/>
       </pc:docMkLst>
@@ -960,7 +960,7 @@
         </pc:picChg>
       </pc:sldChg>
       <pc:sldChg chg="addSp delSp modSp mod">
-        <pc:chgData name="anthony Yrles" userId="f7fc77b36c18f1e6" providerId="LiveId" clId="{D4F531CE-7DDB-4052-B9ED-8190C0E1B2FE}" dt="2023-10-17T11:00:59.333" v="4220" actId="478"/>
+        <pc:chgData name="anthony Yrles" userId="f7fc77b36c18f1e6" providerId="LiveId" clId="{D4F531CE-7DDB-4052-B9ED-8190C0E1B2FE}" dt="2023-10-17T13:57:09.424" v="8873"/>
         <pc:sldMkLst>
           <pc:docMk/>
           <pc:sldMk cId="2812891583" sldId="267"/>
@@ -1078,7 +1078,15 @@
           </ac:spMkLst>
         </pc:spChg>
         <pc:graphicFrameChg chg="add mod modGraphic">
-          <ac:chgData name="anthony Yrles" userId="f7fc77b36c18f1e6" providerId="LiveId" clId="{D4F531CE-7DDB-4052-B9ED-8190C0E1B2FE}" dt="2023-10-17T10:28:18.722" v="2913" actId="14100"/>
+          <ac:chgData name="anthony Yrles" userId="f7fc77b36c18f1e6" providerId="LiveId" clId="{D4F531CE-7DDB-4052-B9ED-8190C0E1B2FE}" dt="2023-10-17T13:57:09.424" v="8873"/>
+          <ac:graphicFrameMkLst>
+            <pc:docMk/>
+            <pc:sldMk cId="2812891583" sldId="267"/>
+            <ac:graphicFrameMk id="2" creationId="{BDDA0A6D-BC1F-1015-CC5B-60DD944F4764}"/>
+          </ac:graphicFrameMkLst>
+        </pc:graphicFrameChg>
+        <pc:graphicFrameChg chg="add del mod modGraphic">
+          <ac:chgData name="anthony Yrles" userId="f7fc77b36c18f1e6" providerId="LiveId" clId="{D4F531CE-7DDB-4052-B9ED-8190C0E1B2FE}" dt="2023-10-17T13:56:29.180" v="8866" actId="478"/>
           <ac:graphicFrameMkLst>
             <pc:docMk/>
             <pc:sldMk cId="2812891583" sldId="267"/>
@@ -7848,12 +7856,51 @@
           </a:prstGeom>
         </p:spPr>
       </p:pic>
+      <p:sp>
+        <p:nvSpPr>
+          <p:cNvPr id="21" name="ZoneTexte 20">
+            <a:extLst>
+              <a:ext uri="{FF2B5EF4-FFF2-40B4-BE49-F238E27FC236}">
+                <a16:creationId xmlns:a16="http://schemas.microsoft.com/office/drawing/2014/main" id="{F26A0449-8AD3-5057-B4A5-A0D391D8E609}"/>
+              </a:ext>
+            </a:extLst>
+          </p:cNvPr>
+          <p:cNvSpPr txBox="1"/>
+          <p:nvPr/>
+        </p:nvSpPr>
+        <p:spPr>
+          <a:xfrm>
+            <a:off x="670559" y="304800"/>
+            <a:ext cx="5354321" cy="523220"/>
+          </a:xfrm>
+          <a:prstGeom prst="rect">
+            <a:avLst/>
+          </a:prstGeom>
+          <a:noFill/>
+        </p:spPr>
+        <p:txBody>
+          <a:bodyPr wrap="square" rtlCol="0">
+            <a:spAutoFit/>
+          </a:bodyPr>
+          <a:lstStyle/>
+          <a:p>
+            <a:r>
+              <a:rPr lang="fr-FR" sz="2800" b="1" dirty="0">
+                <a:solidFill>
+                  <a:srgbClr val="FFFF00"/>
+                </a:solidFill>
+              </a:rPr>
+              <a:t>Job 11: Adressage réseau</a:t>
+            </a:r>
+          </a:p>
+        </p:txBody>
+      </p:sp>
       <p:graphicFrame>
         <p:nvGraphicFramePr>
-          <p:cNvPr id="19" name="Tableau 18">
-            <a:extLst>
-              <a:ext uri="{FF2B5EF4-FFF2-40B4-BE49-F238E27FC236}">
-                <a16:creationId xmlns:a16="http://schemas.microsoft.com/office/drawing/2014/main" id="{754336F2-4955-B4C8-752E-92680214CD73}"/>
+          <p:cNvPr id="2" name="Tableau 1">
+            <a:extLst>
+              <a:ext uri="{FF2B5EF4-FFF2-40B4-BE49-F238E27FC236}">
+                <a16:creationId xmlns:a16="http://schemas.microsoft.com/office/drawing/2014/main" id="{BDDA0A6D-BC1F-1015-CC5B-60DD944F4764}"/>
               </a:ext>
             </a:extLst>
           </p:cNvPr>
@@ -7863,14 +7910,14 @@
           <p:nvPr>
             <p:extLst>
               <p:ext uri="{D42A27DB-BD31-4B8C-83A1-F6EECF244321}">
-                <p14:modId xmlns:p14="http://schemas.microsoft.com/office/powerpoint/2010/main" val="749524343"/>
+                <p14:modId xmlns:p14="http://schemas.microsoft.com/office/powerpoint/2010/main" val="835716119"/>
               </p:ext>
             </p:extLst>
           </p:nvPr>
         </p:nvGraphicFramePr>
         <p:xfrm>
-          <a:off x="2870200" y="1493522"/>
-          <a:ext cx="7289801" cy="3962402"/>
+          <a:off x="2108200" y="1405523"/>
+          <a:ext cx="9088120" cy="4192642"/>
         </p:xfrm>
         <a:graphic>
           <a:graphicData uri="http://schemas.openxmlformats.org/drawingml/2006/table">
@@ -7879,42 +7926,49 @@
                 <a:tableStyleId>{5C22544A-7EE6-4342-B048-85BDC9FD1C3A}</a:tableStyleId>
               </a:tblPr>
               <a:tblGrid>
-                <a:gridCol w="1434236">
+                <a:gridCol w="868292">
                   <a:extLst>
                     <a:ext uri="{9D8B030D-6E8A-4147-A177-3AD203B41FA5}">
-                      <a16:colId xmlns:a16="http://schemas.microsoft.com/office/drawing/2014/main" val="1668263452"/>
+                      <a16:colId xmlns:a16="http://schemas.microsoft.com/office/drawing/2014/main" val="482293048"/>
                     </a:ext>
                   </a:extLst>
                 </a:gridCol>
-                <a:gridCol w="1951855">
+                <a:gridCol w="2054957">
                   <a:extLst>
                     <a:ext uri="{9D8B030D-6E8A-4147-A177-3AD203B41FA5}">
-                      <a16:colId xmlns:a16="http://schemas.microsoft.com/office/drawing/2014/main" val="1418251045"/>
+                      <a16:colId xmlns:a16="http://schemas.microsoft.com/office/drawing/2014/main" val="1747860820"/>
                     </a:ext>
                   </a:extLst>
                 </a:gridCol>
-                <a:gridCol w="1951855">
+                <a:gridCol w="2054957">
                   <a:extLst>
                     <a:ext uri="{9D8B030D-6E8A-4147-A177-3AD203B41FA5}">
-                      <a16:colId xmlns:a16="http://schemas.microsoft.com/office/drawing/2014/main" val="1804958850"/>
+                      <a16:colId xmlns:a16="http://schemas.microsoft.com/office/drawing/2014/main" val="3727367527"/>
                     </a:ext>
                   </a:extLst>
                 </a:gridCol>
-                <a:gridCol w="1951855">
+                <a:gridCol w="2054957">
                   <a:extLst>
                     <a:ext uri="{9D8B030D-6E8A-4147-A177-3AD203B41FA5}">
-                      <a16:colId xmlns:a16="http://schemas.microsoft.com/office/drawing/2014/main" val="400834285"/>
+                      <a16:colId xmlns:a16="http://schemas.microsoft.com/office/drawing/2014/main" val="3619678849"/>
+                    </a:ext>
+                  </a:extLst>
+                </a:gridCol>
+                <a:gridCol w="2054957">
+                  <a:extLst>
+                    <a:ext uri="{9D8B030D-6E8A-4147-A177-3AD203B41FA5}">
+                      <a16:colId xmlns:a16="http://schemas.microsoft.com/office/drawing/2014/main" val="1835171281"/>
                     </a:ext>
                   </a:extLst>
                 </a:gridCol>
               </a:tblGrid>
-              <a:tr h="398991">
-                <a:tc gridSpan="4">
+              <a:tr h="405762">
+                <a:tc gridSpan="5">
                   <a:txBody>
                     <a:bodyPr/>
                     <a:lstStyle/>
                     <a:p>
-                      <a:pPr algn="ctr" fontAlgn="ctr"/>
+                      <a:pPr algn="ctr" rtl="0" fontAlgn="ctr"/>
                       <a:r>
                         <a:rPr lang="fr-FR" sz="1100" u="none" strike="noStrike" dirty="0">
                           <a:effectLst/>
@@ -7930,11 +7984,17 @@
                       </a:endParaRPr>
                     </a:p>
                   </a:txBody>
-                  <a:tcPr marL="6350" marR="6350" marT="6350" marB="0" anchor="ctr">
-                    <a:solidFill>
-                      <a:schemeClr val="bg1"/>
-                    </a:solidFill>
-                  </a:tcPr>
+                  <a:tcPr marL="6350" marR="6350" marT="6350" marB="0" anchor="ctr"/>
+                </a:tc>
+                <a:tc hMerge="1">
+                  <a:txBody>
+                    <a:bodyPr/>
+                    <a:lstStyle/>
+                    <a:p>
+                      <a:endParaRPr lang="fr-FR"/>
+                    </a:p>
+                  </a:txBody>
+                  <a:tcPr/>
                 </a:tc>
                 <a:tc hMerge="1">
                   <a:txBody>
@@ -7968,17 +8028,17 @@
                 </a:tc>
                 <a:extLst>
                   <a:ext uri="{0D108BD9-81ED-4DB2-BD59-A6C34878D82A}">
-                    <a16:rowId xmlns:a16="http://schemas.microsoft.com/office/drawing/2014/main" val="426561029"/>
+                    <a16:rowId xmlns:a16="http://schemas.microsoft.com/office/drawing/2014/main" val="2260845468"/>
                   </a:ext>
                 </a:extLst>
               </a:tr>
-              <a:tr h="371475">
+              <a:tr h="412758">
                 <a:tc>
                   <a:txBody>
                     <a:bodyPr/>
                     <a:lstStyle/>
                     <a:p>
-                      <a:pPr algn="ctr" fontAlgn="ctr"/>
+                      <a:pPr algn="ctr" rtl="0" fontAlgn="ctr"/>
                       <a:r>
                         <a:rPr lang="fr-FR" sz="1100" u="none" strike="noStrike">
                           <a:effectLst/>
@@ -7994,25 +8054,21 @@
                       </a:endParaRPr>
                     </a:p>
                   </a:txBody>
-                  <a:tcPr marL="6350" marR="6350" marT="6350" marB="0" anchor="ctr">
-                    <a:solidFill>
-                      <a:schemeClr val="bg1"/>
-                    </a:solidFill>
-                  </a:tcPr>
+                  <a:tcPr marL="6350" marR="6350" marT="6350" marB="0" anchor="ctr"/>
                 </a:tc>
                 <a:tc>
                   <a:txBody>
                     <a:bodyPr/>
                     <a:lstStyle/>
                     <a:p>
-                      <a:pPr algn="ctr" fontAlgn="ctr"/>
+                      <a:pPr algn="ctr" rtl="0" fontAlgn="ctr"/>
                       <a:r>
-                        <a:rPr lang="fr-FR" sz="1100" u="none" strike="noStrike" dirty="0">
+                        <a:rPr lang="fr-FR" sz="1100" u="none" strike="noStrike">
                           <a:effectLst/>
                         </a:rPr>
                         <a:t>IP réseau</a:t>
                       </a:r>
-                      <a:endParaRPr lang="fr-FR" sz="1100" b="0" i="0" u="none" strike="noStrike" dirty="0">
+                      <a:endParaRPr lang="fr-FR" sz="1100" b="0" i="0" u="none" strike="noStrike">
                         <a:solidFill>
                           <a:srgbClr val="000000"/>
                         </a:solidFill>
@@ -8021,18 +8077,37 @@
                       </a:endParaRPr>
                     </a:p>
                   </a:txBody>
-                  <a:tcPr marL="6350" marR="6350" marT="6350" marB="0" anchor="ctr">
-                    <a:solidFill>
-                      <a:schemeClr val="bg1"/>
-                    </a:solidFill>
-                  </a:tcPr>
+                  <a:tcPr marL="6350" marR="6350" marT="6350" marB="0" anchor="ctr"/>
                 </a:tc>
                 <a:tc>
                   <a:txBody>
                     <a:bodyPr/>
                     <a:lstStyle/>
                     <a:p>
-                      <a:pPr algn="ctr" fontAlgn="ctr"/>
+                      <a:pPr algn="ctr" rtl="0" fontAlgn="ctr"/>
+                      <a:r>
+                        <a:rPr lang="fr-FR" sz="1100" u="none" strike="noStrike">
+                          <a:effectLst/>
+                        </a:rPr>
+                        <a:t>IP DHCP</a:t>
+                      </a:r>
+                      <a:endParaRPr lang="fr-FR" sz="1100" b="0" i="0" u="none" strike="noStrike">
+                        <a:solidFill>
+                          <a:srgbClr val="000000"/>
+                        </a:solidFill>
+                        <a:effectLst/>
+                        <a:latin typeface="Calibri" panose="020F0502020204030204" pitchFamily="34" charset="0"/>
+                      </a:endParaRPr>
+                    </a:p>
+                  </a:txBody>
+                  <a:tcPr marL="6350" marR="6350" marT="6350" marB="0" anchor="ctr"/>
+                </a:tc>
+                <a:tc>
+                  <a:txBody>
+                    <a:bodyPr/>
+                    <a:lstStyle/>
+                    <a:p>
+                      <a:pPr algn="ctr" rtl="0" fontAlgn="ctr"/>
                       <a:r>
                         <a:rPr lang="fr-FR" sz="1100" u="none" strike="noStrike">
                           <a:effectLst/>
@@ -8048,18 +8123,14 @@
                       </a:endParaRPr>
                     </a:p>
                   </a:txBody>
-                  <a:tcPr marL="6350" marR="6350" marT="6350" marB="0" anchor="ctr">
-                    <a:solidFill>
-                      <a:schemeClr val="bg1"/>
-                    </a:solidFill>
-                  </a:tcPr>
+                  <a:tcPr marL="6350" marR="6350" marT="6350" marB="0" anchor="ctr"/>
                 </a:tc>
                 <a:tc>
                   <a:txBody>
                     <a:bodyPr/>
                     <a:lstStyle/>
                     <a:p>
-                      <a:pPr algn="ctr" fontAlgn="ctr"/>
+                      <a:pPr algn="ctr" rtl="0" fontAlgn="ctr"/>
                       <a:r>
                         <a:rPr lang="fr-FR" sz="1100" u="none" strike="noStrike">
                           <a:effectLst/>
@@ -8075,25 +8146,21 @@
                       </a:endParaRPr>
                     </a:p>
                   </a:txBody>
-                  <a:tcPr marL="6350" marR="6350" marT="6350" marB="0" anchor="ctr">
-                    <a:solidFill>
-                      <a:schemeClr val="bg1"/>
-                    </a:solidFill>
-                  </a:tcPr>
+                  <a:tcPr marL="6350" marR="6350" marT="6350" marB="0" anchor="ctr"/>
                 </a:tc>
                 <a:extLst>
                   <a:ext uri="{0D108BD9-81ED-4DB2-BD59-A6C34878D82A}">
-                    <a16:rowId xmlns:a16="http://schemas.microsoft.com/office/drawing/2014/main" val="234911790"/>
+                    <a16:rowId xmlns:a16="http://schemas.microsoft.com/office/drawing/2014/main" val="3374464823"/>
                   </a:ext>
                 </a:extLst>
               </a:tr>
-              <a:tr h="199496">
+              <a:tr h="209877">
                 <a:tc>
                   <a:txBody>
                     <a:bodyPr/>
                     <a:lstStyle/>
                     <a:p>
-                      <a:pPr algn="ctr" fontAlgn="b"/>
+                      <a:pPr algn="ctr" rtl="0" fontAlgn="b"/>
                       <a:r>
                         <a:rPr lang="fr-FR" sz="1100" u="none" strike="noStrike">
                           <a:effectLst/>
@@ -8109,18 +8176,14 @@
                       </a:endParaRPr>
                     </a:p>
                   </a:txBody>
-                  <a:tcPr marL="6350" marR="6350" marT="6350" marB="0" anchor="b">
-                    <a:solidFill>
-                      <a:schemeClr val="bg1"/>
-                    </a:solidFill>
-                  </a:tcPr>
+                  <a:tcPr marL="6350" marR="6350" marT="6350" marB="0" anchor="b"/>
                 </a:tc>
                 <a:tc>
                   <a:txBody>
                     <a:bodyPr/>
                     <a:lstStyle/>
                     <a:p>
-                      <a:pPr algn="ctr" fontAlgn="b"/>
+                      <a:pPr algn="ctr" rtl="0" fontAlgn="b"/>
                       <a:r>
                         <a:rPr lang="fr-FR" sz="1100" u="none" strike="noStrike">
                           <a:effectLst/>
@@ -8136,23 +8199,19 @@
                       </a:endParaRPr>
                     </a:p>
                   </a:txBody>
-                  <a:tcPr marL="6350" marR="6350" marT="6350" marB="0" anchor="b">
-                    <a:solidFill>
-                      <a:schemeClr val="bg1"/>
-                    </a:solidFill>
-                  </a:tcPr>
+                  <a:tcPr marL="6350" marR="6350" marT="6350" marB="0" anchor="b"/>
                 </a:tc>
                 <a:tc>
                   <a:txBody>
                     <a:bodyPr/>
                     <a:lstStyle/>
                     <a:p>
-                      <a:pPr algn="ctr" fontAlgn="b"/>
+                      <a:pPr algn="ctr" rtl="0" fontAlgn="b"/>
                       <a:r>
                         <a:rPr lang="fr-FR" sz="1100" u="none" strike="noStrike">
                           <a:effectLst/>
                         </a:rPr>
-                        <a:t>10.0.0.1 à 10.0.0.12</a:t>
+                        <a:t>10.0.0.1</a:t>
                       </a:r>
                       <a:endParaRPr lang="fr-FR" sz="1100" b="0" i="0" u="none" strike="noStrike">
                         <a:solidFill>
@@ -8163,23 +8222,19 @@
                       </a:endParaRPr>
                     </a:p>
                   </a:txBody>
-                  <a:tcPr marL="6350" marR="6350" marT="6350" marB="0" anchor="b">
-                    <a:solidFill>
-                      <a:schemeClr val="bg1"/>
-                    </a:solidFill>
-                  </a:tcPr>
+                  <a:tcPr marL="6350" marR="6350" marT="6350" marB="0" anchor="b"/>
                 </a:tc>
                 <a:tc>
                   <a:txBody>
                     <a:bodyPr/>
                     <a:lstStyle/>
                     <a:p>
-                      <a:pPr algn="ctr" fontAlgn="b"/>
+                      <a:pPr algn="ctr" rtl="0" fontAlgn="b"/>
                       <a:r>
                         <a:rPr lang="fr-FR" sz="1100" u="none" strike="noStrike">
                           <a:effectLst/>
                         </a:rPr>
-                        <a:t>10.0.0.13</a:t>
+                        <a:t>10.0.0.2 à 10.0.0.13</a:t>
                       </a:r>
                       <a:endParaRPr lang="fr-FR" sz="1100" b="0" i="0" u="none" strike="noStrike">
                         <a:solidFill>
@@ -8190,25 +8245,44 @@
                       </a:endParaRPr>
                     </a:p>
                   </a:txBody>
-                  <a:tcPr marL="6350" marR="6350" marT="6350" marB="0" anchor="b">
-                    <a:solidFill>
-                      <a:schemeClr val="bg1"/>
-                    </a:solidFill>
-                  </a:tcPr>
+                  <a:tcPr marL="6350" marR="6350" marT="6350" marB="0" anchor="b"/>
                 </a:tc>
-                <a:extLst>
-                  <a:ext uri="{0D108BD9-81ED-4DB2-BD59-A6C34878D82A}">
-                    <a16:rowId xmlns:a16="http://schemas.microsoft.com/office/drawing/2014/main" val="754050693"/>
-                  </a:ext>
-                </a:extLst>
-              </a:tr>
-              <a:tr h="199496">
                 <a:tc>
                   <a:txBody>
                     <a:bodyPr/>
                     <a:lstStyle/>
                     <a:p>
-                      <a:pPr algn="ctr" fontAlgn="b"/>
+                      <a:pPr algn="ctr" rtl="0" fontAlgn="b"/>
+                      <a:r>
+                        <a:rPr lang="fr-FR" sz="1100" u="none" strike="noStrike">
+                          <a:effectLst/>
+                        </a:rPr>
+                        <a:t>10.0.0.14</a:t>
+                      </a:r>
+                      <a:endParaRPr lang="fr-FR" sz="1100" b="0" i="0" u="none" strike="noStrike">
+                        <a:solidFill>
+                          <a:srgbClr val="000000"/>
+                        </a:solidFill>
+                        <a:effectLst/>
+                        <a:latin typeface="Calibri" panose="020F0502020204030204" pitchFamily="34" charset="0"/>
+                      </a:endParaRPr>
+                    </a:p>
+                  </a:txBody>
+                  <a:tcPr marL="6350" marR="6350" marT="6350" marB="0" anchor="b"/>
+                </a:tc>
+                <a:extLst>
+                  <a:ext uri="{0D108BD9-81ED-4DB2-BD59-A6C34878D82A}">
+                    <a16:rowId xmlns:a16="http://schemas.microsoft.com/office/drawing/2014/main" val="10600543"/>
+                  </a:ext>
+                </a:extLst>
+              </a:tr>
+              <a:tr h="209877">
+                <a:tc>
+                  <a:txBody>
+                    <a:bodyPr/>
+                    <a:lstStyle/>
+                    <a:p>
+                      <a:pPr algn="ctr" rtl="0" fontAlgn="b"/>
                       <a:r>
                         <a:rPr lang="fr-FR" sz="1100" u="none" strike="noStrike">
                           <a:effectLst/>
@@ -8224,50 +8298,19 @@
                       </a:endParaRPr>
                     </a:p>
                   </a:txBody>
-                  <a:tcPr marL="6350" marR="6350" marT="6350" marB="0" anchor="b">
-                    <a:solidFill>
-                      <a:schemeClr val="bg1"/>
-                    </a:solidFill>
-                  </a:tcPr>
+                  <a:tcPr marL="6350" marR="6350" marT="6350" marB="0" anchor="b"/>
                 </a:tc>
                 <a:tc>
                   <a:txBody>
                     <a:bodyPr/>
                     <a:lstStyle/>
                     <a:p>
-                      <a:pPr algn="ctr" fontAlgn="b"/>
-                      <a:r>
-                        <a:rPr lang="fr-FR" sz="1100" u="none" strike="noStrike" dirty="0">
-                          <a:effectLst/>
-                        </a:rPr>
-                        <a:t>10.0.0.14</a:t>
-                      </a:r>
-                      <a:endParaRPr lang="fr-FR" sz="1100" b="0" i="0" u="none" strike="noStrike" dirty="0">
-                        <a:solidFill>
-                          <a:srgbClr val="000000"/>
-                        </a:solidFill>
-                        <a:effectLst/>
-                        <a:latin typeface="Calibri" panose="020F0502020204030204" pitchFamily="34" charset="0"/>
-                      </a:endParaRPr>
-                    </a:p>
-                  </a:txBody>
-                  <a:tcPr marL="6350" marR="6350" marT="6350" marB="0" anchor="b">
-                    <a:solidFill>
-                      <a:schemeClr val="bg1"/>
-                    </a:solidFill>
-                  </a:tcPr>
-                </a:tc>
-                <a:tc>
-                  <a:txBody>
-                    <a:bodyPr/>
-                    <a:lstStyle/>
-                    <a:p>
-                      <a:pPr algn="ctr" fontAlgn="b"/>
+                      <a:pPr algn="ctr" rtl="0" fontAlgn="b"/>
                       <a:r>
                         <a:rPr lang="fr-FR" sz="1100" u="none" strike="noStrike">
                           <a:effectLst/>
                         </a:rPr>
-                        <a:t>10.0.0.15 à 10.0.0.45</a:t>
+                        <a:t>10.0.0.15</a:t>
                       </a:r>
                       <a:endParaRPr lang="fr-FR" sz="1100" b="0" i="0" u="none" strike="noStrike">
                         <a:solidFill>
@@ -8278,23 +8321,19 @@
                       </a:endParaRPr>
                     </a:p>
                   </a:txBody>
-                  <a:tcPr marL="6350" marR="6350" marT="6350" marB="0" anchor="b">
-                    <a:solidFill>
-                      <a:schemeClr val="bg1"/>
-                    </a:solidFill>
-                  </a:tcPr>
+                  <a:tcPr marL="6350" marR="6350" marT="6350" marB="0" anchor="b"/>
                 </a:tc>
                 <a:tc>
                   <a:txBody>
                     <a:bodyPr/>
                     <a:lstStyle/>
                     <a:p>
-                      <a:pPr algn="ctr" fontAlgn="b"/>
+                      <a:pPr algn="ctr" rtl="0" fontAlgn="b"/>
                       <a:r>
                         <a:rPr lang="fr-FR" sz="1100" u="none" strike="noStrike">
                           <a:effectLst/>
                         </a:rPr>
-                        <a:t>10.0.0.46</a:t>
+                        <a:t>10.0.0.16</a:t>
                       </a:r>
                       <a:endParaRPr lang="fr-FR" sz="1100" b="0" i="0" u="none" strike="noStrike">
                         <a:solidFill>
@@ -8305,25 +8344,67 @@
                       </a:endParaRPr>
                     </a:p>
                   </a:txBody>
-                  <a:tcPr marL="6350" marR="6350" marT="6350" marB="0" anchor="b">
-                    <a:solidFill>
-                      <a:schemeClr val="bg1"/>
-                    </a:solidFill>
-                  </a:tcPr>
+                  <a:tcPr marL="6350" marR="6350" marT="6350" marB="0" anchor="b"/>
                 </a:tc>
-                <a:extLst>
-                  <a:ext uri="{0D108BD9-81ED-4DB2-BD59-A6C34878D82A}">
-                    <a16:rowId xmlns:a16="http://schemas.microsoft.com/office/drawing/2014/main" val="3638792635"/>
-                  </a:ext>
-                </a:extLst>
-              </a:tr>
-              <a:tr h="199496">
                 <a:tc>
                   <a:txBody>
                     <a:bodyPr/>
                     <a:lstStyle/>
                     <a:p>
-                      <a:pPr algn="ctr" fontAlgn="b"/>
+                      <a:pPr algn="ctr" rtl="0" fontAlgn="b"/>
+                      <a:r>
+                        <a:rPr lang="fr-FR" sz="1100" u="none" strike="noStrike">
+                          <a:effectLst/>
+                        </a:rPr>
+                        <a:t>10.0.0.17 à 10.0.0.46</a:t>
+                      </a:r>
+                      <a:endParaRPr lang="fr-FR" sz="1100" b="0" i="0" u="none" strike="noStrike">
+                        <a:solidFill>
+                          <a:srgbClr val="000000"/>
+                        </a:solidFill>
+                        <a:effectLst/>
+                        <a:latin typeface="Calibri" panose="020F0502020204030204" pitchFamily="34" charset="0"/>
+                      </a:endParaRPr>
+                    </a:p>
+                  </a:txBody>
+                  <a:tcPr marL="6350" marR="6350" marT="6350" marB="0" anchor="b"/>
+                </a:tc>
+                <a:tc>
+                  <a:txBody>
+                    <a:bodyPr/>
+                    <a:lstStyle/>
+                    <a:p>
+                      <a:pPr algn="ctr" rtl="0" fontAlgn="b"/>
+                      <a:r>
+                        <a:rPr lang="fr-FR" sz="1100" u="none" strike="noStrike">
+                          <a:effectLst/>
+                        </a:rPr>
+                        <a:t>10.0.0.47</a:t>
+                      </a:r>
+                      <a:endParaRPr lang="fr-FR" sz="1100" b="0" i="0" u="none" strike="noStrike">
+                        <a:solidFill>
+                          <a:srgbClr val="000000"/>
+                        </a:solidFill>
+                        <a:effectLst/>
+                        <a:latin typeface="Calibri" panose="020F0502020204030204" pitchFamily="34" charset="0"/>
+                      </a:endParaRPr>
+                    </a:p>
+                  </a:txBody>
+                  <a:tcPr marL="6350" marR="6350" marT="6350" marB="0" anchor="b"/>
+                </a:tc>
+                <a:extLst>
+                  <a:ext uri="{0D108BD9-81ED-4DB2-BD59-A6C34878D82A}">
+                    <a16:rowId xmlns:a16="http://schemas.microsoft.com/office/drawing/2014/main" val="1747753340"/>
+                  </a:ext>
+                </a:extLst>
+              </a:tr>
+              <a:tr h="209877">
+                <a:tc>
+                  <a:txBody>
+                    <a:bodyPr/>
+                    <a:lstStyle/>
+                    <a:p>
+                      <a:pPr algn="ctr" rtl="0" fontAlgn="b"/>
                       <a:r>
                         <a:rPr lang="fr-FR" sz="1100" u="none" strike="noStrike">
                           <a:effectLst/>
@@ -8339,23 +8420,19 @@
                       </a:endParaRPr>
                     </a:p>
                   </a:txBody>
-                  <a:tcPr marL="6350" marR="6350" marT="6350" marB="0" anchor="b">
-                    <a:solidFill>
-                      <a:schemeClr val="bg1"/>
-                    </a:solidFill>
-                  </a:tcPr>
+                  <a:tcPr marL="6350" marR="6350" marT="6350" marB="0" anchor="b"/>
                 </a:tc>
                 <a:tc>
                   <a:txBody>
                     <a:bodyPr/>
                     <a:lstStyle/>
                     <a:p>
-                      <a:pPr algn="ctr" fontAlgn="b"/>
+                      <a:pPr algn="ctr" rtl="0" fontAlgn="b"/>
                       <a:r>
                         <a:rPr lang="fr-FR" sz="1100" u="none" strike="noStrike">
                           <a:effectLst/>
                         </a:rPr>
-                        <a:t>10.0.0.47</a:t>
+                        <a:t>10.0.0.48</a:t>
                       </a:r>
                       <a:endParaRPr lang="fr-FR" sz="1100" b="0" i="0" u="none" strike="noStrike">
                         <a:solidFill>
@@ -8366,23 +8443,19 @@
                       </a:endParaRPr>
                     </a:p>
                   </a:txBody>
-                  <a:tcPr marL="6350" marR="6350" marT="6350" marB="0" anchor="b">
-                    <a:solidFill>
-                      <a:schemeClr val="bg1"/>
-                    </a:solidFill>
-                  </a:tcPr>
+                  <a:tcPr marL="6350" marR="6350" marT="6350" marB="0" anchor="b"/>
                 </a:tc>
                 <a:tc>
                   <a:txBody>
                     <a:bodyPr/>
                     <a:lstStyle/>
                     <a:p>
-                      <a:pPr algn="ctr" fontAlgn="b"/>
+                      <a:pPr algn="ctr" rtl="0" fontAlgn="b"/>
                       <a:r>
                         <a:rPr lang="fr-FR" sz="1100" u="none" strike="noStrike">
                           <a:effectLst/>
                         </a:rPr>
-                        <a:t>10.0.0.48 à 10.0.0.78</a:t>
+                        <a:t>10.0.0.49</a:t>
                       </a:r>
                       <a:endParaRPr lang="fr-FR" sz="1100" b="0" i="0" u="none" strike="noStrike">
                         <a:solidFill>
@@ -8393,23 +8466,19 @@
                       </a:endParaRPr>
                     </a:p>
                   </a:txBody>
-                  <a:tcPr marL="6350" marR="6350" marT="6350" marB="0" anchor="b">
-                    <a:solidFill>
-                      <a:schemeClr val="bg1"/>
-                    </a:solidFill>
-                  </a:tcPr>
+                  <a:tcPr marL="6350" marR="6350" marT="6350" marB="0" anchor="b"/>
                 </a:tc>
                 <a:tc>
                   <a:txBody>
                     <a:bodyPr/>
                     <a:lstStyle/>
                     <a:p>
-                      <a:pPr algn="ctr" fontAlgn="b"/>
+                      <a:pPr algn="ctr" rtl="0" fontAlgn="b"/>
                       <a:r>
                         <a:rPr lang="fr-FR" sz="1100" u="none" strike="noStrike">
                           <a:effectLst/>
                         </a:rPr>
-                        <a:t>10.0.0.79</a:t>
+                        <a:t>10.0.0.50 à 10.0.0.79</a:t>
                       </a:r>
                       <a:endParaRPr lang="fr-FR" sz="1100" b="0" i="0" u="none" strike="noStrike">
                         <a:solidFill>
@@ -8420,25 +8489,44 @@
                       </a:endParaRPr>
                     </a:p>
                   </a:txBody>
-                  <a:tcPr marL="6350" marR="6350" marT="6350" marB="0" anchor="b">
-                    <a:solidFill>
-                      <a:schemeClr val="bg1"/>
-                    </a:solidFill>
-                  </a:tcPr>
+                  <a:tcPr marL="6350" marR="6350" marT="6350" marB="0" anchor="b"/>
                 </a:tc>
-                <a:extLst>
-                  <a:ext uri="{0D108BD9-81ED-4DB2-BD59-A6C34878D82A}">
-                    <a16:rowId xmlns:a16="http://schemas.microsoft.com/office/drawing/2014/main" val="219360629"/>
-                  </a:ext>
-                </a:extLst>
-              </a:tr>
-              <a:tr h="199496">
                 <a:tc>
                   <a:txBody>
                     <a:bodyPr/>
                     <a:lstStyle/>
                     <a:p>
-                      <a:pPr algn="ctr" fontAlgn="b"/>
+                      <a:pPr algn="ctr" rtl="0" fontAlgn="b"/>
+                      <a:r>
+                        <a:rPr lang="fr-FR" sz="1100" u="none" strike="noStrike">
+                          <a:effectLst/>
+                        </a:rPr>
+                        <a:t>10.0.0.80</a:t>
+                      </a:r>
+                      <a:endParaRPr lang="fr-FR" sz="1100" b="0" i="0" u="none" strike="noStrike">
+                        <a:solidFill>
+                          <a:srgbClr val="000000"/>
+                        </a:solidFill>
+                        <a:effectLst/>
+                        <a:latin typeface="Calibri" panose="020F0502020204030204" pitchFamily="34" charset="0"/>
+                      </a:endParaRPr>
+                    </a:p>
+                  </a:txBody>
+                  <a:tcPr marL="6350" marR="6350" marT="6350" marB="0" anchor="b"/>
+                </a:tc>
+                <a:extLst>
+                  <a:ext uri="{0D108BD9-81ED-4DB2-BD59-A6C34878D82A}">
+                    <a16:rowId xmlns:a16="http://schemas.microsoft.com/office/drawing/2014/main" val="1102603104"/>
+                  </a:ext>
+                </a:extLst>
+              </a:tr>
+              <a:tr h="209877">
+                <a:tc>
+                  <a:txBody>
+                    <a:bodyPr/>
+                    <a:lstStyle/>
+                    <a:p>
+                      <a:pPr algn="ctr" rtl="0" fontAlgn="b"/>
                       <a:r>
                         <a:rPr lang="fr-FR" sz="1100" u="none" strike="noStrike">
                           <a:effectLst/>
@@ -8454,23 +8542,19 @@
                       </a:endParaRPr>
                     </a:p>
                   </a:txBody>
-                  <a:tcPr marL="6350" marR="6350" marT="6350" marB="0" anchor="b">
-                    <a:solidFill>
-                      <a:schemeClr val="bg1"/>
-                    </a:solidFill>
-                  </a:tcPr>
+                  <a:tcPr marL="6350" marR="6350" marT="6350" marB="0" anchor="b"/>
                 </a:tc>
                 <a:tc>
                   <a:txBody>
                     <a:bodyPr/>
                     <a:lstStyle/>
                     <a:p>
-                      <a:pPr algn="ctr" fontAlgn="b"/>
+                      <a:pPr algn="ctr" rtl="0" fontAlgn="b"/>
                       <a:r>
                         <a:rPr lang="fr-FR" sz="1100" u="none" strike="noStrike">
                           <a:effectLst/>
                         </a:rPr>
-                        <a:t>10.0.0.80</a:t>
+                        <a:t>10.0.0.81</a:t>
                       </a:r>
                       <a:endParaRPr lang="fr-FR" sz="1100" b="0" i="0" u="none" strike="noStrike">
                         <a:solidFill>
@@ -8481,23 +8565,19 @@
                       </a:endParaRPr>
                     </a:p>
                   </a:txBody>
-                  <a:tcPr marL="6350" marR="6350" marT="6350" marB="0" anchor="b">
-                    <a:solidFill>
-                      <a:schemeClr val="bg1"/>
-                    </a:solidFill>
-                  </a:tcPr>
+                  <a:tcPr marL="6350" marR="6350" marT="6350" marB="0" anchor="b"/>
                 </a:tc>
                 <a:tc>
                   <a:txBody>
                     <a:bodyPr/>
                     <a:lstStyle/>
                     <a:p>
-                      <a:pPr algn="ctr" fontAlgn="b"/>
+                      <a:pPr algn="ctr" rtl="0" fontAlgn="b"/>
                       <a:r>
                         <a:rPr lang="fr-FR" sz="1100" u="none" strike="noStrike">
                           <a:effectLst/>
                         </a:rPr>
-                        <a:t>10.0.0.81 à 10.0.0.111</a:t>
+                        <a:t>10.0.0.82</a:t>
                       </a:r>
                       <a:endParaRPr lang="fr-FR" sz="1100" b="0" i="0" u="none" strike="noStrike">
                         <a:solidFill>
@@ -8508,23 +8588,19 @@
                       </a:endParaRPr>
                     </a:p>
                   </a:txBody>
-                  <a:tcPr marL="6350" marR="6350" marT="6350" marB="0" anchor="b">
-                    <a:solidFill>
-                      <a:schemeClr val="bg1"/>
-                    </a:solidFill>
-                  </a:tcPr>
+                  <a:tcPr marL="6350" marR="6350" marT="6350" marB="0" anchor="b"/>
                 </a:tc>
                 <a:tc>
                   <a:txBody>
                     <a:bodyPr/>
                     <a:lstStyle/>
                     <a:p>
-                      <a:pPr algn="ctr" fontAlgn="b"/>
+                      <a:pPr algn="ctr" rtl="0" fontAlgn="b"/>
                       <a:r>
                         <a:rPr lang="fr-FR" sz="1100" u="none" strike="noStrike">
                           <a:effectLst/>
                         </a:rPr>
-                        <a:t>10.0.0.112</a:t>
+                        <a:t>10.0.0.83 à 10.0.0.112</a:t>
                       </a:r>
                       <a:endParaRPr lang="fr-FR" sz="1100" b="0" i="0" u="none" strike="noStrike">
                         <a:solidFill>
@@ -8535,25 +8611,44 @@
                       </a:endParaRPr>
                     </a:p>
                   </a:txBody>
-                  <a:tcPr marL="6350" marR="6350" marT="6350" marB="0" anchor="b">
-                    <a:solidFill>
-                      <a:schemeClr val="bg1"/>
-                    </a:solidFill>
-                  </a:tcPr>
+                  <a:tcPr marL="6350" marR="6350" marT="6350" marB="0" anchor="b"/>
                 </a:tc>
-                <a:extLst>
-                  <a:ext uri="{0D108BD9-81ED-4DB2-BD59-A6C34878D82A}">
-                    <a16:rowId xmlns:a16="http://schemas.microsoft.com/office/drawing/2014/main" val="1298377991"/>
-                  </a:ext>
-                </a:extLst>
-              </a:tr>
-              <a:tr h="199496">
                 <a:tc>
                   <a:txBody>
                     <a:bodyPr/>
                     <a:lstStyle/>
                     <a:p>
-                      <a:pPr algn="ctr" fontAlgn="b"/>
+                      <a:pPr algn="ctr" rtl="0" fontAlgn="b"/>
+                      <a:r>
+                        <a:rPr lang="fr-FR" sz="1100" u="none" strike="noStrike">
+                          <a:effectLst/>
+                        </a:rPr>
+                        <a:t>10.0.0.113</a:t>
+                      </a:r>
+                      <a:endParaRPr lang="fr-FR" sz="1100" b="0" i="0" u="none" strike="noStrike">
+                        <a:solidFill>
+                          <a:srgbClr val="000000"/>
+                        </a:solidFill>
+                        <a:effectLst/>
+                        <a:latin typeface="Calibri" panose="020F0502020204030204" pitchFamily="34" charset="0"/>
+                      </a:endParaRPr>
+                    </a:p>
+                  </a:txBody>
+                  <a:tcPr marL="6350" marR="6350" marT="6350" marB="0" anchor="b"/>
+                </a:tc>
+                <a:extLst>
+                  <a:ext uri="{0D108BD9-81ED-4DB2-BD59-A6C34878D82A}">
+                    <a16:rowId xmlns:a16="http://schemas.microsoft.com/office/drawing/2014/main" val="847639291"/>
+                  </a:ext>
+                </a:extLst>
+              </a:tr>
+              <a:tr h="209877">
+                <a:tc>
+                  <a:txBody>
+                    <a:bodyPr/>
+                    <a:lstStyle/>
+                    <a:p>
+                      <a:pPr algn="ctr" rtl="0" fontAlgn="b"/>
                       <a:r>
                         <a:rPr lang="fr-FR" sz="1100" u="none" strike="noStrike">
                           <a:effectLst/>
@@ -8569,23 +8664,19 @@
                       </a:endParaRPr>
                     </a:p>
                   </a:txBody>
-                  <a:tcPr marL="6350" marR="6350" marT="6350" marB="0" anchor="b">
-                    <a:solidFill>
-                      <a:schemeClr val="bg1"/>
-                    </a:solidFill>
-                  </a:tcPr>
+                  <a:tcPr marL="6350" marR="6350" marT="6350" marB="0" anchor="b"/>
                 </a:tc>
                 <a:tc>
                   <a:txBody>
                     <a:bodyPr/>
                     <a:lstStyle/>
                     <a:p>
-                      <a:pPr algn="ctr" fontAlgn="b"/>
+                      <a:pPr algn="ctr" rtl="0" fontAlgn="b"/>
                       <a:r>
                         <a:rPr lang="fr-FR" sz="1100" u="none" strike="noStrike">
                           <a:effectLst/>
                         </a:rPr>
-                        <a:t>10.0.0.113</a:t>
+                        <a:t>10.0.0.114</a:t>
                       </a:r>
                       <a:endParaRPr lang="fr-FR" sz="1100" b="0" i="0" u="none" strike="noStrike">
                         <a:solidFill>
@@ -8596,23 +8687,19 @@
                       </a:endParaRPr>
                     </a:p>
                   </a:txBody>
-                  <a:tcPr marL="6350" marR="6350" marT="6350" marB="0" anchor="b">
-                    <a:solidFill>
-                      <a:schemeClr val="bg1"/>
-                    </a:solidFill>
-                  </a:tcPr>
+                  <a:tcPr marL="6350" marR="6350" marT="6350" marB="0" anchor="b"/>
                 </a:tc>
                 <a:tc>
                   <a:txBody>
                     <a:bodyPr/>
                     <a:lstStyle/>
                     <a:p>
-                      <a:pPr algn="ctr" fontAlgn="b"/>
+                      <a:pPr algn="ctr" rtl="0" fontAlgn="b"/>
                       <a:r>
                         <a:rPr lang="fr-FR" sz="1100" u="none" strike="noStrike">
                           <a:effectLst/>
                         </a:rPr>
-                        <a:t>10.0.0.114 à 10.0.0.144</a:t>
+                        <a:t>10.0.0.115</a:t>
                       </a:r>
                       <a:endParaRPr lang="fr-FR" sz="1100" b="0" i="0" u="none" strike="noStrike">
                         <a:solidFill>
@@ -8623,23 +8710,19 @@
                       </a:endParaRPr>
                     </a:p>
                   </a:txBody>
-                  <a:tcPr marL="6350" marR="6350" marT="6350" marB="0" anchor="b">
-                    <a:solidFill>
-                      <a:schemeClr val="bg1"/>
-                    </a:solidFill>
-                  </a:tcPr>
+                  <a:tcPr marL="6350" marR="6350" marT="6350" marB="0" anchor="b"/>
                 </a:tc>
                 <a:tc>
                   <a:txBody>
                     <a:bodyPr/>
                     <a:lstStyle/>
                     <a:p>
-                      <a:pPr algn="ctr" fontAlgn="b"/>
+                      <a:pPr algn="ctr" rtl="0" fontAlgn="b"/>
                       <a:r>
                         <a:rPr lang="fr-FR" sz="1100" u="none" strike="noStrike">
                           <a:effectLst/>
                         </a:rPr>
-                        <a:t>10.0.0.145</a:t>
+                        <a:t>10.0.0.116 à 10.0.0.145</a:t>
                       </a:r>
                       <a:endParaRPr lang="fr-FR" sz="1100" b="0" i="0" u="none" strike="noStrike">
                         <a:solidFill>
@@ -8650,25 +8733,44 @@
                       </a:endParaRPr>
                     </a:p>
                   </a:txBody>
-                  <a:tcPr marL="6350" marR="6350" marT="6350" marB="0" anchor="b">
-                    <a:solidFill>
-                      <a:schemeClr val="bg1"/>
-                    </a:solidFill>
-                  </a:tcPr>
+                  <a:tcPr marL="6350" marR="6350" marT="6350" marB="0" anchor="b"/>
                 </a:tc>
-                <a:extLst>
-                  <a:ext uri="{0D108BD9-81ED-4DB2-BD59-A6C34878D82A}">
-                    <a16:rowId xmlns:a16="http://schemas.microsoft.com/office/drawing/2014/main" val="942706680"/>
-                  </a:ext>
-                </a:extLst>
-              </a:tr>
-              <a:tr h="199496">
                 <a:tc>
                   <a:txBody>
                     <a:bodyPr/>
                     <a:lstStyle/>
                     <a:p>
-                      <a:pPr algn="ctr" fontAlgn="b"/>
+                      <a:pPr algn="ctr" rtl="0" fontAlgn="b"/>
+                      <a:r>
+                        <a:rPr lang="fr-FR" sz="1100" u="none" strike="noStrike">
+                          <a:effectLst/>
+                        </a:rPr>
+                        <a:t>10.0.0.146</a:t>
+                      </a:r>
+                      <a:endParaRPr lang="fr-FR" sz="1100" b="0" i="0" u="none" strike="noStrike">
+                        <a:solidFill>
+                          <a:srgbClr val="000000"/>
+                        </a:solidFill>
+                        <a:effectLst/>
+                        <a:latin typeface="Calibri" panose="020F0502020204030204" pitchFamily="34" charset="0"/>
+                      </a:endParaRPr>
+                    </a:p>
+                  </a:txBody>
+                  <a:tcPr marL="6350" marR="6350" marT="6350" marB="0" anchor="b"/>
+                </a:tc>
+                <a:extLst>
+                  <a:ext uri="{0D108BD9-81ED-4DB2-BD59-A6C34878D82A}">
+                    <a16:rowId xmlns:a16="http://schemas.microsoft.com/office/drawing/2014/main" val="3019377347"/>
+                  </a:ext>
+                </a:extLst>
+              </a:tr>
+              <a:tr h="225967">
+                <a:tc>
+                  <a:txBody>
+                    <a:bodyPr/>
+                    <a:lstStyle/>
+                    <a:p>
+                      <a:pPr algn="ctr" rtl="0" fontAlgn="b"/>
                       <a:r>
                         <a:rPr lang="fr-FR" sz="1100" u="none" strike="noStrike">
                           <a:effectLst/>
@@ -8684,23 +8786,19 @@
                       </a:endParaRPr>
                     </a:p>
                   </a:txBody>
-                  <a:tcPr marL="6350" marR="6350" marT="6350" marB="0" anchor="b">
-                    <a:solidFill>
-                      <a:schemeClr val="bg1"/>
-                    </a:solidFill>
-                  </a:tcPr>
+                  <a:tcPr marL="6350" marR="6350" marT="6350" marB="0" anchor="b"/>
                 </a:tc>
                 <a:tc>
                   <a:txBody>
                     <a:bodyPr/>
                     <a:lstStyle/>
                     <a:p>
-                      <a:pPr algn="ctr" fontAlgn="b"/>
+                      <a:pPr algn="ctr" rtl="0" fontAlgn="b"/>
                       <a:r>
                         <a:rPr lang="fr-FR" sz="1100" u="none" strike="noStrike">
                           <a:effectLst/>
                         </a:rPr>
-                        <a:t>10.0.0.146</a:t>
+                        <a:t>10.0.0.147</a:t>
                       </a:r>
                       <a:endParaRPr lang="fr-FR" sz="1100" b="0" i="0" u="none" strike="noStrike">
                         <a:solidFill>
@@ -8711,23 +8809,19 @@
                       </a:endParaRPr>
                     </a:p>
                   </a:txBody>
-                  <a:tcPr marL="6350" marR="6350" marT="6350" marB="0" anchor="b">
-                    <a:solidFill>
-                      <a:schemeClr val="bg1"/>
-                    </a:solidFill>
-                  </a:tcPr>
+                  <a:tcPr marL="6350" marR="6350" marT="6350" marB="0" anchor="b"/>
                 </a:tc>
                 <a:tc>
                   <a:txBody>
                     <a:bodyPr/>
                     <a:lstStyle/>
                     <a:p>
-                      <a:pPr algn="ctr" fontAlgn="b"/>
+                      <a:pPr algn="ctr" rtl="0" fontAlgn="b"/>
                       <a:r>
                         <a:rPr lang="fr-FR" sz="1100" u="none" strike="noStrike">
                           <a:effectLst/>
                         </a:rPr>
-                        <a:t>10.0.0.147 à 10.0.0.177</a:t>
+                        <a:t>10.0.0.148</a:t>
                       </a:r>
                       <a:endParaRPr lang="fr-FR" sz="1100" b="0" i="0" u="none" strike="noStrike">
                         <a:solidFill>
@@ -8738,23 +8832,19 @@
                       </a:endParaRPr>
                     </a:p>
                   </a:txBody>
-                  <a:tcPr marL="6350" marR="6350" marT="6350" marB="0" anchor="b">
-                    <a:solidFill>
-                      <a:schemeClr val="bg1"/>
-                    </a:solidFill>
-                  </a:tcPr>
+                  <a:tcPr marL="6350" marR="6350" marT="6350" marB="0" anchor="b"/>
                 </a:tc>
                 <a:tc>
                   <a:txBody>
                     <a:bodyPr/>
                     <a:lstStyle/>
                     <a:p>
-                      <a:pPr algn="ctr" fontAlgn="b"/>
+                      <a:pPr algn="ctr" rtl="0" fontAlgn="b"/>
                       <a:r>
                         <a:rPr lang="fr-FR" sz="1100" u="none" strike="noStrike">
                           <a:effectLst/>
                         </a:rPr>
-                        <a:t>10.0.0.178</a:t>
+                        <a:t>10.0.0.149 à 10.0.0.178</a:t>
                       </a:r>
                       <a:endParaRPr lang="fr-FR" sz="1100" b="0" i="0" u="none" strike="noStrike">
                         <a:solidFill>
@@ -8765,25 +8855,44 @@
                       </a:endParaRPr>
                     </a:p>
                   </a:txBody>
-                  <a:tcPr marL="6350" marR="6350" marT="6350" marB="0" anchor="b">
-                    <a:solidFill>
-                      <a:schemeClr val="bg1"/>
-                    </a:solidFill>
-                  </a:tcPr>
+                  <a:tcPr marL="6350" marR="6350" marT="6350" marB="0" anchor="b"/>
                 </a:tc>
-                <a:extLst>
-                  <a:ext uri="{0D108BD9-81ED-4DB2-BD59-A6C34878D82A}">
-                    <a16:rowId xmlns:a16="http://schemas.microsoft.com/office/drawing/2014/main" val="2414621762"/>
-                  </a:ext>
-                </a:extLst>
-              </a:tr>
-              <a:tr h="199496">
                 <a:tc>
                   <a:txBody>
                     <a:bodyPr/>
                     <a:lstStyle/>
                     <a:p>
-                      <a:pPr algn="ctr" fontAlgn="b"/>
+                      <a:pPr algn="ctr" rtl="0" fontAlgn="b"/>
+                      <a:r>
+                        <a:rPr lang="fr-FR" sz="1100" u="none" strike="noStrike">
+                          <a:effectLst/>
+                        </a:rPr>
+                        <a:t>10.0.0.179</a:t>
+                      </a:r>
+                      <a:endParaRPr lang="fr-FR" sz="1100" b="0" i="0" u="none" strike="noStrike">
+                        <a:solidFill>
+                          <a:srgbClr val="000000"/>
+                        </a:solidFill>
+                        <a:effectLst/>
+                        <a:latin typeface="Calibri" panose="020F0502020204030204" pitchFamily="34" charset="0"/>
+                      </a:endParaRPr>
+                    </a:p>
+                  </a:txBody>
+                  <a:tcPr marL="6350" marR="6350" marT="6350" marB="0" anchor="b"/>
+                </a:tc>
+                <a:extLst>
+                  <a:ext uri="{0D108BD9-81ED-4DB2-BD59-A6C34878D82A}">
+                    <a16:rowId xmlns:a16="http://schemas.microsoft.com/office/drawing/2014/main" val="1466841575"/>
+                  </a:ext>
+                </a:extLst>
+              </a:tr>
+              <a:tr h="209877">
+                <a:tc>
+                  <a:txBody>
+                    <a:bodyPr/>
+                    <a:lstStyle/>
+                    <a:p>
+                      <a:pPr algn="ctr" rtl="0" fontAlgn="b"/>
                       <a:r>
                         <a:rPr lang="fr-FR" sz="1100" u="none" strike="noStrike">
                           <a:effectLst/>
@@ -8799,18 +8908,14 @@
                       </a:endParaRPr>
                     </a:p>
                   </a:txBody>
-                  <a:tcPr marL="6350" marR="6350" marT="6350" marB="0" anchor="b">
-                    <a:solidFill>
-                      <a:schemeClr val="bg1"/>
-                    </a:solidFill>
-                  </a:tcPr>
+                  <a:tcPr marL="6350" marR="6350" marT="6350" marB="0" anchor="b"/>
                 </a:tc>
                 <a:tc>
                   <a:txBody>
                     <a:bodyPr/>
                     <a:lstStyle/>
                     <a:p>
-                      <a:pPr algn="ctr" fontAlgn="b"/>
+                      <a:pPr algn="ctr" rtl="0" fontAlgn="b"/>
                       <a:r>
                         <a:rPr lang="fr-FR" sz="1100" u="none" strike="noStrike">
                           <a:effectLst/>
@@ -8826,23 +8931,19 @@
                       </a:endParaRPr>
                     </a:p>
                   </a:txBody>
-                  <a:tcPr marL="6350" marR="6350" marT="6350" marB="0" anchor="b">
-                    <a:solidFill>
-                      <a:schemeClr val="bg1"/>
-                    </a:solidFill>
-                  </a:tcPr>
+                  <a:tcPr marL="6350" marR="6350" marT="6350" marB="0" anchor="b"/>
                 </a:tc>
                 <a:tc>
                   <a:txBody>
                     <a:bodyPr/>
                     <a:lstStyle/>
                     <a:p>
-                      <a:pPr algn="ctr" fontAlgn="b"/>
+                      <a:pPr algn="ctr" rtl="0" fontAlgn="b"/>
                       <a:r>
                         <a:rPr lang="fr-FR" sz="1100" u="none" strike="noStrike">
                           <a:effectLst/>
                         </a:rPr>
-                        <a:t>10.0.1.1 à 10.0.1.120</a:t>
+                        <a:t>10.0.1.1</a:t>
                       </a:r>
                       <a:endParaRPr lang="fr-FR" sz="1100" b="0" i="0" u="none" strike="noStrike">
                         <a:solidFill>
@@ -8853,23 +8954,19 @@
                       </a:endParaRPr>
                     </a:p>
                   </a:txBody>
-                  <a:tcPr marL="6350" marR="6350" marT="6350" marB="0" anchor="b">
-                    <a:solidFill>
-                      <a:schemeClr val="bg1"/>
-                    </a:solidFill>
-                  </a:tcPr>
+                  <a:tcPr marL="6350" marR="6350" marT="6350" marB="0" anchor="b"/>
                 </a:tc>
                 <a:tc>
                   <a:txBody>
                     <a:bodyPr/>
                     <a:lstStyle/>
                     <a:p>
-                      <a:pPr algn="ctr" fontAlgn="b"/>
+                      <a:pPr algn="ctr" rtl="0" fontAlgn="b"/>
                       <a:r>
                         <a:rPr lang="fr-FR" sz="1100" u="none" strike="noStrike">
                           <a:effectLst/>
                         </a:rPr>
-                        <a:t>10.0.1.121</a:t>
+                        <a:t>10.0.1.2 à 10.0.1.121</a:t>
                       </a:r>
                       <a:endParaRPr lang="fr-FR" sz="1100" b="0" i="0" u="none" strike="noStrike">
                         <a:solidFill>
@@ -8880,25 +8977,44 @@
                       </a:endParaRPr>
                     </a:p>
                   </a:txBody>
-                  <a:tcPr marL="6350" marR="6350" marT="6350" marB="0" anchor="b">
-                    <a:solidFill>
-                      <a:schemeClr val="bg1"/>
-                    </a:solidFill>
-                  </a:tcPr>
+                  <a:tcPr marL="6350" marR="6350" marT="6350" marB="0" anchor="b"/>
                 </a:tc>
-                <a:extLst>
-                  <a:ext uri="{0D108BD9-81ED-4DB2-BD59-A6C34878D82A}">
-                    <a16:rowId xmlns:a16="http://schemas.microsoft.com/office/drawing/2014/main" val="3940689131"/>
-                  </a:ext>
-                </a:extLst>
-              </a:tr>
-              <a:tr h="199496">
                 <a:tc>
                   <a:txBody>
                     <a:bodyPr/>
                     <a:lstStyle/>
                     <a:p>
-                      <a:pPr algn="ctr" fontAlgn="b"/>
+                      <a:pPr algn="ctr" rtl="0" fontAlgn="b"/>
+                      <a:r>
+                        <a:rPr lang="fr-FR" sz="1100" u="none" strike="noStrike">
+                          <a:effectLst/>
+                        </a:rPr>
+                        <a:t>10.0.1.122</a:t>
+                      </a:r>
+                      <a:endParaRPr lang="fr-FR" sz="1100" b="0" i="0" u="none" strike="noStrike">
+                        <a:solidFill>
+                          <a:srgbClr val="000000"/>
+                        </a:solidFill>
+                        <a:effectLst/>
+                        <a:latin typeface="Calibri" panose="020F0502020204030204" pitchFamily="34" charset="0"/>
+                      </a:endParaRPr>
+                    </a:p>
+                  </a:txBody>
+                  <a:tcPr marL="6350" marR="6350" marT="6350" marB="0" anchor="b"/>
+                </a:tc>
+                <a:extLst>
+                  <a:ext uri="{0D108BD9-81ED-4DB2-BD59-A6C34878D82A}">
+                    <a16:rowId xmlns:a16="http://schemas.microsoft.com/office/drawing/2014/main" val="626060594"/>
+                  </a:ext>
+                </a:extLst>
+              </a:tr>
+              <a:tr h="209877">
+                <a:tc>
+                  <a:txBody>
+                    <a:bodyPr/>
+                    <a:lstStyle/>
+                    <a:p>
+                      <a:pPr algn="ctr" rtl="0" fontAlgn="b"/>
                       <a:r>
                         <a:rPr lang="fr-FR" sz="1100" u="none" strike="noStrike">
                           <a:effectLst/>
@@ -8914,18 +9030,14 @@
                       </a:endParaRPr>
                     </a:p>
                   </a:txBody>
-                  <a:tcPr marL="6350" marR="6350" marT="6350" marB="0" anchor="b">
-                    <a:solidFill>
-                      <a:schemeClr val="bg1"/>
-                    </a:solidFill>
-                  </a:tcPr>
+                  <a:tcPr marL="6350" marR="6350" marT="6350" marB="0" anchor="b"/>
                 </a:tc>
                 <a:tc>
                   <a:txBody>
                     <a:bodyPr/>
                     <a:lstStyle/>
                     <a:p>
-                      <a:pPr algn="ctr" fontAlgn="b"/>
+                      <a:pPr algn="ctr" rtl="0" fontAlgn="b"/>
                       <a:r>
                         <a:rPr lang="fr-FR" sz="1100" u="none" strike="noStrike">
                           <a:effectLst/>
@@ -8941,23 +9053,19 @@
                       </a:endParaRPr>
                     </a:p>
                   </a:txBody>
-                  <a:tcPr marL="6350" marR="6350" marT="6350" marB="0" anchor="b">
-                    <a:solidFill>
-                      <a:schemeClr val="bg1"/>
-                    </a:solidFill>
-                  </a:tcPr>
+                  <a:tcPr marL="6350" marR="6350" marT="6350" marB="0" anchor="b"/>
                 </a:tc>
                 <a:tc>
                   <a:txBody>
                     <a:bodyPr/>
                     <a:lstStyle/>
                     <a:p>
-                      <a:pPr algn="ctr" fontAlgn="b"/>
+                      <a:pPr algn="ctr" rtl="0" fontAlgn="b"/>
                       <a:r>
                         <a:rPr lang="fr-FR" sz="1100" u="none" strike="noStrike">
                           <a:effectLst/>
                         </a:rPr>
-                        <a:t>10.0.2.1 à 10.0.2.120</a:t>
+                        <a:t>10.0.2.1</a:t>
                       </a:r>
                       <a:endParaRPr lang="fr-FR" sz="1100" b="0" i="0" u="none" strike="noStrike">
                         <a:solidFill>
@@ -8968,23 +9076,19 @@
                       </a:endParaRPr>
                     </a:p>
                   </a:txBody>
-                  <a:tcPr marL="6350" marR="6350" marT="6350" marB="0" anchor="b">
-                    <a:solidFill>
-                      <a:schemeClr val="bg1"/>
-                    </a:solidFill>
-                  </a:tcPr>
+                  <a:tcPr marL="6350" marR="6350" marT="6350" marB="0" anchor="b"/>
                 </a:tc>
                 <a:tc>
                   <a:txBody>
                     <a:bodyPr/>
                     <a:lstStyle/>
                     <a:p>
-                      <a:pPr algn="ctr" fontAlgn="b"/>
+                      <a:pPr algn="ctr" rtl="0" fontAlgn="b"/>
                       <a:r>
                         <a:rPr lang="fr-FR" sz="1100" u="none" strike="noStrike">
                           <a:effectLst/>
                         </a:rPr>
-                        <a:t>10.0.2.121</a:t>
+                        <a:t>10.0.2.2 à 10.0.2.121</a:t>
                       </a:r>
                       <a:endParaRPr lang="fr-FR" sz="1100" b="0" i="0" u="none" strike="noStrike">
                         <a:solidFill>
@@ -8995,25 +9099,44 @@
                       </a:endParaRPr>
                     </a:p>
                   </a:txBody>
-                  <a:tcPr marL="6350" marR="6350" marT="6350" marB="0" anchor="b">
-                    <a:solidFill>
-                      <a:schemeClr val="bg1"/>
-                    </a:solidFill>
-                  </a:tcPr>
+                  <a:tcPr marL="6350" marR="6350" marT="6350" marB="0" anchor="b"/>
                 </a:tc>
-                <a:extLst>
-                  <a:ext uri="{0D108BD9-81ED-4DB2-BD59-A6C34878D82A}">
-                    <a16:rowId xmlns:a16="http://schemas.microsoft.com/office/drawing/2014/main" val="3599040807"/>
-                  </a:ext>
-                </a:extLst>
-              </a:tr>
-              <a:tr h="199496">
                 <a:tc>
                   <a:txBody>
                     <a:bodyPr/>
                     <a:lstStyle/>
                     <a:p>
-                      <a:pPr algn="ctr" fontAlgn="b"/>
+                      <a:pPr algn="ctr" rtl="0" fontAlgn="b"/>
+                      <a:r>
+                        <a:rPr lang="fr-FR" sz="1100" u="none" strike="noStrike">
+                          <a:effectLst/>
+                        </a:rPr>
+                        <a:t>10.0.2.122</a:t>
+                      </a:r>
+                      <a:endParaRPr lang="fr-FR" sz="1100" b="0" i="0" u="none" strike="noStrike">
+                        <a:solidFill>
+                          <a:srgbClr val="000000"/>
+                        </a:solidFill>
+                        <a:effectLst/>
+                        <a:latin typeface="Calibri" panose="020F0502020204030204" pitchFamily="34" charset="0"/>
+                      </a:endParaRPr>
+                    </a:p>
+                  </a:txBody>
+                  <a:tcPr marL="6350" marR="6350" marT="6350" marB="0" anchor="b"/>
+                </a:tc>
+                <a:extLst>
+                  <a:ext uri="{0D108BD9-81ED-4DB2-BD59-A6C34878D82A}">
+                    <a16:rowId xmlns:a16="http://schemas.microsoft.com/office/drawing/2014/main" val="681888113"/>
+                  </a:ext>
+                </a:extLst>
+              </a:tr>
+              <a:tr h="209877">
+                <a:tc>
+                  <a:txBody>
+                    <a:bodyPr/>
+                    <a:lstStyle/>
+                    <a:p>
+                      <a:pPr algn="ctr" rtl="0" fontAlgn="b"/>
                       <a:r>
                         <a:rPr lang="fr-FR" sz="1100" u="none" strike="noStrike">
                           <a:effectLst/>
@@ -9029,18 +9152,14 @@
                       </a:endParaRPr>
                     </a:p>
                   </a:txBody>
-                  <a:tcPr marL="6350" marR="6350" marT="6350" marB="0" anchor="b">
-                    <a:solidFill>
-                      <a:schemeClr val="bg1"/>
-                    </a:solidFill>
-                  </a:tcPr>
+                  <a:tcPr marL="6350" marR="6350" marT="6350" marB="0" anchor="b"/>
                 </a:tc>
                 <a:tc>
                   <a:txBody>
                     <a:bodyPr/>
                     <a:lstStyle/>
                     <a:p>
-                      <a:pPr algn="ctr" fontAlgn="b"/>
+                      <a:pPr algn="ctr" rtl="0" fontAlgn="b"/>
                       <a:r>
                         <a:rPr lang="fr-FR" sz="1100" u="none" strike="noStrike">
                           <a:effectLst/>
@@ -9056,23 +9175,19 @@
                       </a:endParaRPr>
                     </a:p>
                   </a:txBody>
-                  <a:tcPr marL="6350" marR="6350" marT="6350" marB="0" anchor="b">
-                    <a:solidFill>
-                      <a:schemeClr val="bg1"/>
-                    </a:solidFill>
-                  </a:tcPr>
+                  <a:tcPr marL="6350" marR="6350" marT="6350" marB="0" anchor="b"/>
                 </a:tc>
                 <a:tc>
                   <a:txBody>
                     <a:bodyPr/>
                     <a:lstStyle/>
                     <a:p>
-                      <a:pPr algn="ctr" fontAlgn="b"/>
+                      <a:pPr algn="ctr" rtl="0" fontAlgn="b"/>
                       <a:r>
                         <a:rPr lang="fr-FR" sz="1100" u="none" strike="noStrike">
                           <a:effectLst/>
                         </a:rPr>
-                        <a:t>10.0.3.1 à 10.0.3.120</a:t>
+                        <a:t>10.0.3.1</a:t>
                       </a:r>
                       <a:endParaRPr lang="fr-FR" sz="1100" b="0" i="0" u="none" strike="noStrike">
                         <a:solidFill>
@@ -9083,23 +9198,19 @@
                       </a:endParaRPr>
                     </a:p>
                   </a:txBody>
-                  <a:tcPr marL="6350" marR="6350" marT="6350" marB="0" anchor="b">
-                    <a:solidFill>
-                      <a:schemeClr val="bg1"/>
-                    </a:solidFill>
-                  </a:tcPr>
+                  <a:tcPr marL="6350" marR="6350" marT="6350" marB="0" anchor="b"/>
                 </a:tc>
                 <a:tc>
                   <a:txBody>
                     <a:bodyPr/>
                     <a:lstStyle/>
                     <a:p>
-                      <a:pPr algn="ctr" fontAlgn="b"/>
+                      <a:pPr algn="ctr" rtl="0" fontAlgn="b"/>
                       <a:r>
                         <a:rPr lang="fr-FR" sz="1100" u="none" strike="noStrike">
                           <a:effectLst/>
                         </a:rPr>
-                        <a:t>10.0.2.121</a:t>
+                        <a:t>10.0.3.2 à 10.0.3.121</a:t>
                       </a:r>
                       <a:endParaRPr lang="fr-FR" sz="1100" b="0" i="0" u="none" strike="noStrike">
                         <a:solidFill>
@@ -9110,25 +9221,44 @@
                       </a:endParaRPr>
                     </a:p>
                   </a:txBody>
-                  <a:tcPr marL="6350" marR="6350" marT="6350" marB="0" anchor="b">
-                    <a:solidFill>
-                      <a:schemeClr val="bg1"/>
-                    </a:solidFill>
-                  </a:tcPr>
+                  <a:tcPr marL="6350" marR="6350" marT="6350" marB="0" anchor="b"/>
                 </a:tc>
-                <a:extLst>
-                  <a:ext uri="{0D108BD9-81ED-4DB2-BD59-A6C34878D82A}">
-                    <a16:rowId xmlns:a16="http://schemas.microsoft.com/office/drawing/2014/main" val="123952862"/>
-                  </a:ext>
-                </a:extLst>
-              </a:tr>
-              <a:tr h="199496">
                 <a:tc>
                   <a:txBody>
                     <a:bodyPr/>
                     <a:lstStyle/>
                     <a:p>
-                      <a:pPr algn="ctr" fontAlgn="b"/>
+                      <a:pPr algn="ctr" rtl="0" fontAlgn="b"/>
+                      <a:r>
+                        <a:rPr lang="fr-FR" sz="1100" u="none" strike="noStrike">
+                          <a:effectLst/>
+                        </a:rPr>
+                        <a:t>10.0.3.122</a:t>
+                      </a:r>
+                      <a:endParaRPr lang="fr-FR" sz="1100" b="0" i="0" u="none" strike="noStrike">
+                        <a:solidFill>
+                          <a:srgbClr val="000000"/>
+                        </a:solidFill>
+                        <a:effectLst/>
+                        <a:latin typeface="Calibri" panose="020F0502020204030204" pitchFamily="34" charset="0"/>
+                      </a:endParaRPr>
+                    </a:p>
+                  </a:txBody>
+                  <a:tcPr marL="6350" marR="6350" marT="6350" marB="0" anchor="b"/>
+                </a:tc>
+                <a:extLst>
+                  <a:ext uri="{0D108BD9-81ED-4DB2-BD59-A6C34878D82A}">
+                    <a16:rowId xmlns:a16="http://schemas.microsoft.com/office/drawing/2014/main" val="1984480829"/>
+                  </a:ext>
+                </a:extLst>
+              </a:tr>
+              <a:tr h="209877">
+                <a:tc>
+                  <a:txBody>
+                    <a:bodyPr/>
+                    <a:lstStyle/>
+                    <a:p>
+                      <a:pPr algn="ctr" rtl="0" fontAlgn="b"/>
                       <a:r>
                         <a:rPr lang="fr-FR" sz="1100" u="none" strike="noStrike">
                           <a:effectLst/>
@@ -9144,18 +9274,14 @@
                       </a:endParaRPr>
                     </a:p>
                   </a:txBody>
-                  <a:tcPr marL="6350" marR="6350" marT="6350" marB="0" anchor="b">
-                    <a:solidFill>
-                      <a:schemeClr val="bg1"/>
-                    </a:solidFill>
-                  </a:tcPr>
+                  <a:tcPr marL="6350" marR="6350" marT="6350" marB="0" anchor="b"/>
                 </a:tc>
                 <a:tc>
                   <a:txBody>
                     <a:bodyPr/>
                     <a:lstStyle/>
                     <a:p>
-                      <a:pPr algn="ctr" fontAlgn="b"/>
+                      <a:pPr algn="ctr" rtl="0" fontAlgn="b"/>
                       <a:r>
                         <a:rPr lang="fr-FR" sz="1100" u="none" strike="noStrike">
                           <a:effectLst/>
@@ -9171,23 +9297,19 @@
                       </a:endParaRPr>
                     </a:p>
                   </a:txBody>
-                  <a:tcPr marL="6350" marR="6350" marT="6350" marB="0" anchor="b">
-                    <a:solidFill>
-                      <a:schemeClr val="bg1"/>
-                    </a:solidFill>
-                  </a:tcPr>
+                  <a:tcPr marL="6350" marR="6350" marT="6350" marB="0" anchor="b"/>
                 </a:tc>
                 <a:tc>
                   <a:txBody>
                     <a:bodyPr/>
                     <a:lstStyle/>
                     <a:p>
-                      <a:pPr algn="ctr" fontAlgn="b"/>
+                      <a:pPr algn="ctr" rtl="0" fontAlgn="b"/>
                       <a:r>
                         <a:rPr lang="fr-FR" sz="1100" u="none" strike="noStrike">
                           <a:effectLst/>
                         </a:rPr>
-                        <a:t>10.0.4.1 à 10.0.4.120</a:t>
+                        <a:t>10.0.4.1</a:t>
                       </a:r>
                       <a:endParaRPr lang="fr-FR" sz="1100" b="0" i="0" u="none" strike="noStrike">
                         <a:solidFill>
@@ -9198,23 +9320,19 @@
                       </a:endParaRPr>
                     </a:p>
                   </a:txBody>
-                  <a:tcPr marL="6350" marR="6350" marT="6350" marB="0" anchor="b">
-                    <a:solidFill>
-                      <a:schemeClr val="bg1"/>
-                    </a:solidFill>
-                  </a:tcPr>
+                  <a:tcPr marL="6350" marR="6350" marT="6350" marB="0" anchor="b"/>
                 </a:tc>
                 <a:tc>
                   <a:txBody>
                     <a:bodyPr/>
                     <a:lstStyle/>
                     <a:p>
-                      <a:pPr algn="ctr" fontAlgn="b"/>
+                      <a:pPr algn="ctr" rtl="0" fontAlgn="b"/>
                       <a:r>
                         <a:rPr lang="fr-FR" sz="1100" u="none" strike="noStrike">
                           <a:effectLst/>
                         </a:rPr>
-                        <a:t>10.0.4.121</a:t>
+                        <a:t>10.0.4.2 à 10.0.4.121</a:t>
                       </a:r>
                       <a:endParaRPr lang="fr-FR" sz="1100" b="0" i="0" u="none" strike="noStrike">
                         <a:solidFill>
@@ -9225,25 +9343,44 @@
                       </a:endParaRPr>
                     </a:p>
                   </a:txBody>
-                  <a:tcPr marL="6350" marR="6350" marT="6350" marB="0" anchor="b">
-                    <a:solidFill>
-                      <a:schemeClr val="bg1"/>
-                    </a:solidFill>
-                  </a:tcPr>
+                  <a:tcPr marL="6350" marR="6350" marT="6350" marB="0" anchor="b"/>
                 </a:tc>
-                <a:extLst>
-                  <a:ext uri="{0D108BD9-81ED-4DB2-BD59-A6C34878D82A}">
-                    <a16:rowId xmlns:a16="http://schemas.microsoft.com/office/drawing/2014/main" val="66429925"/>
-                  </a:ext>
-                </a:extLst>
-              </a:tr>
-              <a:tr h="199496">
                 <a:tc>
                   <a:txBody>
                     <a:bodyPr/>
                     <a:lstStyle/>
                     <a:p>
-                      <a:pPr algn="ctr" fontAlgn="b"/>
+                      <a:pPr algn="ctr" rtl="0" fontAlgn="b"/>
+                      <a:r>
+                        <a:rPr lang="fr-FR" sz="1100" u="none" strike="noStrike">
+                          <a:effectLst/>
+                        </a:rPr>
+                        <a:t>10.0.4.122</a:t>
+                      </a:r>
+                      <a:endParaRPr lang="fr-FR" sz="1100" b="0" i="0" u="none" strike="noStrike">
+                        <a:solidFill>
+                          <a:srgbClr val="000000"/>
+                        </a:solidFill>
+                        <a:effectLst/>
+                        <a:latin typeface="Calibri" panose="020F0502020204030204" pitchFamily="34" charset="0"/>
+                      </a:endParaRPr>
+                    </a:p>
+                  </a:txBody>
+                  <a:tcPr marL="6350" marR="6350" marT="6350" marB="0" anchor="b"/>
+                </a:tc>
+                <a:extLst>
+                  <a:ext uri="{0D108BD9-81ED-4DB2-BD59-A6C34878D82A}">
+                    <a16:rowId xmlns:a16="http://schemas.microsoft.com/office/drawing/2014/main" val="1685255425"/>
+                  </a:ext>
+                </a:extLst>
+              </a:tr>
+              <a:tr h="209877">
+                <a:tc>
+                  <a:txBody>
+                    <a:bodyPr/>
+                    <a:lstStyle/>
+                    <a:p>
+                      <a:pPr algn="ctr" rtl="0" fontAlgn="b"/>
                       <a:r>
                         <a:rPr lang="fr-FR" sz="1100" u="none" strike="noStrike">
                           <a:effectLst/>
@@ -9259,18 +9396,14 @@
                       </a:endParaRPr>
                     </a:p>
                   </a:txBody>
-                  <a:tcPr marL="6350" marR="6350" marT="6350" marB="0" anchor="b">
-                    <a:solidFill>
-                      <a:schemeClr val="bg1"/>
-                    </a:solidFill>
-                  </a:tcPr>
+                  <a:tcPr marL="6350" marR="6350" marT="6350" marB="0" anchor="b"/>
                 </a:tc>
                 <a:tc>
                   <a:txBody>
                     <a:bodyPr/>
                     <a:lstStyle/>
                     <a:p>
-                      <a:pPr algn="ctr" fontAlgn="b"/>
+                      <a:pPr algn="ctr" rtl="0" fontAlgn="b"/>
                       <a:r>
                         <a:rPr lang="fr-FR" sz="1100" u="none" strike="noStrike">
                           <a:effectLst/>
@@ -9286,23 +9419,19 @@
                       </a:endParaRPr>
                     </a:p>
                   </a:txBody>
-                  <a:tcPr marL="6350" marR="6350" marT="6350" marB="0" anchor="b">
-                    <a:solidFill>
-                      <a:schemeClr val="bg1"/>
-                    </a:solidFill>
-                  </a:tcPr>
+                  <a:tcPr marL="6350" marR="6350" marT="6350" marB="0" anchor="b"/>
                 </a:tc>
                 <a:tc>
                   <a:txBody>
                     <a:bodyPr/>
                     <a:lstStyle/>
                     <a:p>
-                      <a:pPr algn="ctr" fontAlgn="b"/>
+                      <a:pPr algn="ctr" rtl="0" fontAlgn="b"/>
                       <a:r>
                         <a:rPr lang="fr-FR" sz="1100" u="none" strike="noStrike">
                           <a:effectLst/>
                         </a:rPr>
-                        <a:t>10.0.5.1 à 10.0.5.120</a:t>
+                        <a:t>10.0.5.1</a:t>
                       </a:r>
                       <a:endParaRPr lang="fr-FR" sz="1100" b="0" i="0" u="none" strike="noStrike">
                         <a:solidFill>
@@ -9313,23 +9442,19 @@
                       </a:endParaRPr>
                     </a:p>
                   </a:txBody>
-                  <a:tcPr marL="6350" marR="6350" marT="6350" marB="0" anchor="b">
-                    <a:solidFill>
-                      <a:schemeClr val="bg1"/>
-                    </a:solidFill>
-                  </a:tcPr>
+                  <a:tcPr marL="6350" marR="6350" marT="6350" marB="0" anchor="b"/>
                 </a:tc>
                 <a:tc>
                   <a:txBody>
                     <a:bodyPr/>
                     <a:lstStyle/>
                     <a:p>
-                      <a:pPr algn="ctr" fontAlgn="ctr"/>
+                      <a:pPr algn="ctr" rtl="0" fontAlgn="b"/>
                       <a:r>
                         <a:rPr lang="fr-FR" sz="1100" u="none" strike="noStrike">
                           <a:effectLst/>
                         </a:rPr>
-                        <a:t>10.0.5.121</a:t>
+                        <a:t>10.0.5.2 à 10.0.5.121</a:t>
                       </a:r>
                       <a:endParaRPr lang="fr-FR" sz="1100" b="0" i="0" u="none" strike="noStrike">
                         <a:solidFill>
@@ -9340,25 +9465,44 @@
                       </a:endParaRPr>
                     </a:p>
                   </a:txBody>
-                  <a:tcPr marL="6350" marR="6350" marT="6350" marB="0" anchor="ctr">
-                    <a:solidFill>
-                      <a:schemeClr val="bg1"/>
-                    </a:solidFill>
-                  </a:tcPr>
+                  <a:tcPr marL="6350" marR="6350" marT="6350" marB="0" anchor="b"/>
                 </a:tc>
-                <a:extLst>
-                  <a:ext uri="{0D108BD9-81ED-4DB2-BD59-A6C34878D82A}">
-                    <a16:rowId xmlns:a16="http://schemas.microsoft.com/office/drawing/2014/main" val="3940504770"/>
-                  </a:ext>
-                </a:extLst>
-              </a:tr>
-              <a:tr h="199496">
                 <a:tc>
                   <a:txBody>
                     <a:bodyPr/>
                     <a:lstStyle/>
                     <a:p>
-                      <a:pPr algn="ctr" fontAlgn="b"/>
+                      <a:pPr algn="ctr" rtl="0" fontAlgn="ctr"/>
+                      <a:r>
+                        <a:rPr lang="fr-FR" sz="1100" u="none" strike="noStrike">
+                          <a:effectLst/>
+                        </a:rPr>
+                        <a:t>10.0.5.122</a:t>
+                      </a:r>
+                      <a:endParaRPr lang="fr-FR" sz="1100" b="0" i="0" u="none" strike="noStrike">
+                        <a:solidFill>
+                          <a:srgbClr val="000000"/>
+                        </a:solidFill>
+                        <a:effectLst/>
+                        <a:latin typeface="Calibri" panose="020F0502020204030204" pitchFamily="34" charset="0"/>
+                      </a:endParaRPr>
+                    </a:p>
+                  </a:txBody>
+                  <a:tcPr marL="6350" marR="6350" marT="6350" marB="0" anchor="ctr"/>
+                </a:tc>
+                <a:extLst>
+                  <a:ext uri="{0D108BD9-81ED-4DB2-BD59-A6C34878D82A}">
+                    <a16:rowId xmlns:a16="http://schemas.microsoft.com/office/drawing/2014/main" val="4264513050"/>
+                  </a:ext>
+                </a:extLst>
+              </a:tr>
+              <a:tr h="209877">
+                <a:tc>
+                  <a:txBody>
+                    <a:bodyPr/>
+                    <a:lstStyle/>
+                    <a:p>
+                      <a:pPr algn="ctr" rtl="0" fontAlgn="b"/>
                       <a:r>
                         <a:rPr lang="fr-FR" sz="1100" u="none" strike="noStrike">
                           <a:effectLst/>
@@ -9374,18 +9518,14 @@
                       </a:endParaRPr>
                     </a:p>
                   </a:txBody>
-                  <a:tcPr marL="6350" marR="6350" marT="6350" marB="0" anchor="b">
-                    <a:solidFill>
-                      <a:schemeClr val="bg1"/>
-                    </a:solidFill>
-                  </a:tcPr>
+                  <a:tcPr marL="6350" marR="6350" marT="6350" marB="0" anchor="b"/>
                 </a:tc>
                 <a:tc>
                   <a:txBody>
                     <a:bodyPr/>
                     <a:lstStyle/>
                     <a:p>
-                      <a:pPr algn="ctr" fontAlgn="b"/>
+                      <a:pPr algn="ctr" rtl="0" fontAlgn="b"/>
                       <a:r>
                         <a:rPr lang="fr-FR" sz="1100" u="none" strike="noStrike">
                           <a:effectLst/>
@@ -9401,23 +9541,19 @@
                       </a:endParaRPr>
                     </a:p>
                   </a:txBody>
-                  <a:tcPr marL="6350" marR="6350" marT="6350" marB="0" anchor="b">
-                    <a:solidFill>
-                      <a:schemeClr val="bg1"/>
-                    </a:solidFill>
-                  </a:tcPr>
+                  <a:tcPr marL="6350" marR="6350" marT="6350" marB="0" anchor="b"/>
                 </a:tc>
                 <a:tc>
                   <a:txBody>
                     <a:bodyPr/>
                     <a:lstStyle/>
                     <a:p>
-                      <a:pPr algn="ctr" fontAlgn="b"/>
+                      <a:pPr algn="ctr" rtl="0" fontAlgn="b"/>
                       <a:r>
                         <a:rPr lang="fr-FR" sz="1100" u="none" strike="noStrike">
                           <a:effectLst/>
                         </a:rPr>
-                        <a:t>10.0.6.1 à 10.0.6.160</a:t>
+                        <a:t>10.0.6.1</a:t>
                       </a:r>
                       <a:endParaRPr lang="fr-FR" sz="1100" b="0" i="0" u="none" strike="noStrike">
                         <a:solidFill>
@@ -9428,23 +9564,19 @@
                       </a:endParaRPr>
                     </a:p>
                   </a:txBody>
-                  <a:tcPr marL="6350" marR="6350" marT="6350" marB="0" anchor="b">
-                    <a:solidFill>
-                      <a:schemeClr val="bg1"/>
-                    </a:solidFill>
-                  </a:tcPr>
+                  <a:tcPr marL="6350" marR="6350" marT="6350" marB="0" anchor="b"/>
                 </a:tc>
                 <a:tc>
                   <a:txBody>
                     <a:bodyPr/>
                     <a:lstStyle/>
                     <a:p>
-                      <a:pPr algn="ctr" fontAlgn="b"/>
+                      <a:pPr algn="ctr" rtl="0" fontAlgn="b"/>
                       <a:r>
                         <a:rPr lang="fr-FR" sz="1100" u="none" strike="noStrike">
                           <a:effectLst/>
                         </a:rPr>
-                        <a:t>10.0.6.161</a:t>
+                        <a:t>10.0.6.2 à 10.0.6.161</a:t>
                       </a:r>
                       <a:endParaRPr lang="fr-FR" sz="1100" b="0" i="0" u="none" strike="noStrike">
                         <a:solidFill>
@@ -9455,25 +9587,44 @@
                       </a:endParaRPr>
                     </a:p>
                   </a:txBody>
-                  <a:tcPr marL="6350" marR="6350" marT="6350" marB="0" anchor="b">
-                    <a:solidFill>
-                      <a:schemeClr val="bg1"/>
-                    </a:solidFill>
-                  </a:tcPr>
+                  <a:tcPr marL="6350" marR="6350" marT="6350" marB="0" anchor="b"/>
                 </a:tc>
-                <a:extLst>
-                  <a:ext uri="{0D108BD9-81ED-4DB2-BD59-A6C34878D82A}">
-                    <a16:rowId xmlns:a16="http://schemas.microsoft.com/office/drawing/2014/main" val="3509289186"/>
-                  </a:ext>
-                </a:extLst>
-              </a:tr>
-              <a:tr h="199496">
                 <a:tc>
                   <a:txBody>
                     <a:bodyPr/>
                     <a:lstStyle/>
                     <a:p>
-                      <a:pPr algn="ctr" fontAlgn="b"/>
+                      <a:pPr algn="ctr" rtl="0" fontAlgn="b"/>
+                      <a:r>
+                        <a:rPr lang="fr-FR" sz="1100" u="none" strike="noStrike">
+                          <a:effectLst/>
+                        </a:rPr>
+                        <a:t>10.0.6.162</a:t>
+                      </a:r>
+                      <a:endParaRPr lang="fr-FR" sz="1100" b="0" i="0" u="none" strike="noStrike">
+                        <a:solidFill>
+                          <a:srgbClr val="000000"/>
+                        </a:solidFill>
+                        <a:effectLst/>
+                        <a:latin typeface="Calibri" panose="020F0502020204030204" pitchFamily="34" charset="0"/>
+                      </a:endParaRPr>
+                    </a:p>
+                  </a:txBody>
+                  <a:tcPr marL="6350" marR="6350" marT="6350" marB="0" anchor="b"/>
+                </a:tc>
+                <a:extLst>
+                  <a:ext uri="{0D108BD9-81ED-4DB2-BD59-A6C34878D82A}">
+                    <a16:rowId xmlns:a16="http://schemas.microsoft.com/office/drawing/2014/main" val="1913139835"/>
+                  </a:ext>
+                </a:extLst>
+              </a:tr>
+              <a:tr h="209877">
+                <a:tc>
+                  <a:txBody>
+                    <a:bodyPr/>
+                    <a:lstStyle/>
+                    <a:p>
+                      <a:pPr algn="ctr" rtl="0" fontAlgn="b"/>
                       <a:r>
                         <a:rPr lang="fr-FR" sz="1100" u="none" strike="noStrike">
                           <a:effectLst/>
@@ -9489,18 +9640,14 @@
                       </a:endParaRPr>
                     </a:p>
                   </a:txBody>
-                  <a:tcPr marL="6350" marR="6350" marT="6350" marB="0" anchor="b">
-                    <a:solidFill>
-                      <a:schemeClr val="bg1"/>
-                    </a:solidFill>
-                  </a:tcPr>
+                  <a:tcPr marL="6350" marR="6350" marT="6350" marB="0" anchor="b"/>
                 </a:tc>
                 <a:tc>
                   <a:txBody>
                     <a:bodyPr/>
                     <a:lstStyle/>
                     <a:p>
-                      <a:pPr algn="ctr" fontAlgn="b"/>
+                      <a:pPr algn="ctr" rtl="0" fontAlgn="b"/>
                       <a:r>
                         <a:rPr lang="fr-FR" sz="1100" u="none" strike="noStrike">
                           <a:effectLst/>
@@ -9516,23 +9663,19 @@
                       </a:endParaRPr>
                     </a:p>
                   </a:txBody>
-                  <a:tcPr marL="6350" marR="6350" marT="6350" marB="0" anchor="b">
-                    <a:solidFill>
-                      <a:schemeClr val="bg1"/>
-                    </a:solidFill>
-                  </a:tcPr>
+                  <a:tcPr marL="6350" marR="6350" marT="6350" marB="0" anchor="b"/>
                 </a:tc>
                 <a:tc>
                   <a:txBody>
                     <a:bodyPr/>
                     <a:lstStyle/>
                     <a:p>
-                      <a:pPr algn="ctr" fontAlgn="b"/>
+                      <a:pPr algn="ctr" rtl="0" fontAlgn="b"/>
                       <a:r>
                         <a:rPr lang="fr-FR" sz="1100" u="none" strike="noStrike">
                           <a:effectLst/>
                         </a:rPr>
-                        <a:t>10.0.7.1 à 10.0.7.160</a:t>
+                        <a:t>10.0.7.1</a:t>
                       </a:r>
                       <a:endParaRPr lang="fr-FR" sz="1100" b="0" i="0" u="none" strike="noStrike">
                         <a:solidFill>
@@ -9543,23 +9686,19 @@
                       </a:endParaRPr>
                     </a:p>
                   </a:txBody>
-                  <a:tcPr marL="6350" marR="6350" marT="6350" marB="0" anchor="b">
-                    <a:solidFill>
-                      <a:schemeClr val="bg1"/>
-                    </a:solidFill>
-                  </a:tcPr>
+                  <a:tcPr marL="6350" marR="6350" marT="6350" marB="0" anchor="b"/>
                 </a:tc>
                 <a:tc>
                   <a:txBody>
                     <a:bodyPr/>
                     <a:lstStyle/>
                     <a:p>
-                      <a:pPr algn="ctr" fontAlgn="b"/>
+                      <a:pPr algn="ctr" rtl="0" fontAlgn="b"/>
                       <a:r>
                         <a:rPr lang="fr-FR" sz="1100" u="none" strike="noStrike">
                           <a:effectLst/>
                         </a:rPr>
-                        <a:t>10.0.7.161</a:t>
+                        <a:t>10.0.7.2 à 10.0.7.161</a:t>
                       </a:r>
                       <a:endParaRPr lang="fr-FR" sz="1100" b="0" i="0" u="none" strike="noStrike">
                         <a:solidFill>
@@ -9570,25 +9709,44 @@
                       </a:endParaRPr>
                     </a:p>
                   </a:txBody>
-                  <a:tcPr marL="6350" marR="6350" marT="6350" marB="0" anchor="b">
-                    <a:solidFill>
-                      <a:schemeClr val="bg1"/>
-                    </a:solidFill>
-                  </a:tcPr>
+                  <a:tcPr marL="6350" marR="6350" marT="6350" marB="0" anchor="b"/>
                 </a:tc>
-                <a:extLst>
-                  <a:ext uri="{0D108BD9-81ED-4DB2-BD59-A6C34878D82A}">
-                    <a16:rowId xmlns:a16="http://schemas.microsoft.com/office/drawing/2014/main" val="921466948"/>
-                  </a:ext>
-                </a:extLst>
-              </a:tr>
-              <a:tr h="199496">
                 <a:tc>
                   <a:txBody>
                     <a:bodyPr/>
                     <a:lstStyle/>
                     <a:p>
-                      <a:pPr algn="ctr" fontAlgn="b"/>
+                      <a:pPr algn="ctr" rtl="0" fontAlgn="b"/>
+                      <a:r>
+                        <a:rPr lang="fr-FR" sz="1100" u="none" strike="noStrike">
+                          <a:effectLst/>
+                        </a:rPr>
+                        <a:t>10.0.7.162</a:t>
+                      </a:r>
+                      <a:endParaRPr lang="fr-FR" sz="1100" b="0" i="0" u="none" strike="noStrike">
+                        <a:solidFill>
+                          <a:srgbClr val="000000"/>
+                        </a:solidFill>
+                        <a:effectLst/>
+                        <a:latin typeface="Calibri" panose="020F0502020204030204" pitchFamily="34" charset="0"/>
+                      </a:endParaRPr>
+                    </a:p>
+                  </a:txBody>
+                  <a:tcPr marL="6350" marR="6350" marT="6350" marB="0" anchor="b"/>
+                </a:tc>
+                <a:extLst>
+                  <a:ext uri="{0D108BD9-81ED-4DB2-BD59-A6C34878D82A}">
+                    <a16:rowId xmlns:a16="http://schemas.microsoft.com/office/drawing/2014/main" val="1128287607"/>
+                  </a:ext>
+                </a:extLst>
+              </a:tr>
+              <a:tr h="209877">
+                <a:tc>
+                  <a:txBody>
+                    <a:bodyPr/>
+                    <a:lstStyle/>
+                    <a:p>
+                      <a:pPr algn="ctr" rtl="0" fontAlgn="b"/>
                       <a:r>
                         <a:rPr lang="fr-FR" sz="1100" u="none" strike="noStrike">
                           <a:effectLst/>
@@ -9604,18 +9762,14 @@
                       </a:endParaRPr>
                     </a:p>
                   </a:txBody>
-                  <a:tcPr marL="6350" marR="6350" marT="6350" marB="0" anchor="b">
-                    <a:solidFill>
-                      <a:schemeClr val="bg1"/>
-                    </a:solidFill>
-                  </a:tcPr>
+                  <a:tcPr marL="6350" marR="6350" marT="6350" marB="0" anchor="b"/>
                 </a:tc>
                 <a:tc>
                   <a:txBody>
                     <a:bodyPr/>
                     <a:lstStyle/>
                     <a:p>
-                      <a:pPr algn="ctr" fontAlgn="b"/>
+                      <a:pPr algn="ctr" rtl="0" fontAlgn="b"/>
                       <a:r>
                         <a:rPr lang="fr-FR" sz="1100" u="none" strike="noStrike">
                           <a:effectLst/>
@@ -9631,23 +9785,19 @@
                       </a:endParaRPr>
                     </a:p>
                   </a:txBody>
-                  <a:tcPr marL="6350" marR="6350" marT="6350" marB="0" anchor="b">
-                    <a:solidFill>
-                      <a:schemeClr val="bg1"/>
-                    </a:solidFill>
-                  </a:tcPr>
+                  <a:tcPr marL="6350" marR="6350" marT="6350" marB="0" anchor="b"/>
                 </a:tc>
                 <a:tc>
                   <a:txBody>
                     <a:bodyPr/>
                     <a:lstStyle/>
                     <a:p>
-                      <a:pPr algn="ctr" fontAlgn="b"/>
+                      <a:pPr algn="ctr" rtl="0" fontAlgn="b"/>
                       <a:r>
                         <a:rPr lang="fr-FR" sz="1100" u="none" strike="noStrike">
                           <a:effectLst/>
                         </a:rPr>
-                        <a:t>10.0.8.1 à 10.0.8.160</a:t>
+                        <a:t>10.0.8.1</a:t>
                       </a:r>
                       <a:endParaRPr lang="fr-FR" sz="1100" b="0" i="0" u="none" strike="noStrike">
                         <a:solidFill>
@@ -9658,23 +9808,19 @@
                       </a:endParaRPr>
                     </a:p>
                   </a:txBody>
-                  <a:tcPr marL="6350" marR="6350" marT="6350" marB="0" anchor="b">
-                    <a:solidFill>
-                      <a:schemeClr val="bg1"/>
-                    </a:solidFill>
-                  </a:tcPr>
+                  <a:tcPr marL="6350" marR="6350" marT="6350" marB="0" anchor="b"/>
                 </a:tc>
                 <a:tc>
                   <a:txBody>
                     <a:bodyPr/>
                     <a:lstStyle/>
                     <a:p>
-                      <a:pPr algn="ctr" fontAlgn="b"/>
+                      <a:pPr algn="ctr" rtl="0" fontAlgn="b"/>
                       <a:r>
                         <a:rPr lang="fr-FR" sz="1100" u="none" strike="noStrike">
                           <a:effectLst/>
                         </a:rPr>
-                        <a:t>10.0.8.161</a:t>
+                        <a:t>10.0.8.2 à 10.0.8.161</a:t>
                       </a:r>
                       <a:endParaRPr lang="fr-FR" sz="1100" b="0" i="0" u="none" strike="noStrike">
                         <a:solidFill>
@@ -9685,25 +9831,44 @@
                       </a:endParaRPr>
                     </a:p>
                   </a:txBody>
-                  <a:tcPr marL="6350" marR="6350" marT="6350" marB="0" anchor="b">
-                    <a:solidFill>
-                      <a:schemeClr val="bg1"/>
-                    </a:solidFill>
-                  </a:tcPr>
+                  <a:tcPr marL="6350" marR="6350" marT="6350" marB="0" anchor="b"/>
                 </a:tc>
-                <a:extLst>
-                  <a:ext uri="{0D108BD9-81ED-4DB2-BD59-A6C34878D82A}">
-                    <a16:rowId xmlns:a16="http://schemas.microsoft.com/office/drawing/2014/main" val="814977207"/>
-                  </a:ext>
-                </a:extLst>
-              </a:tr>
-              <a:tr h="199496">
                 <a:tc>
                   <a:txBody>
                     <a:bodyPr/>
                     <a:lstStyle/>
                     <a:p>
-                      <a:pPr algn="ctr" fontAlgn="b"/>
+                      <a:pPr algn="ctr" rtl="0" fontAlgn="b"/>
+                      <a:r>
+                        <a:rPr lang="fr-FR" sz="1100" u="none" strike="noStrike">
+                          <a:effectLst/>
+                        </a:rPr>
+                        <a:t>10.0.8.162</a:t>
+                      </a:r>
+                      <a:endParaRPr lang="fr-FR" sz="1100" b="0" i="0" u="none" strike="noStrike">
+                        <a:solidFill>
+                          <a:srgbClr val="000000"/>
+                        </a:solidFill>
+                        <a:effectLst/>
+                        <a:latin typeface="Calibri" panose="020F0502020204030204" pitchFamily="34" charset="0"/>
+                      </a:endParaRPr>
+                    </a:p>
+                  </a:txBody>
+                  <a:tcPr marL="6350" marR="6350" marT="6350" marB="0" anchor="b"/>
+                </a:tc>
+                <a:extLst>
+                  <a:ext uri="{0D108BD9-81ED-4DB2-BD59-A6C34878D82A}">
+                    <a16:rowId xmlns:a16="http://schemas.microsoft.com/office/drawing/2014/main" val="4048532224"/>
+                  </a:ext>
+                </a:extLst>
+              </a:tr>
+              <a:tr h="209877">
+                <a:tc>
+                  <a:txBody>
+                    <a:bodyPr/>
+                    <a:lstStyle/>
+                    <a:p>
+                      <a:pPr algn="ctr" rtl="0" fontAlgn="b"/>
                       <a:r>
                         <a:rPr lang="fr-FR" sz="1100" u="none" strike="noStrike">
                           <a:effectLst/>
@@ -9719,18 +9884,14 @@
                       </a:endParaRPr>
                     </a:p>
                   </a:txBody>
-                  <a:tcPr marL="6350" marR="6350" marT="6350" marB="0" anchor="b">
-                    <a:solidFill>
-                      <a:schemeClr val="bg1"/>
-                    </a:solidFill>
-                  </a:tcPr>
+                  <a:tcPr marL="6350" marR="6350" marT="6350" marB="0" anchor="b"/>
                 </a:tc>
                 <a:tc>
                   <a:txBody>
                     <a:bodyPr/>
                     <a:lstStyle/>
                     <a:p>
-                      <a:pPr algn="ctr" fontAlgn="b"/>
+                      <a:pPr algn="ctr" rtl="0" fontAlgn="b"/>
                       <a:r>
                         <a:rPr lang="fr-FR" sz="1100" u="none" strike="noStrike">
                           <a:effectLst/>
@@ -9746,23 +9907,19 @@
                       </a:endParaRPr>
                     </a:p>
                   </a:txBody>
-                  <a:tcPr marL="6350" marR="6350" marT="6350" marB="0" anchor="b">
-                    <a:solidFill>
-                      <a:schemeClr val="bg1"/>
-                    </a:solidFill>
-                  </a:tcPr>
+                  <a:tcPr marL="6350" marR="6350" marT="6350" marB="0" anchor="b"/>
                 </a:tc>
                 <a:tc>
                   <a:txBody>
                     <a:bodyPr/>
                     <a:lstStyle/>
                     <a:p>
-                      <a:pPr algn="ctr" fontAlgn="b"/>
+                      <a:pPr algn="ctr" rtl="0" fontAlgn="b"/>
                       <a:r>
                         <a:rPr lang="fr-FR" sz="1100" u="none" strike="noStrike">
                           <a:effectLst/>
                         </a:rPr>
-                        <a:t>10.0.9.1 à 10.0.9.160</a:t>
+                        <a:t>10.0.9.1</a:t>
                       </a:r>
                       <a:endParaRPr lang="fr-FR" sz="1100" b="0" i="0" u="none" strike="noStrike">
                         <a:solidFill>
@@ -9773,23 +9930,19 @@
                       </a:endParaRPr>
                     </a:p>
                   </a:txBody>
-                  <a:tcPr marL="6350" marR="6350" marT="6350" marB="0" anchor="b">
-                    <a:solidFill>
-                      <a:schemeClr val="bg1"/>
-                    </a:solidFill>
-                  </a:tcPr>
+                  <a:tcPr marL="6350" marR="6350" marT="6350" marB="0" anchor="b"/>
                 </a:tc>
                 <a:tc>
                   <a:txBody>
                     <a:bodyPr/>
                     <a:lstStyle/>
                     <a:p>
-                      <a:pPr algn="ctr" fontAlgn="b"/>
+                      <a:pPr algn="ctr" rtl="0" fontAlgn="b"/>
                       <a:r>
                         <a:rPr lang="fr-FR" sz="1100" u="none" strike="noStrike">
                           <a:effectLst/>
                         </a:rPr>
-                        <a:t>10.0.9.161</a:t>
+                        <a:t>10.0.9.2 à 10.0.9.161</a:t>
                       </a:r>
                       <a:endParaRPr lang="fr-FR" sz="1100" b="0" i="0" u="none" strike="noStrike">
                         <a:solidFill>
@@ -9800,25 +9953,44 @@
                       </a:endParaRPr>
                     </a:p>
                   </a:txBody>
-                  <a:tcPr marL="6350" marR="6350" marT="6350" marB="0" anchor="b">
-                    <a:solidFill>
-                      <a:schemeClr val="bg1"/>
-                    </a:solidFill>
-                  </a:tcPr>
+                  <a:tcPr marL="6350" marR="6350" marT="6350" marB="0" anchor="b"/>
                 </a:tc>
-                <a:extLst>
-                  <a:ext uri="{0D108BD9-81ED-4DB2-BD59-A6C34878D82A}">
-                    <a16:rowId xmlns:a16="http://schemas.microsoft.com/office/drawing/2014/main" val="3222346167"/>
-                  </a:ext>
-                </a:extLst>
-              </a:tr>
-              <a:tr h="199496">
                 <a:tc>
                   <a:txBody>
                     <a:bodyPr/>
                     <a:lstStyle/>
                     <a:p>
-                      <a:pPr algn="ctr" fontAlgn="b"/>
+                      <a:pPr algn="ctr" rtl="0" fontAlgn="b"/>
+                      <a:r>
+                        <a:rPr lang="fr-FR" sz="1100" u="none" strike="noStrike">
+                          <a:effectLst/>
+                        </a:rPr>
+                        <a:t>10.0.9.162</a:t>
+                      </a:r>
+                      <a:endParaRPr lang="fr-FR" sz="1100" b="0" i="0" u="none" strike="noStrike">
+                        <a:solidFill>
+                          <a:srgbClr val="000000"/>
+                        </a:solidFill>
+                        <a:effectLst/>
+                        <a:latin typeface="Calibri" panose="020F0502020204030204" pitchFamily="34" charset="0"/>
+                      </a:endParaRPr>
+                    </a:p>
+                  </a:txBody>
+                  <a:tcPr marL="6350" marR="6350" marT="6350" marB="0" anchor="b"/>
+                </a:tc>
+                <a:extLst>
+                  <a:ext uri="{0D108BD9-81ED-4DB2-BD59-A6C34878D82A}">
+                    <a16:rowId xmlns:a16="http://schemas.microsoft.com/office/drawing/2014/main" val="2554541318"/>
+                  </a:ext>
+                </a:extLst>
+              </a:tr>
+              <a:tr h="209877">
+                <a:tc>
+                  <a:txBody>
+                    <a:bodyPr/>
+                    <a:lstStyle/>
+                    <a:p>
+                      <a:pPr algn="ctr" rtl="0" fontAlgn="b"/>
                       <a:r>
                         <a:rPr lang="fr-FR" sz="1100" u="none" strike="noStrike">
                           <a:effectLst/>
@@ -9834,18 +10006,14 @@
                       </a:endParaRPr>
                     </a:p>
                   </a:txBody>
-                  <a:tcPr marL="6350" marR="6350" marT="6350" marB="0" anchor="b">
-                    <a:solidFill>
-                      <a:schemeClr val="bg1"/>
-                    </a:solidFill>
-                  </a:tcPr>
+                  <a:tcPr marL="6350" marR="6350" marT="6350" marB="0" anchor="b"/>
                 </a:tc>
                 <a:tc>
                   <a:txBody>
                     <a:bodyPr/>
                     <a:lstStyle/>
                     <a:p>
-                      <a:pPr algn="ctr" fontAlgn="b"/>
+                      <a:pPr algn="ctr" rtl="0" fontAlgn="b"/>
                       <a:r>
                         <a:rPr lang="fr-FR" sz="1100" u="none" strike="noStrike">
                           <a:effectLst/>
@@ -9861,23 +10029,19 @@
                       </a:endParaRPr>
                     </a:p>
                   </a:txBody>
-                  <a:tcPr marL="6350" marR="6350" marT="6350" marB="0" anchor="b">
-                    <a:solidFill>
-                      <a:schemeClr val="bg1"/>
-                    </a:solidFill>
-                  </a:tcPr>
+                  <a:tcPr marL="6350" marR="6350" marT="6350" marB="0" anchor="b"/>
                 </a:tc>
                 <a:tc>
                   <a:txBody>
                     <a:bodyPr/>
                     <a:lstStyle/>
                     <a:p>
-                      <a:pPr algn="ctr" fontAlgn="b"/>
+                      <a:pPr algn="ctr" rtl="0" fontAlgn="b"/>
                       <a:r>
                         <a:rPr lang="fr-FR" sz="1100" u="none" strike="noStrike">
                           <a:effectLst/>
                         </a:rPr>
-                        <a:t>10.0.10.1 à 10.0.10.160</a:t>
+                        <a:t>10.0.10.1</a:t>
                       </a:r>
                       <a:endParaRPr lang="fr-FR" sz="1100" b="0" i="0" u="none" strike="noStrike">
                         <a:solidFill>
@@ -9888,23 +10052,42 @@
                       </a:endParaRPr>
                     </a:p>
                   </a:txBody>
-                  <a:tcPr marL="6350" marR="6350" marT="6350" marB="0" anchor="b">
-                    <a:solidFill>
-                      <a:schemeClr val="bg1"/>
-                    </a:solidFill>
-                  </a:tcPr>
+                  <a:tcPr marL="6350" marR="6350" marT="6350" marB="0" anchor="b"/>
                 </a:tc>
                 <a:tc>
                   <a:txBody>
                     <a:bodyPr/>
                     <a:lstStyle/>
                     <a:p>
-                      <a:pPr algn="ctr" fontAlgn="ctr"/>
+                      <a:pPr algn="ctr" rtl="0" fontAlgn="b"/>
+                      <a:r>
+                        <a:rPr lang="fr-FR" sz="1100" u="none" strike="noStrike">
+                          <a:effectLst/>
+                        </a:rPr>
+                        <a:t>10.0.10.2 à 10.0.10.161</a:t>
+                      </a:r>
+                      <a:endParaRPr lang="fr-FR" sz="1100" b="0" i="0" u="none" strike="noStrike">
+                        <a:solidFill>
+                          <a:srgbClr val="000000"/>
+                        </a:solidFill>
+                        <a:effectLst/>
+                        <a:latin typeface="Calibri" panose="020F0502020204030204" pitchFamily="34" charset="0"/>
+                      </a:endParaRPr>
+                    </a:p>
+                  </a:txBody>
+                  <a:tcPr marL="6350" marR="6350" marT="6350" marB="0" anchor="b"/>
+                </a:tc>
+                <a:tc>
+                  <a:txBody>
+                    <a:bodyPr/>
+                    <a:lstStyle/>
+                    <a:p>
+                      <a:pPr algn="ctr" rtl="0" fontAlgn="ctr"/>
                       <a:r>
                         <a:rPr lang="fr-FR" sz="1100" u="none" strike="noStrike" dirty="0">
                           <a:effectLst/>
                         </a:rPr>
-                        <a:t>10.0.5.161</a:t>
+                        <a:t>10.0.5.162</a:t>
                       </a:r>
                       <a:endParaRPr lang="fr-FR" sz="1100" b="0" i="0" u="none" strike="noStrike" dirty="0">
                         <a:solidFill>
@@ -9915,15 +10098,11 @@
                       </a:endParaRPr>
                     </a:p>
                   </a:txBody>
-                  <a:tcPr marL="6350" marR="6350" marT="6350" marB="0" anchor="ctr">
-                    <a:solidFill>
-                      <a:schemeClr val="bg1"/>
-                    </a:solidFill>
-                  </a:tcPr>
+                  <a:tcPr marL="6350" marR="6350" marT="6350" marB="0" anchor="ctr"/>
                 </a:tc>
                 <a:extLst>
                   <a:ext uri="{0D108BD9-81ED-4DB2-BD59-A6C34878D82A}">
-                    <a16:rowId xmlns:a16="http://schemas.microsoft.com/office/drawing/2014/main" val="639060438"/>
+                    <a16:rowId xmlns:a16="http://schemas.microsoft.com/office/drawing/2014/main" val="435441958"/>
                   </a:ext>
                 </a:extLst>
               </a:tr>
@@ -9931,45 +10110,6 @@
           </a:graphicData>
         </a:graphic>
       </p:graphicFrame>
-      <p:sp>
-        <p:nvSpPr>
-          <p:cNvPr id="21" name="ZoneTexte 20">
-            <a:extLst>
-              <a:ext uri="{FF2B5EF4-FFF2-40B4-BE49-F238E27FC236}">
-                <a16:creationId xmlns:a16="http://schemas.microsoft.com/office/drawing/2014/main" id="{F26A0449-8AD3-5057-B4A5-A0D391D8E609}"/>
-              </a:ext>
-            </a:extLst>
-          </p:cNvPr>
-          <p:cNvSpPr txBox="1"/>
-          <p:nvPr/>
-        </p:nvSpPr>
-        <p:spPr>
-          <a:xfrm>
-            <a:off x="670559" y="304800"/>
-            <a:ext cx="5354321" cy="523220"/>
-          </a:xfrm>
-          <a:prstGeom prst="rect">
-            <a:avLst/>
-          </a:prstGeom>
-          <a:noFill/>
-        </p:spPr>
-        <p:txBody>
-          <a:bodyPr wrap="square" rtlCol="0">
-            <a:spAutoFit/>
-          </a:bodyPr>
-          <a:lstStyle/>
-          <a:p>
-            <a:r>
-              <a:rPr lang="fr-FR" sz="2800" b="1" dirty="0">
-                <a:solidFill>
-                  <a:srgbClr val="FFFF00"/>
-                </a:solidFill>
-              </a:rPr>
-              <a:t>Job 11: Adressage réseau</a:t>
-            </a:r>
-          </a:p>
-        </p:txBody>
-      </p:sp>
     </p:spTree>
     <p:extLst>
       <p:ext uri="{BB962C8B-B14F-4D97-AF65-F5344CB8AC3E}">

--- a/reseau.pptx
+++ b/reseau.pptx
@@ -132,7 +132,7 @@
 <file path=ppt/revisionInfo.xml><?xml version="1.0" encoding="utf-8"?>
 <p1510:revInfo xmlns:a="http://schemas.openxmlformats.org/drawingml/2006/main" xmlns:r="http://schemas.openxmlformats.org/officeDocument/2006/relationships" xmlns:p1510="http://schemas.microsoft.com/office/powerpoint/2015/10/main">
   <p1510:revLst>
-    <p1510:client id="{D4F531CE-7DDB-4052-B9ED-8190C0E1B2FE}" v="202" dt="2023-10-17T13:56:30.598"/>
+    <p1510:client id="{D4F531CE-7DDB-4052-B9ED-8190C0E1B2FE}" v="203" dt="2023-10-18T09:13:44.722"/>
   </p1510:revLst>
 </p1510:revInfo>
 </file>
@@ -142,7 +142,7 @@
   <pc:docChgLst>
     <pc:chgData name="anthony Yrles" userId="f7fc77b36c18f1e6" providerId="LiveId" clId="{D4F531CE-7DDB-4052-B9ED-8190C0E1B2FE}"/>
     <pc:docChg chg="undo custSel addSld delSld modSld">
-      <pc:chgData name="anthony Yrles" userId="f7fc77b36c18f1e6" providerId="LiveId" clId="{D4F531CE-7DDB-4052-B9ED-8190C0E1B2FE}" dt="2023-10-17T13:57:09.424" v="8873"/>
+      <pc:chgData name="anthony Yrles" userId="f7fc77b36c18f1e6" providerId="LiveId" clId="{D4F531CE-7DDB-4052-B9ED-8190C0E1B2FE}" dt="2023-10-18T10:03:50.572" v="8972" actId="20577"/>
       <pc:docMkLst>
         <pc:docMk/>
       </pc:docMkLst>
@@ -352,7 +352,7 @@
         </pc:picChg>
       </pc:sldChg>
       <pc:sldChg chg="addSp delSp modSp mod">
-        <pc:chgData name="anthony Yrles" userId="f7fc77b36c18f1e6" providerId="LiveId" clId="{D4F531CE-7DDB-4052-B9ED-8190C0E1B2FE}" dt="2023-10-17T10:58:09.501" v="3899" actId="478"/>
+        <pc:chgData name="anthony Yrles" userId="f7fc77b36c18f1e6" providerId="LiveId" clId="{D4F531CE-7DDB-4052-B9ED-8190C0E1B2FE}" dt="2023-10-18T08:18:03.037" v="8931" actId="20577"/>
         <pc:sldMkLst>
           <pc:docMk/>
           <pc:sldMk cId="1246443152" sldId="259"/>
@@ -387,6 +387,14 @@
             <pc:docMk/>
             <pc:sldMk cId="1246443152" sldId="259"/>
             <ac:spMk id="8" creationId="{078CC53B-43A2-E011-BE97-B547B3011CB2}"/>
+          </ac:spMkLst>
+        </pc:spChg>
+        <pc:spChg chg="mod">
+          <ac:chgData name="anthony Yrles" userId="f7fc77b36c18f1e6" providerId="LiveId" clId="{D4F531CE-7DDB-4052-B9ED-8190C0E1B2FE}" dt="2023-10-18T08:18:03.037" v="8931" actId="20577"/>
+          <ac:spMkLst>
+            <pc:docMk/>
+            <pc:sldMk cId="1246443152" sldId="259"/>
+            <ac:spMk id="11" creationId="{2A087573-4630-50BD-CE09-49B59570502E}"/>
           </ac:spMkLst>
         </pc:spChg>
         <pc:picChg chg="add mod">
@@ -423,7 +431,7 @@
         </pc:picChg>
       </pc:sldChg>
       <pc:sldChg chg="addSp delSp modSp mod">
-        <pc:chgData name="anthony Yrles" userId="f7fc77b36c18f1e6" providerId="LiveId" clId="{D4F531CE-7DDB-4052-B9ED-8190C0E1B2FE}" dt="2023-10-17T11:52:01.167" v="6292" actId="1076"/>
+        <pc:chgData name="anthony Yrles" userId="f7fc77b36c18f1e6" providerId="LiveId" clId="{D4F531CE-7DDB-4052-B9ED-8190C0E1B2FE}" dt="2023-10-18T08:17:49.567" v="8922" actId="20577"/>
         <pc:sldMkLst>
           <pc:docMk/>
           <pc:sldMk cId="1870498523" sldId="260"/>
@@ -458,6 +466,14 @@
             <pc:docMk/>
             <pc:sldMk cId="1870498523" sldId="260"/>
             <ac:spMk id="5" creationId="{8078B4C3-B1B6-060F-7DEA-547CEA88E397}"/>
+          </ac:spMkLst>
+        </pc:spChg>
+        <pc:spChg chg="mod">
+          <ac:chgData name="anthony Yrles" userId="f7fc77b36c18f1e6" providerId="LiveId" clId="{D4F531CE-7DDB-4052-B9ED-8190C0E1B2FE}" dt="2023-10-18T08:17:49.567" v="8922" actId="20577"/>
+          <ac:spMkLst>
+            <pc:docMk/>
+            <pc:sldMk cId="1870498523" sldId="260"/>
+            <ac:spMk id="22" creationId="{535A4EE0-9114-DE2A-3383-97A87C75FA2B}"/>
           </ac:spMkLst>
         </pc:spChg>
         <pc:spChg chg="mod">
@@ -960,7 +976,7 @@
         </pc:picChg>
       </pc:sldChg>
       <pc:sldChg chg="addSp delSp modSp mod">
-        <pc:chgData name="anthony Yrles" userId="f7fc77b36c18f1e6" providerId="LiveId" clId="{D4F531CE-7DDB-4052-B9ED-8190C0E1B2FE}" dt="2023-10-17T13:57:09.424" v="8873"/>
+        <pc:chgData name="anthony Yrles" userId="f7fc77b36c18f1e6" providerId="LiveId" clId="{D4F531CE-7DDB-4052-B9ED-8190C0E1B2FE}" dt="2023-10-18T10:03:50.572" v="8972" actId="20577"/>
         <pc:sldMkLst>
           <pc:docMk/>
           <pc:sldMk cId="2812891583" sldId="267"/>
@@ -1062,7 +1078,7 @@
           </ac:spMkLst>
         </pc:spChg>
         <pc:spChg chg="add mod ord">
-          <ac:chgData name="anthony Yrles" userId="f7fc77b36c18f1e6" providerId="LiveId" clId="{D4F531CE-7DDB-4052-B9ED-8190C0E1B2FE}" dt="2023-10-17T10:28:37.366" v="2916" actId="14100"/>
+          <ac:chgData name="anthony Yrles" userId="f7fc77b36c18f1e6" providerId="LiveId" clId="{D4F531CE-7DDB-4052-B9ED-8190C0E1B2FE}" dt="2023-10-18T08:51:49.323" v="8935" actId="1076"/>
           <ac:spMkLst>
             <pc:docMk/>
             <pc:sldMk cId="2812891583" sldId="267"/>
@@ -1077,12 +1093,20 @@
             <ac:spMk id="21" creationId="{F26A0449-8AD3-5057-B4A5-A0D391D8E609}"/>
           </ac:spMkLst>
         </pc:spChg>
-        <pc:graphicFrameChg chg="add mod modGraphic">
-          <ac:chgData name="anthony Yrles" userId="f7fc77b36c18f1e6" providerId="LiveId" clId="{D4F531CE-7DDB-4052-B9ED-8190C0E1B2FE}" dt="2023-10-17T13:57:09.424" v="8873"/>
+        <pc:graphicFrameChg chg="add del mod modGraphic">
+          <ac:chgData name="anthony Yrles" userId="f7fc77b36c18f1e6" providerId="LiveId" clId="{D4F531CE-7DDB-4052-B9ED-8190C0E1B2FE}" dt="2023-10-18T09:13:43.418" v="8936" actId="478"/>
           <ac:graphicFrameMkLst>
             <pc:docMk/>
             <pc:sldMk cId="2812891583" sldId="267"/>
             <ac:graphicFrameMk id="2" creationId="{BDDA0A6D-BC1F-1015-CC5B-60DD944F4764}"/>
+          </ac:graphicFrameMkLst>
+        </pc:graphicFrameChg>
+        <pc:graphicFrameChg chg="add mod modGraphic">
+          <ac:chgData name="anthony Yrles" userId="f7fc77b36c18f1e6" providerId="LiveId" clId="{D4F531CE-7DDB-4052-B9ED-8190C0E1B2FE}" dt="2023-10-18T10:03:50.572" v="8972" actId="20577"/>
+          <ac:graphicFrameMkLst>
+            <pc:docMk/>
+            <pc:sldMk cId="2812891583" sldId="267"/>
+            <ac:graphicFrameMk id="3" creationId="{FD18489E-DBA8-2D95-3619-C385F70B81EA}"/>
           </ac:graphicFrameMkLst>
         </pc:graphicFrameChg>
         <pc:graphicFrameChg chg="add del mod modGraphic">
@@ -2131,7 +2155,7 @@
         </pc:cxnChg>
       </pc:sldChg>
       <pc:sldChg chg="addSp modSp new mod">
-        <pc:chgData name="anthony Yrles" userId="f7fc77b36c18f1e6" providerId="LiveId" clId="{D4F531CE-7DDB-4052-B9ED-8190C0E1B2FE}" dt="2023-10-17T11:53:47.916" v="6304" actId="1076"/>
+        <pc:chgData name="anthony Yrles" userId="f7fc77b36c18f1e6" providerId="LiveId" clId="{D4F531CE-7DDB-4052-B9ED-8190C0E1B2FE}" dt="2023-10-18T08:17:21.226" v="8915" actId="20577"/>
         <pc:sldMkLst>
           <pc:docMk/>
           <pc:sldMk cId="612904718" sldId="270"/>
@@ -2145,7 +2169,7 @@
           </ac:spMkLst>
         </pc:spChg>
         <pc:spChg chg="add mod">
-          <ac:chgData name="anthony Yrles" userId="f7fc77b36c18f1e6" providerId="LiveId" clId="{D4F531CE-7DDB-4052-B9ED-8190C0E1B2FE}" dt="2023-10-17T11:53:15.328" v="6299" actId="1076"/>
+          <ac:chgData name="anthony Yrles" userId="f7fc77b36c18f1e6" providerId="LiveId" clId="{D4F531CE-7DDB-4052-B9ED-8190C0E1B2FE}" dt="2023-10-18T08:17:21.226" v="8915" actId="20577"/>
           <ac:spMkLst>
             <pc:docMk/>
             <pc:sldMk cId="612904718" sldId="270"/>
@@ -2218,7 +2242,7 @@
         </pc:cxnChg>
       </pc:sldChg>
       <pc:sldChg chg="addSp modSp new mod">
-        <pc:chgData name="anthony Yrles" userId="f7fc77b36c18f1e6" providerId="LiveId" clId="{D4F531CE-7DDB-4052-B9ED-8190C0E1B2FE}" dt="2023-10-17T12:31:43.798" v="7028" actId="33524"/>
+        <pc:chgData name="anthony Yrles" userId="f7fc77b36c18f1e6" providerId="LiveId" clId="{D4F531CE-7DDB-4052-B9ED-8190C0E1B2FE}" dt="2023-10-18T07:04:47.264" v="8878" actId="1036"/>
         <pc:sldMkLst>
           <pc:docMk/>
           <pc:sldMk cId="1450656" sldId="271"/>
@@ -2272,7 +2296,7 @@
           </ac:picMkLst>
         </pc:picChg>
         <pc:picChg chg="add mod">
-          <ac:chgData name="anthony Yrles" userId="f7fc77b36c18f1e6" providerId="LiveId" clId="{D4F531CE-7DDB-4052-B9ED-8190C0E1B2FE}" dt="2023-10-17T12:07:52.072" v="6590" actId="1076"/>
+          <ac:chgData name="anthony Yrles" userId="f7fc77b36c18f1e6" providerId="LiveId" clId="{D4F531CE-7DDB-4052-B9ED-8190C0E1B2FE}" dt="2023-10-18T07:04:47.264" v="8878" actId="1036"/>
           <ac:picMkLst>
             <pc:docMk/>
             <pc:sldMk cId="1450656" sldId="271"/>
@@ -2726,7 +2750,7 @@
           <a:p>
             <a:fld id="{952532A2-2244-4C8A-B266-A92D735D70E2}" type="datetimeFigureOut">
               <a:rPr lang="fr-FR" smtClean="0"/>
-              <a:t>17/10/2023</a:t>
+              <a:t>18/10/2023</a:t>
             </a:fld>
             <a:endParaRPr lang="fr-FR"/>
           </a:p>
@@ -2924,7 +2948,7 @@
           <a:p>
             <a:fld id="{952532A2-2244-4C8A-B266-A92D735D70E2}" type="datetimeFigureOut">
               <a:rPr lang="fr-FR" smtClean="0"/>
-              <a:t>17/10/2023</a:t>
+              <a:t>18/10/2023</a:t>
             </a:fld>
             <a:endParaRPr lang="fr-FR"/>
           </a:p>
@@ -3132,7 +3156,7 @@
           <a:p>
             <a:fld id="{952532A2-2244-4C8A-B266-A92D735D70E2}" type="datetimeFigureOut">
               <a:rPr lang="fr-FR" smtClean="0"/>
-              <a:t>17/10/2023</a:t>
+              <a:t>18/10/2023</a:t>
             </a:fld>
             <a:endParaRPr lang="fr-FR"/>
           </a:p>
@@ -3330,7 +3354,7 @@
           <a:p>
             <a:fld id="{952532A2-2244-4C8A-B266-A92D735D70E2}" type="datetimeFigureOut">
               <a:rPr lang="fr-FR" smtClean="0"/>
-              <a:t>17/10/2023</a:t>
+              <a:t>18/10/2023</a:t>
             </a:fld>
             <a:endParaRPr lang="fr-FR"/>
           </a:p>
@@ -3605,7 +3629,7 @@
           <a:p>
             <a:fld id="{952532A2-2244-4C8A-B266-A92D735D70E2}" type="datetimeFigureOut">
               <a:rPr lang="fr-FR" smtClean="0"/>
-              <a:t>17/10/2023</a:t>
+              <a:t>18/10/2023</a:t>
             </a:fld>
             <a:endParaRPr lang="fr-FR"/>
           </a:p>
@@ -3870,7 +3894,7 @@
           <a:p>
             <a:fld id="{952532A2-2244-4C8A-B266-A92D735D70E2}" type="datetimeFigureOut">
               <a:rPr lang="fr-FR" smtClean="0"/>
-              <a:t>17/10/2023</a:t>
+              <a:t>18/10/2023</a:t>
             </a:fld>
             <a:endParaRPr lang="fr-FR"/>
           </a:p>
@@ -4282,7 +4306,7 @@
           <a:p>
             <a:fld id="{952532A2-2244-4C8A-B266-A92D735D70E2}" type="datetimeFigureOut">
               <a:rPr lang="fr-FR" smtClean="0"/>
-              <a:t>17/10/2023</a:t>
+              <a:t>18/10/2023</a:t>
             </a:fld>
             <a:endParaRPr lang="fr-FR"/>
           </a:p>
@@ -4423,7 +4447,7 @@
           <a:p>
             <a:fld id="{952532A2-2244-4C8A-B266-A92D735D70E2}" type="datetimeFigureOut">
               <a:rPr lang="fr-FR" smtClean="0"/>
-              <a:t>17/10/2023</a:t>
+              <a:t>18/10/2023</a:t>
             </a:fld>
             <a:endParaRPr lang="fr-FR"/>
           </a:p>
@@ -4536,7 +4560,7 @@
           <a:p>
             <a:fld id="{952532A2-2244-4C8A-B266-A92D735D70E2}" type="datetimeFigureOut">
               <a:rPr lang="fr-FR" smtClean="0"/>
-              <a:t>17/10/2023</a:t>
+              <a:t>18/10/2023</a:t>
             </a:fld>
             <a:endParaRPr lang="fr-FR"/>
           </a:p>
@@ -4847,7 +4871,7 @@
           <a:p>
             <a:fld id="{952532A2-2244-4C8A-B266-A92D735D70E2}" type="datetimeFigureOut">
               <a:rPr lang="fr-FR" smtClean="0"/>
-              <a:t>17/10/2023</a:t>
+              <a:t>18/10/2023</a:t>
             </a:fld>
             <a:endParaRPr lang="fr-FR"/>
           </a:p>
@@ -5135,7 +5159,7 @@
           <a:p>
             <a:fld id="{952532A2-2244-4C8A-B266-A92D735D70E2}" type="datetimeFigureOut">
               <a:rPr lang="fr-FR" smtClean="0"/>
-              <a:t>17/10/2023</a:t>
+              <a:t>18/10/2023</a:t>
             </a:fld>
             <a:endParaRPr lang="fr-FR"/>
           </a:p>
@@ -5376,7 +5400,7 @@
           <a:p>
             <a:fld id="{952532A2-2244-4C8A-B266-A92D735D70E2}" type="datetimeFigureOut">
               <a:rPr lang="fr-FR" smtClean="0"/>
-              <a:t>17/10/2023</a:t>
+              <a:t>18/10/2023</a:t>
             </a:fld>
             <a:endParaRPr lang="fr-FR"/>
           </a:p>
@@ -7897,10 +7921,10 @@
       </p:sp>
       <p:graphicFrame>
         <p:nvGraphicFramePr>
-          <p:cNvPr id="2" name="Tableau 1">
-            <a:extLst>
-              <a:ext uri="{FF2B5EF4-FFF2-40B4-BE49-F238E27FC236}">
-                <a16:creationId xmlns:a16="http://schemas.microsoft.com/office/drawing/2014/main" id="{BDDA0A6D-BC1F-1015-CC5B-60DD944F4764}"/>
+          <p:cNvPr id="3" name="Tableau 2">
+            <a:extLst>
+              <a:ext uri="{FF2B5EF4-FFF2-40B4-BE49-F238E27FC236}">
+                <a16:creationId xmlns:a16="http://schemas.microsoft.com/office/drawing/2014/main" id="{FD18489E-DBA8-2D95-3619-C385F70B81EA}"/>
               </a:ext>
             </a:extLst>
           </p:cNvPr>
@@ -7910,14 +7934,14 @@
           <p:nvPr>
             <p:extLst>
               <p:ext uri="{D42A27DB-BD31-4B8C-83A1-F6EECF244321}">
-                <p14:modId xmlns:p14="http://schemas.microsoft.com/office/powerpoint/2010/main" val="835716119"/>
+                <p14:modId xmlns:p14="http://schemas.microsoft.com/office/powerpoint/2010/main" val="3733753066"/>
               </p:ext>
             </p:extLst>
           </p:nvPr>
         </p:nvGraphicFramePr>
         <p:xfrm>
-          <a:off x="2108200" y="1405523"/>
-          <a:ext cx="9088120" cy="4192642"/>
+          <a:off x="1828800" y="1337732"/>
+          <a:ext cx="9540229" cy="4301070"/>
         </p:xfrm>
         <a:graphic>
           <a:graphicData uri="http://schemas.openxmlformats.org/drawingml/2006/table">
@@ -7926,56 +7950,63 @@
                 <a:tableStyleId>{5C22544A-7EE6-4342-B048-85BDC9FD1C3A}</a:tableStyleId>
               </a:tblPr>
               <a:tblGrid>
-                <a:gridCol w="868292">
+                <a:gridCol w="926236">
                   <a:extLst>
                     <a:ext uri="{9D8B030D-6E8A-4147-A177-3AD203B41FA5}">
-                      <a16:colId xmlns:a16="http://schemas.microsoft.com/office/drawing/2014/main" val="482293048"/>
+                      <a16:colId xmlns:a16="http://schemas.microsoft.com/office/drawing/2014/main" val="1271055434"/>
                     </a:ext>
                   </a:extLst>
                 </a:gridCol>
-                <a:gridCol w="2054957">
+                <a:gridCol w="1574601">
                   <a:extLst>
                     <a:ext uri="{9D8B030D-6E8A-4147-A177-3AD203B41FA5}">
-                      <a16:colId xmlns:a16="http://schemas.microsoft.com/office/drawing/2014/main" val="1747860820"/>
+                      <a16:colId xmlns:a16="http://schemas.microsoft.com/office/drawing/2014/main" val="2672912454"/>
                     </a:ext>
                   </a:extLst>
                 </a:gridCol>
-                <a:gridCol w="2054957">
+                <a:gridCol w="1759848">
                   <a:extLst>
                     <a:ext uri="{9D8B030D-6E8A-4147-A177-3AD203B41FA5}">
-                      <a16:colId xmlns:a16="http://schemas.microsoft.com/office/drawing/2014/main" val="3727367527"/>
+                      <a16:colId xmlns:a16="http://schemas.microsoft.com/office/drawing/2014/main" val="3054424553"/>
                     </a:ext>
                   </a:extLst>
                 </a:gridCol>
-                <a:gridCol w="2054957">
+                <a:gridCol w="1759848">
                   <a:extLst>
                     <a:ext uri="{9D8B030D-6E8A-4147-A177-3AD203B41FA5}">
-                      <a16:colId xmlns:a16="http://schemas.microsoft.com/office/drawing/2014/main" val="3619678849"/>
+                      <a16:colId xmlns:a16="http://schemas.microsoft.com/office/drawing/2014/main" val="3983236194"/>
                     </a:ext>
                   </a:extLst>
                 </a:gridCol>
-                <a:gridCol w="2054957">
+                <a:gridCol w="1759848">
                   <a:extLst>
                     <a:ext uri="{9D8B030D-6E8A-4147-A177-3AD203B41FA5}">
-                      <a16:colId xmlns:a16="http://schemas.microsoft.com/office/drawing/2014/main" val="1835171281"/>
+                      <a16:colId xmlns:a16="http://schemas.microsoft.com/office/drawing/2014/main" val="3040927775"/>
+                    </a:ext>
+                  </a:extLst>
+                </a:gridCol>
+                <a:gridCol w="1759848">
+                  <a:extLst>
+                    <a:ext uri="{9D8B030D-6E8A-4147-A177-3AD203B41FA5}">
+                      <a16:colId xmlns:a16="http://schemas.microsoft.com/office/drawing/2014/main" val="279617044"/>
                     </a:ext>
                   </a:extLst>
                 </a:gridCol>
               </a:tblGrid>
-              <a:tr h="405762">
-                <a:tc gridSpan="5">
+              <a:tr h="226770">
+                <a:tc gridSpan="6">
                   <a:txBody>
                     <a:bodyPr/>
                     <a:lstStyle/>
                     <a:p>
                       <a:pPr algn="ctr" rtl="0" fontAlgn="ctr"/>
                       <a:r>
-                        <a:rPr lang="fr-FR" sz="1100" u="none" strike="noStrike" dirty="0">
+                        <a:rPr lang="fr-FR" sz="1100" u="none" strike="noStrike">
                           <a:effectLst/>
                         </a:rPr>
-                        <a:t>IP 10.0.0.0 / Masque 255.255.255.0 / 16 sous réseaux</a:t>
+                        <a:t>IP 10.0.0.0</a:t>
                       </a:r>
-                      <a:endParaRPr lang="fr-FR" sz="1100" b="0" i="0" u="none" strike="noStrike" dirty="0">
+                      <a:endParaRPr lang="fr-FR" sz="1100" b="0" i="0" u="none" strike="noStrike">
                         <a:solidFill>
                           <a:srgbClr val="000000"/>
                         </a:solidFill>
@@ -8026,13 +8057,23 @@
                   </a:txBody>
                   <a:tcPr/>
                 </a:tc>
+                <a:tc hMerge="1">
+                  <a:txBody>
+                    <a:bodyPr/>
+                    <a:lstStyle/>
+                    <a:p>
+                      <a:endParaRPr lang="fr-FR"/>
+                    </a:p>
+                  </a:txBody>
+                  <a:tcPr/>
+                </a:tc>
                 <a:extLst>
                   <a:ext uri="{0D108BD9-81ED-4DB2-BD59-A6C34878D82A}">
-                    <a16:rowId xmlns:a16="http://schemas.microsoft.com/office/drawing/2014/main" val="2260845468"/>
+                    <a16:rowId xmlns:a16="http://schemas.microsoft.com/office/drawing/2014/main" val="1945896419"/>
                   </a:ext>
                 </a:extLst>
               </a:tr>
-              <a:tr h="412758">
+              <a:tr h="445980">
                 <a:tc>
                   <a:txBody>
                     <a:bodyPr/>
@@ -8044,6 +8085,29 @@
                           <a:effectLst/>
                         </a:rPr>
                         <a:t>nombres d'hôtes</a:t>
+                      </a:r>
+                      <a:endParaRPr lang="fr-FR" sz="1100" b="0" i="0" u="none" strike="noStrike">
+                        <a:solidFill>
+                          <a:srgbClr val="000000"/>
+                        </a:solidFill>
+                        <a:effectLst/>
+                        <a:latin typeface="Calibri" panose="020F0502020204030204" pitchFamily="34" charset="0"/>
+                      </a:endParaRPr>
+                    </a:p>
+                  </a:txBody>
+                  <a:tcPr marL="6350" marR="6350" marT="6350" marB="0" anchor="ctr"/>
+                </a:tc>
+                <a:tc>
+                  <a:txBody>
+                    <a:bodyPr/>
+                    <a:lstStyle/>
+                    <a:p>
+                      <a:pPr algn="ctr" rtl="0" fontAlgn="ctr"/>
+                      <a:r>
+                        <a:rPr lang="fr-FR" sz="1100" u="none" strike="noStrike">
+                          <a:effectLst/>
+                        </a:rPr>
+                        <a:t>Masque de réseau</a:t>
                       </a:r>
                       <a:endParaRPr lang="fr-FR" sz="1100" b="0" i="0" u="none" strike="noStrike">
                         <a:solidFill>
@@ -8150,11 +8214,11 @@
                 </a:tc>
                 <a:extLst>
                   <a:ext uri="{0D108BD9-81ED-4DB2-BD59-A6C34878D82A}">
-                    <a16:rowId xmlns:a16="http://schemas.microsoft.com/office/drawing/2014/main" val="3374464823"/>
+                    <a16:rowId xmlns:a16="http://schemas.microsoft.com/office/drawing/2014/main" val="231225889"/>
                   </a:ext>
                 </a:extLst>
               </a:tr>
-              <a:tr h="209877">
+              <a:tr h="226770">
                 <a:tc>
                   <a:txBody>
                     <a:bodyPr/>
@@ -8166,6 +8230,29 @@
                           <a:effectLst/>
                         </a:rPr>
                         <a:t>12</a:t>
+                      </a:r>
+                      <a:endParaRPr lang="fr-FR" sz="1100" b="0" i="0" u="none" strike="noStrike">
+                        <a:solidFill>
+                          <a:srgbClr val="000000"/>
+                        </a:solidFill>
+                        <a:effectLst/>
+                        <a:latin typeface="Calibri" panose="020F0502020204030204" pitchFamily="34" charset="0"/>
+                      </a:endParaRPr>
+                    </a:p>
+                  </a:txBody>
+                  <a:tcPr marL="6350" marR="6350" marT="6350" marB="0" anchor="b"/>
+                </a:tc>
+                <a:tc>
+                  <a:txBody>
+                    <a:bodyPr/>
+                    <a:lstStyle/>
+                    <a:p>
+                      <a:pPr algn="ctr" rtl="0" fontAlgn="b"/>
+                      <a:r>
+                        <a:rPr lang="fr-FR" sz="1100" u="none" strike="noStrike">
+                          <a:effectLst/>
+                        </a:rPr>
+                        <a:t>255.255.255.240/28</a:t>
                       </a:r>
                       <a:endParaRPr lang="fr-FR" sz="1100" b="0" i="0" u="none" strike="noStrike">
                         <a:solidFill>
@@ -8272,11 +8359,11 @@
                 </a:tc>
                 <a:extLst>
                   <a:ext uri="{0D108BD9-81ED-4DB2-BD59-A6C34878D82A}">
-                    <a16:rowId xmlns:a16="http://schemas.microsoft.com/office/drawing/2014/main" val="10600543"/>
+                    <a16:rowId xmlns:a16="http://schemas.microsoft.com/office/drawing/2014/main" val="1392892287"/>
                   </a:ext>
                 </a:extLst>
               </a:tr>
-              <a:tr h="209877">
+              <a:tr h="226770">
                 <a:tc>
                   <a:txBody>
                     <a:bodyPr/>
@@ -8310,594 +8397,7 @@
                         <a:rPr lang="fr-FR" sz="1100" u="none" strike="noStrike">
                           <a:effectLst/>
                         </a:rPr>
-                        <a:t>10.0.0.15</a:t>
-                      </a:r>
-                      <a:endParaRPr lang="fr-FR" sz="1100" b="0" i="0" u="none" strike="noStrike">
-                        <a:solidFill>
-                          <a:srgbClr val="000000"/>
-                        </a:solidFill>
-                        <a:effectLst/>
-                        <a:latin typeface="Calibri" panose="020F0502020204030204" pitchFamily="34" charset="0"/>
-                      </a:endParaRPr>
-                    </a:p>
-                  </a:txBody>
-                  <a:tcPr marL="6350" marR="6350" marT="6350" marB="0" anchor="b"/>
-                </a:tc>
-                <a:tc>
-                  <a:txBody>
-                    <a:bodyPr/>
-                    <a:lstStyle/>
-                    <a:p>
-                      <a:pPr algn="ctr" rtl="0" fontAlgn="b"/>
-                      <a:r>
-                        <a:rPr lang="fr-FR" sz="1100" u="none" strike="noStrike">
-                          <a:effectLst/>
-                        </a:rPr>
-                        <a:t>10.0.0.16</a:t>
-                      </a:r>
-                      <a:endParaRPr lang="fr-FR" sz="1100" b="0" i="0" u="none" strike="noStrike">
-                        <a:solidFill>
-                          <a:srgbClr val="000000"/>
-                        </a:solidFill>
-                        <a:effectLst/>
-                        <a:latin typeface="Calibri" panose="020F0502020204030204" pitchFamily="34" charset="0"/>
-                      </a:endParaRPr>
-                    </a:p>
-                  </a:txBody>
-                  <a:tcPr marL="6350" marR="6350" marT="6350" marB="0" anchor="b"/>
-                </a:tc>
-                <a:tc>
-                  <a:txBody>
-                    <a:bodyPr/>
-                    <a:lstStyle/>
-                    <a:p>
-                      <a:pPr algn="ctr" rtl="0" fontAlgn="b"/>
-                      <a:r>
-                        <a:rPr lang="fr-FR" sz="1100" u="none" strike="noStrike">
-                          <a:effectLst/>
-                        </a:rPr>
-                        <a:t>10.0.0.17 à 10.0.0.46</a:t>
-                      </a:r>
-                      <a:endParaRPr lang="fr-FR" sz="1100" b="0" i="0" u="none" strike="noStrike">
-                        <a:solidFill>
-                          <a:srgbClr val="000000"/>
-                        </a:solidFill>
-                        <a:effectLst/>
-                        <a:latin typeface="Calibri" panose="020F0502020204030204" pitchFamily="34" charset="0"/>
-                      </a:endParaRPr>
-                    </a:p>
-                  </a:txBody>
-                  <a:tcPr marL="6350" marR="6350" marT="6350" marB="0" anchor="b"/>
-                </a:tc>
-                <a:tc>
-                  <a:txBody>
-                    <a:bodyPr/>
-                    <a:lstStyle/>
-                    <a:p>
-                      <a:pPr algn="ctr" rtl="0" fontAlgn="b"/>
-                      <a:r>
-                        <a:rPr lang="fr-FR" sz="1100" u="none" strike="noStrike">
-                          <a:effectLst/>
-                        </a:rPr>
-                        <a:t>10.0.0.47</a:t>
-                      </a:r>
-                      <a:endParaRPr lang="fr-FR" sz="1100" b="0" i="0" u="none" strike="noStrike">
-                        <a:solidFill>
-                          <a:srgbClr val="000000"/>
-                        </a:solidFill>
-                        <a:effectLst/>
-                        <a:latin typeface="Calibri" panose="020F0502020204030204" pitchFamily="34" charset="0"/>
-                      </a:endParaRPr>
-                    </a:p>
-                  </a:txBody>
-                  <a:tcPr marL="6350" marR="6350" marT="6350" marB="0" anchor="b"/>
-                </a:tc>
-                <a:extLst>
-                  <a:ext uri="{0D108BD9-81ED-4DB2-BD59-A6C34878D82A}">
-                    <a16:rowId xmlns:a16="http://schemas.microsoft.com/office/drawing/2014/main" val="1747753340"/>
-                  </a:ext>
-                </a:extLst>
-              </a:tr>
-              <a:tr h="209877">
-                <a:tc>
-                  <a:txBody>
-                    <a:bodyPr/>
-                    <a:lstStyle/>
-                    <a:p>
-                      <a:pPr algn="ctr" rtl="0" fontAlgn="b"/>
-                      <a:r>
-                        <a:rPr lang="fr-FR" sz="1100" u="none" strike="noStrike">
-                          <a:effectLst/>
-                        </a:rPr>
-                        <a:t>30</a:t>
-                      </a:r>
-                      <a:endParaRPr lang="fr-FR" sz="1100" b="0" i="0" u="none" strike="noStrike">
-                        <a:solidFill>
-                          <a:srgbClr val="000000"/>
-                        </a:solidFill>
-                        <a:effectLst/>
-                        <a:latin typeface="Calibri" panose="020F0502020204030204" pitchFamily="34" charset="0"/>
-                      </a:endParaRPr>
-                    </a:p>
-                  </a:txBody>
-                  <a:tcPr marL="6350" marR="6350" marT="6350" marB="0" anchor="b"/>
-                </a:tc>
-                <a:tc>
-                  <a:txBody>
-                    <a:bodyPr/>
-                    <a:lstStyle/>
-                    <a:p>
-                      <a:pPr algn="ctr" rtl="0" fontAlgn="b"/>
-                      <a:r>
-                        <a:rPr lang="fr-FR" sz="1100" u="none" strike="noStrike">
-                          <a:effectLst/>
-                        </a:rPr>
-                        <a:t>10.0.0.48</a:t>
-                      </a:r>
-                      <a:endParaRPr lang="fr-FR" sz="1100" b="0" i="0" u="none" strike="noStrike">
-                        <a:solidFill>
-                          <a:srgbClr val="000000"/>
-                        </a:solidFill>
-                        <a:effectLst/>
-                        <a:latin typeface="Calibri" panose="020F0502020204030204" pitchFamily="34" charset="0"/>
-                      </a:endParaRPr>
-                    </a:p>
-                  </a:txBody>
-                  <a:tcPr marL="6350" marR="6350" marT="6350" marB="0" anchor="b"/>
-                </a:tc>
-                <a:tc>
-                  <a:txBody>
-                    <a:bodyPr/>
-                    <a:lstStyle/>
-                    <a:p>
-                      <a:pPr algn="ctr" rtl="0" fontAlgn="b"/>
-                      <a:r>
-                        <a:rPr lang="fr-FR" sz="1100" u="none" strike="noStrike">
-                          <a:effectLst/>
-                        </a:rPr>
-                        <a:t>10.0.0.49</a:t>
-                      </a:r>
-                      <a:endParaRPr lang="fr-FR" sz="1100" b="0" i="0" u="none" strike="noStrike">
-                        <a:solidFill>
-                          <a:srgbClr val="000000"/>
-                        </a:solidFill>
-                        <a:effectLst/>
-                        <a:latin typeface="Calibri" panose="020F0502020204030204" pitchFamily="34" charset="0"/>
-                      </a:endParaRPr>
-                    </a:p>
-                  </a:txBody>
-                  <a:tcPr marL="6350" marR="6350" marT="6350" marB="0" anchor="b"/>
-                </a:tc>
-                <a:tc>
-                  <a:txBody>
-                    <a:bodyPr/>
-                    <a:lstStyle/>
-                    <a:p>
-                      <a:pPr algn="ctr" rtl="0" fontAlgn="b"/>
-                      <a:r>
-                        <a:rPr lang="fr-FR" sz="1100" u="none" strike="noStrike">
-                          <a:effectLst/>
-                        </a:rPr>
-                        <a:t>10.0.0.50 à 10.0.0.79</a:t>
-                      </a:r>
-                      <a:endParaRPr lang="fr-FR" sz="1100" b="0" i="0" u="none" strike="noStrike">
-                        <a:solidFill>
-                          <a:srgbClr val="000000"/>
-                        </a:solidFill>
-                        <a:effectLst/>
-                        <a:latin typeface="Calibri" panose="020F0502020204030204" pitchFamily="34" charset="0"/>
-                      </a:endParaRPr>
-                    </a:p>
-                  </a:txBody>
-                  <a:tcPr marL="6350" marR="6350" marT="6350" marB="0" anchor="b"/>
-                </a:tc>
-                <a:tc>
-                  <a:txBody>
-                    <a:bodyPr/>
-                    <a:lstStyle/>
-                    <a:p>
-                      <a:pPr algn="ctr" rtl="0" fontAlgn="b"/>
-                      <a:r>
-                        <a:rPr lang="fr-FR" sz="1100" u="none" strike="noStrike">
-                          <a:effectLst/>
-                        </a:rPr>
-                        <a:t>10.0.0.80</a:t>
-                      </a:r>
-                      <a:endParaRPr lang="fr-FR" sz="1100" b="0" i="0" u="none" strike="noStrike">
-                        <a:solidFill>
-                          <a:srgbClr val="000000"/>
-                        </a:solidFill>
-                        <a:effectLst/>
-                        <a:latin typeface="Calibri" panose="020F0502020204030204" pitchFamily="34" charset="0"/>
-                      </a:endParaRPr>
-                    </a:p>
-                  </a:txBody>
-                  <a:tcPr marL="6350" marR="6350" marT="6350" marB="0" anchor="b"/>
-                </a:tc>
-                <a:extLst>
-                  <a:ext uri="{0D108BD9-81ED-4DB2-BD59-A6C34878D82A}">
-                    <a16:rowId xmlns:a16="http://schemas.microsoft.com/office/drawing/2014/main" val="1102603104"/>
-                  </a:ext>
-                </a:extLst>
-              </a:tr>
-              <a:tr h="209877">
-                <a:tc>
-                  <a:txBody>
-                    <a:bodyPr/>
-                    <a:lstStyle/>
-                    <a:p>
-                      <a:pPr algn="ctr" rtl="0" fontAlgn="b"/>
-                      <a:r>
-                        <a:rPr lang="fr-FR" sz="1100" u="none" strike="noStrike">
-                          <a:effectLst/>
-                        </a:rPr>
-                        <a:t>30</a:t>
-                      </a:r>
-                      <a:endParaRPr lang="fr-FR" sz="1100" b="0" i="0" u="none" strike="noStrike">
-                        <a:solidFill>
-                          <a:srgbClr val="000000"/>
-                        </a:solidFill>
-                        <a:effectLst/>
-                        <a:latin typeface="Calibri" panose="020F0502020204030204" pitchFamily="34" charset="0"/>
-                      </a:endParaRPr>
-                    </a:p>
-                  </a:txBody>
-                  <a:tcPr marL="6350" marR="6350" marT="6350" marB="0" anchor="b"/>
-                </a:tc>
-                <a:tc>
-                  <a:txBody>
-                    <a:bodyPr/>
-                    <a:lstStyle/>
-                    <a:p>
-                      <a:pPr algn="ctr" rtl="0" fontAlgn="b"/>
-                      <a:r>
-                        <a:rPr lang="fr-FR" sz="1100" u="none" strike="noStrike">
-                          <a:effectLst/>
-                        </a:rPr>
-                        <a:t>10.0.0.81</a:t>
-                      </a:r>
-                      <a:endParaRPr lang="fr-FR" sz="1100" b="0" i="0" u="none" strike="noStrike">
-                        <a:solidFill>
-                          <a:srgbClr val="000000"/>
-                        </a:solidFill>
-                        <a:effectLst/>
-                        <a:latin typeface="Calibri" panose="020F0502020204030204" pitchFamily="34" charset="0"/>
-                      </a:endParaRPr>
-                    </a:p>
-                  </a:txBody>
-                  <a:tcPr marL="6350" marR="6350" marT="6350" marB="0" anchor="b"/>
-                </a:tc>
-                <a:tc>
-                  <a:txBody>
-                    <a:bodyPr/>
-                    <a:lstStyle/>
-                    <a:p>
-                      <a:pPr algn="ctr" rtl="0" fontAlgn="b"/>
-                      <a:r>
-                        <a:rPr lang="fr-FR" sz="1100" u="none" strike="noStrike">
-                          <a:effectLst/>
-                        </a:rPr>
-                        <a:t>10.0.0.82</a:t>
-                      </a:r>
-                      <a:endParaRPr lang="fr-FR" sz="1100" b="0" i="0" u="none" strike="noStrike">
-                        <a:solidFill>
-                          <a:srgbClr val="000000"/>
-                        </a:solidFill>
-                        <a:effectLst/>
-                        <a:latin typeface="Calibri" panose="020F0502020204030204" pitchFamily="34" charset="0"/>
-                      </a:endParaRPr>
-                    </a:p>
-                  </a:txBody>
-                  <a:tcPr marL="6350" marR="6350" marT="6350" marB="0" anchor="b"/>
-                </a:tc>
-                <a:tc>
-                  <a:txBody>
-                    <a:bodyPr/>
-                    <a:lstStyle/>
-                    <a:p>
-                      <a:pPr algn="ctr" rtl="0" fontAlgn="b"/>
-                      <a:r>
-                        <a:rPr lang="fr-FR" sz="1100" u="none" strike="noStrike">
-                          <a:effectLst/>
-                        </a:rPr>
-                        <a:t>10.0.0.83 à 10.0.0.112</a:t>
-                      </a:r>
-                      <a:endParaRPr lang="fr-FR" sz="1100" b="0" i="0" u="none" strike="noStrike">
-                        <a:solidFill>
-                          <a:srgbClr val="000000"/>
-                        </a:solidFill>
-                        <a:effectLst/>
-                        <a:latin typeface="Calibri" panose="020F0502020204030204" pitchFamily="34" charset="0"/>
-                      </a:endParaRPr>
-                    </a:p>
-                  </a:txBody>
-                  <a:tcPr marL="6350" marR="6350" marT="6350" marB="0" anchor="b"/>
-                </a:tc>
-                <a:tc>
-                  <a:txBody>
-                    <a:bodyPr/>
-                    <a:lstStyle/>
-                    <a:p>
-                      <a:pPr algn="ctr" rtl="0" fontAlgn="b"/>
-                      <a:r>
-                        <a:rPr lang="fr-FR" sz="1100" u="none" strike="noStrike">
-                          <a:effectLst/>
-                        </a:rPr>
-                        <a:t>10.0.0.113</a:t>
-                      </a:r>
-                      <a:endParaRPr lang="fr-FR" sz="1100" b="0" i="0" u="none" strike="noStrike">
-                        <a:solidFill>
-                          <a:srgbClr val="000000"/>
-                        </a:solidFill>
-                        <a:effectLst/>
-                        <a:latin typeface="Calibri" panose="020F0502020204030204" pitchFamily="34" charset="0"/>
-                      </a:endParaRPr>
-                    </a:p>
-                  </a:txBody>
-                  <a:tcPr marL="6350" marR="6350" marT="6350" marB="0" anchor="b"/>
-                </a:tc>
-                <a:extLst>
-                  <a:ext uri="{0D108BD9-81ED-4DB2-BD59-A6C34878D82A}">
-                    <a16:rowId xmlns:a16="http://schemas.microsoft.com/office/drawing/2014/main" val="847639291"/>
-                  </a:ext>
-                </a:extLst>
-              </a:tr>
-              <a:tr h="209877">
-                <a:tc>
-                  <a:txBody>
-                    <a:bodyPr/>
-                    <a:lstStyle/>
-                    <a:p>
-                      <a:pPr algn="ctr" rtl="0" fontAlgn="b"/>
-                      <a:r>
-                        <a:rPr lang="fr-FR" sz="1100" u="none" strike="noStrike">
-                          <a:effectLst/>
-                        </a:rPr>
-                        <a:t>30</a:t>
-                      </a:r>
-                      <a:endParaRPr lang="fr-FR" sz="1100" b="0" i="0" u="none" strike="noStrike">
-                        <a:solidFill>
-                          <a:srgbClr val="000000"/>
-                        </a:solidFill>
-                        <a:effectLst/>
-                        <a:latin typeface="Calibri" panose="020F0502020204030204" pitchFamily="34" charset="0"/>
-                      </a:endParaRPr>
-                    </a:p>
-                  </a:txBody>
-                  <a:tcPr marL="6350" marR="6350" marT="6350" marB="0" anchor="b"/>
-                </a:tc>
-                <a:tc>
-                  <a:txBody>
-                    <a:bodyPr/>
-                    <a:lstStyle/>
-                    <a:p>
-                      <a:pPr algn="ctr" rtl="0" fontAlgn="b"/>
-                      <a:r>
-                        <a:rPr lang="fr-FR" sz="1100" u="none" strike="noStrike">
-                          <a:effectLst/>
-                        </a:rPr>
-                        <a:t>10.0.0.114</a:t>
-                      </a:r>
-                      <a:endParaRPr lang="fr-FR" sz="1100" b="0" i="0" u="none" strike="noStrike">
-                        <a:solidFill>
-                          <a:srgbClr val="000000"/>
-                        </a:solidFill>
-                        <a:effectLst/>
-                        <a:latin typeface="Calibri" panose="020F0502020204030204" pitchFamily="34" charset="0"/>
-                      </a:endParaRPr>
-                    </a:p>
-                  </a:txBody>
-                  <a:tcPr marL="6350" marR="6350" marT="6350" marB="0" anchor="b"/>
-                </a:tc>
-                <a:tc>
-                  <a:txBody>
-                    <a:bodyPr/>
-                    <a:lstStyle/>
-                    <a:p>
-                      <a:pPr algn="ctr" rtl="0" fontAlgn="b"/>
-                      <a:r>
-                        <a:rPr lang="fr-FR" sz="1100" u="none" strike="noStrike">
-                          <a:effectLst/>
-                        </a:rPr>
-                        <a:t>10.0.0.115</a:t>
-                      </a:r>
-                      <a:endParaRPr lang="fr-FR" sz="1100" b="0" i="0" u="none" strike="noStrike">
-                        <a:solidFill>
-                          <a:srgbClr val="000000"/>
-                        </a:solidFill>
-                        <a:effectLst/>
-                        <a:latin typeface="Calibri" panose="020F0502020204030204" pitchFamily="34" charset="0"/>
-                      </a:endParaRPr>
-                    </a:p>
-                  </a:txBody>
-                  <a:tcPr marL="6350" marR="6350" marT="6350" marB="0" anchor="b"/>
-                </a:tc>
-                <a:tc>
-                  <a:txBody>
-                    <a:bodyPr/>
-                    <a:lstStyle/>
-                    <a:p>
-                      <a:pPr algn="ctr" rtl="0" fontAlgn="b"/>
-                      <a:r>
-                        <a:rPr lang="fr-FR" sz="1100" u="none" strike="noStrike">
-                          <a:effectLst/>
-                        </a:rPr>
-                        <a:t>10.0.0.116 à 10.0.0.145</a:t>
-                      </a:r>
-                      <a:endParaRPr lang="fr-FR" sz="1100" b="0" i="0" u="none" strike="noStrike">
-                        <a:solidFill>
-                          <a:srgbClr val="000000"/>
-                        </a:solidFill>
-                        <a:effectLst/>
-                        <a:latin typeface="Calibri" panose="020F0502020204030204" pitchFamily="34" charset="0"/>
-                      </a:endParaRPr>
-                    </a:p>
-                  </a:txBody>
-                  <a:tcPr marL="6350" marR="6350" marT="6350" marB="0" anchor="b"/>
-                </a:tc>
-                <a:tc>
-                  <a:txBody>
-                    <a:bodyPr/>
-                    <a:lstStyle/>
-                    <a:p>
-                      <a:pPr algn="ctr" rtl="0" fontAlgn="b"/>
-                      <a:r>
-                        <a:rPr lang="fr-FR" sz="1100" u="none" strike="noStrike">
-                          <a:effectLst/>
-                        </a:rPr>
-                        <a:t>10.0.0.146</a:t>
-                      </a:r>
-                      <a:endParaRPr lang="fr-FR" sz="1100" b="0" i="0" u="none" strike="noStrike">
-                        <a:solidFill>
-                          <a:srgbClr val="000000"/>
-                        </a:solidFill>
-                        <a:effectLst/>
-                        <a:latin typeface="Calibri" panose="020F0502020204030204" pitchFamily="34" charset="0"/>
-                      </a:endParaRPr>
-                    </a:p>
-                  </a:txBody>
-                  <a:tcPr marL="6350" marR="6350" marT="6350" marB="0" anchor="b"/>
-                </a:tc>
-                <a:extLst>
-                  <a:ext uri="{0D108BD9-81ED-4DB2-BD59-A6C34878D82A}">
-                    <a16:rowId xmlns:a16="http://schemas.microsoft.com/office/drawing/2014/main" val="3019377347"/>
-                  </a:ext>
-                </a:extLst>
-              </a:tr>
-              <a:tr h="225967">
-                <a:tc>
-                  <a:txBody>
-                    <a:bodyPr/>
-                    <a:lstStyle/>
-                    <a:p>
-                      <a:pPr algn="ctr" rtl="0" fontAlgn="b"/>
-                      <a:r>
-                        <a:rPr lang="fr-FR" sz="1100" u="none" strike="noStrike">
-                          <a:effectLst/>
-                        </a:rPr>
-                        <a:t>30</a:t>
-                      </a:r>
-                      <a:endParaRPr lang="fr-FR" sz="1100" b="0" i="0" u="none" strike="noStrike">
-                        <a:solidFill>
-                          <a:srgbClr val="000000"/>
-                        </a:solidFill>
-                        <a:effectLst/>
-                        <a:latin typeface="Calibri" panose="020F0502020204030204" pitchFamily="34" charset="0"/>
-                      </a:endParaRPr>
-                    </a:p>
-                  </a:txBody>
-                  <a:tcPr marL="6350" marR="6350" marT="6350" marB="0" anchor="b"/>
-                </a:tc>
-                <a:tc>
-                  <a:txBody>
-                    <a:bodyPr/>
-                    <a:lstStyle/>
-                    <a:p>
-                      <a:pPr algn="ctr" rtl="0" fontAlgn="b"/>
-                      <a:r>
-                        <a:rPr lang="fr-FR" sz="1100" u="none" strike="noStrike">
-                          <a:effectLst/>
-                        </a:rPr>
-                        <a:t>10.0.0.147</a:t>
-                      </a:r>
-                      <a:endParaRPr lang="fr-FR" sz="1100" b="0" i="0" u="none" strike="noStrike">
-                        <a:solidFill>
-                          <a:srgbClr val="000000"/>
-                        </a:solidFill>
-                        <a:effectLst/>
-                        <a:latin typeface="Calibri" panose="020F0502020204030204" pitchFamily="34" charset="0"/>
-                      </a:endParaRPr>
-                    </a:p>
-                  </a:txBody>
-                  <a:tcPr marL="6350" marR="6350" marT="6350" marB="0" anchor="b"/>
-                </a:tc>
-                <a:tc>
-                  <a:txBody>
-                    <a:bodyPr/>
-                    <a:lstStyle/>
-                    <a:p>
-                      <a:pPr algn="ctr" rtl="0" fontAlgn="b"/>
-                      <a:r>
-                        <a:rPr lang="fr-FR" sz="1100" u="none" strike="noStrike">
-                          <a:effectLst/>
-                        </a:rPr>
-                        <a:t>10.0.0.148</a:t>
-                      </a:r>
-                      <a:endParaRPr lang="fr-FR" sz="1100" b="0" i="0" u="none" strike="noStrike">
-                        <a:solidFill>
-                          <a:srgbClr val="000000"/>
-                        </a:solidFill>
-                        <a:effectLst/>
-                        <a:latin typeface="Calibri" panose="020F0502020204030204" pitchFamily="34" charset="0"/>
-                      </a:endParaRPr>
-                    </a:p>
-                  </a:txBody>
-                  <a:tcPr marL="6350" marR="6350" marT="6350" marB="0" anchor="b"/>
-                </a:tc>
-                <a:tc>
-                  <a:txBody>
-                    <a:bodyPr/>
-                    <a:lstStyle/>
-                    <a:p>
-                      <a:pPr algn="ctr" rtl="0" fontAlgn="b"/>
-                      <a:r>
-                        <a:rPr lang="fr-FR" sz="1100" u="none" strike="noStrike">
-                          <a:effectLst/>
-                        </a:rPr>
-                        <a:t>10.0.0.149 à 10.0.0.178</a:t>
-                      </a:r>
-                      <a:endParaRPr lang="fr-FR" sz="1100" b="0" i="0" u="none" strike="noStrike">
-                        <a:solidFill>
-                          <a:srgbClr val="000000"/>
-                        </a:solidFill>
-                        <a:effectLst/>
-                        <a:latin typeface="Calibri" panose="020F0502020204030204" pitchFamily="34" charset="0"/>
-                      </a:endParaRPr>
-                    </a:p>
-                  </a:txBody>
-                  <a:tcPr marL="6350" marR="6350" marT="6350" marB="0" anchor="b"/>
-                </a:tc>
-                <a:tc>
-                  <a:txBody>
-                    <a:bodyPr/>
-                    <a:lstStyle/>
-                    <a:p>
-                      <a:pPr algn="ctr" rtl="0" fontAlgn="b"/>
-                      <a:r>
-                        <a:rPr lang="fr-FR" sz="1100" u="none" strike="noStrike">
-                          <a:effectLst/>
-                        </a:rPr>
-                        <a:t>10.0.0.179</a:t>
-                      </a:r>
-                      <a:endParaRPr lang="fr-FR" sz="1100" b="0" i="0" u="none" strike="noStrike">
-                        <a:solidFill>
-                          <a:srgbClr val="000000"/>
-                        </a:solidFill>
-                        <a:effectLst/>
-                        <a:latin typeface="Calibri" panose="020F0502020204030204" pitchFamily="34" charset="0"/>
-                      </a:endParaRPr>
-                    </a:p>
-                  </a:txBody>
-                  <a:tcPr marL="6350" marR="6350" marT="6350" marB="0" anchor="b"/>
-                </a:tc>
-                <a:extLst>
-                  <a:ext uri="{0D108BD9-81ED-4DB2-BD59-A6C34878D82A}">
-                    <a16:rowId xmlns:a16="http://schemas.microsoft.com/office/drawing/2014/main" val="1466841575"/>
-                  </a:ext>
-                </a:extLst>
-              </a:tr>
-              <a:tr h="209877">
-                <a:tc>
-                  <a:txBody>
-                    <a:bodyPr/>
-                    <a:lstStyle/>
-                    <a:p>
-                      <a:pPr algn="ctr" rtl="0" fontAlgn="b"/>
-                      <a:r>
-                        <a:rPr lang="fr-FR" sz="1100" u="none" strike="noStrike">
-                          <a:effectLst/>
-                        </a:rPr>
-                        <a:t>120</a:t>
+                        <a:t>255.255.255.192/26</a:t>
                       </a:r>
                       <a:endParaRPr lang="fr-FR" sz="1100" b="0" i="0" u="none" strike="noStrike">
                         <a:solidFill>
@@ -8963,10 +8463,63 @@
                     <a:p>
                       <a:pPr algn="ctr" rtl="0" fontAlgn="b"/>
                       <a:r>
+                        <a:rPr lang="fr-FR" sz="1100" u="none" strike="noStrike" dirty="0">
+                          <a:effectLst/>
+                        </a:rPr>
+                        <a:t>10.0.1.2 à 10.0.1.31</a:t>
+                      </a:r>
+                      <a:endParaRPr lang="fr-FR" sz="1100" b="0" i="0" u="none" strike="noStrike" dirty="0">
+                        <a:solidFill>
+                          <a:srgbClr val="000000"/>
+                        </a:solidFill>
+                        <a:effectLst/>
+                        <a:latin typeface="Calibri" panose="020F0502020204030204" pitchFamily="34" charset="0"/>
+                      </a:endParaRPr>
+                    </a:p>
+                  </a:txBody>
+                  <a:tcPr marL="6350" marR="6350" marT="6350" marB="0" anchor="b"/>
+                </a:tc>
+                <a:tc>
+                  <a:txBody>
+                    <a:bodyPr/>
+                    <a:lstStyle/>
+                    <a:p>
+                      <a:pPr algn="ctr" rtl="0" fontAlgn="b"/>
+                      <a:r>
+                        <a:rPr lang="fr-FR" sz="1100" u="none" strike="noStrike" dirty="0">
+                          <a:effectLst/>
+                        </a:rPr>
+                        <a:t>10.0.1.32</a:t>
+                      </a:r>
+                      <a:endParaRPr lang="fr-FR" sz="1100" b="0" i="0" u="none" strike="noStrike" dirty="0">
+                        <a:solidFill>
+                          <a:srgbClr val="000000"/>
+                        </a:solidFill>
+                        <a:effectLst/>
+                        <a:latin typeface="Calibri" panose="020F0502020204030204" pitchFamily="34" charset="0"/>
+                      </a:endParaRPr>
+                    </a:p>
+                  </a:txBody>
+                  <a:tcPr marL="6350" marR="6350" marT="6350" marB="0" anchor="b"/>
+                </a:tc>
+                <a:extLst>
+                  <a:ext uri="{0D108BD9-81ED-4DB2-BD59-A6C34878D82A}">
+                    <a16:rowId xmlns:a16="http://schemas.microsoft.com/office/drawing/2014/main" val="3327411795"/>
+                  </a:ext>
+                </a:extLst>
+              </a:tr>
+              <a:tr h="226770">
+                <a:tc>
+                  <a:txBody>
+                    <a:bodyPr/>
+                    <a:lstStyle/>
+                    <a:p>
+                      <a:pPr algn="ctr" rtl="0" fontAlgn="b"/>
+                      <a:r>
                         <a:rPr lang="fr-FR" sz="1100" u="none" strike="noStrike">
                           <a:effectLst/>
                         </a:rPr>
-                        <a:t>10.0.1.2 à 10.0.1.121</a:t>
+                        <a:t>30</a:t>
                       </a:r>
                       <a:endParaRPr lang="fr-FR" sz="1100" b="0" i="0" u="none" strike="noStrike">
                         <a:solidFill>
@@ -8989,37 +8542,7 @@
                         <a:rPr lang="fr-FR" sz="1100" u="none" strike="noStrike">
                           <a:effectLst/>
                         </a:rPr>
-                        <a:t>10.0.1.122</a:t>
-                      </a:r>
-                      <a:endParaRPr lang="fr-FR" sz="1100" b="0" i="0" u="none" strike="noStrike">
-                        <a:solidFill>
-                          <a:srgbClr val="000000"/>
-                        </a:solidFill>
-                        <a:effectLst/>
-                        <a:latin typeface="Calibri" panose="020F0502020204030204" pitchFamily="34" charset="0"/>
-                      </a:endParaRPr>
-                    </a:p>
-                  </a:txBody>
-                  <a:tcPr marL="6350" marR="6350" marT="6350" marB="0" anchor="b"/>
-                </a:tc>
-                <a:extLst>
-                  <a:ext uri="{0D108BD9-81ED-4DB2-BD59-A6C34878D82A}">
-                    <a16:rowId xmlns:a16="http://schemas.microsoft.com/office/drawing/2014/main" val="626060594"/>
-                  </a:ext>
-                </a:extLst>
-              </a:tr>
-              <a:tr h="209877">
-                <a:tc>
-                  <a:txBody>
-                    <a:bodyPr/>
-                    <a:lstStyle/>
-                    <a:p>
-                      <a:pPr algn="ctr" rtl="0" fontAlgn="b"/>
-                      <a:r>
-                        <a:rPr lang="fr-FR" sz="1100" u="none" strike="noStrike">
-                          <a:effectLst/>
-                        </a:rPr>
-                        <a:t>120</a:t>
+                        <a:t>255.255.255.192/26</a:t>
                       </a:r>
                       <a:endParaRPr lang="fr-FR" sz="1100" b="0" i="0" u="none" strike="noStrike">
                         <a:solidFill>
@@ -9085,10 +8608,63 @@
                     <a:p>
                       <a:pPr algn="ctr" rtl="0" fontAlgn="b"/>
                       <a:r>
+                        <a:rPr lang="fr-FR" sz="1100" u="none" strike="noStrike" dirty="0">
+                          <a:effectLst/>
+                        </a:rPr>
+                        <a:t>10.0.2.2 à 10.0.2.31</a:t>
+                      </a:r>
+                      <a:endParaRPr lang="fr-FR" sz="1100" b="0" i="0" u="none" strike="noStrike" dirty="0">
+                        <a:solidFill>
+                          <a:srgbClr val="000000"/>
+                        </a:solidFill>
+                        <a:effectLst/>
+                        <a:latin typeface="Calibri" panose="020F0502020204030204" pitchFamily="34" charset="0"/>
+                      </a:endParaRPr>
+                    </a:p>
+                  </a:txBody>
+                  <a:tcPr marL="6350" marR="6350" marT="6350" marB="0" anchor="b"/>
+                </a:tc>
+                <a:tc>
+                  <a:txBody>
+                    <a:bodyPr/>
+                    <a:lstStyle/>
+                    <a:p>
+                      <a:pPr algn="ctr" rtl="0" fontAlgn="b"/>
+                      <a:r>
+                        <a:rPr lang="fr-FR" sz="1100" u="none" strike="noStrike" dirty="0">
+                          <a:effectLst/>
+                        </a:rPr>
+                        <a:t>10.0.2.32</a:t>
+                      </a:r>
+                      <a:endParaRPr lang="fr-FR" sz="1100" b="0" i="0" u="none" strike="noStrike" dirty="0">
+                        <a:solidFill>
+                          <a:srgbClr val="000000"/>
+                        </a:solidFill>
+                        <a:effectLst/>
+                        <a:latin typeface="Calibri" panose="020F0502020204030204" pitchFamily="34" charset="0"/>
+                      </a:endParaRPr>
+                    </a:p>
+                  </a:txBody>
+                  <a:tcPr marL="6350" marR="6350" marT="6350" marB="0" anchor="b"/>
+                </a:tc>
+                <a:extLst>
+                  <a:ext uri="{0D108BD9-81ED-4DB2-BD59-A6C34878D82A}">
+                    <a16:rowId xmlns:a16="http://schemas.microsoft.com/office/drawing/2014/main" val="90223578"/>
+                  </a:ext>
+                </a:extLst>
+              </a:tr>
+              <a:tr h="226770">
+                <a:tc>
+                  <a:txBody>
+                    <a:bodyPr/>
+                    <a:lstStyle/>
+                    <a:p>
+                      <a:pPr algn="ctr" rtl="0" fontAlgn="b"/>
+                      <a:r>
                         <a:rPr lang="fr-FR" sz="1100" u="none" strike="noStrike">
                           <a:effectLst/>
                         </a:rPr>
-                        <a:t>10.0.2.2 à 10.0.2.121</a:t>
+                        <a:t>30</a:t>
                       </a:r>
                       <a:endParaRPr lang="fr-FR" sz="1100" b="0" i="0" u="none" strike="noStrike">
                         <a:solidFill>
@@ -9111,37 +8687,7 @@
                         <a:rPr lang="fr-FR" sz="1100" u="none" strike="noStrike">
                           <a:effectLst/>
                         </a:rPr>
-                        <a:t>10.0.2.122</a:t>
-                      </a:r>
-                      <a:endParaRPr lang="fr-FR" sz="1100" b="0" i="0" u="none" strike="noStrike">
-                        <a:solidFill>
-                          <a:srgbClr val="000000"/>
-                        </a:solidFill>
-                        <a:effectLst/>
-                        <a:latin typeface="Calibri" panose="020F0502020204030204" pitchFamily="34" charset="0"/>
-                      </a:endParaRPr>
-                    </a:p>
-                  </a:txBody>
-                  <a:tcPr marL="6350" marR="6350" marT="6350" marB="0" anchor="b"/>
-                </a:tc>
-                <a:extLst>
-                  <a:ext uri="{0D108BD9-81ED-4DB2-BD59-A6C34878D82A}">
-                    <a16:rowId xmlns:a16="http://schemas.microsoft.com/office/drawing/2014/main" val="681888113"/>
-                  </a:ext>
-                </a:extLst>
-              </a:tr>
-              <a:tr h="209877">
-                <a:tc>
-                  <a:txBody>
-                    <a:bodyPr/>
-                    <a:lstStyle/>
-                    <a:p>
-                      <a:pPr algn="ctr" rtl="0" fontAlgn="b"/>
-                      <a:r>
-                        <a:rPr lang="fr-FR" sz="1100" u="none" strike="noStrike">
-                          <a:effectLst/>
-                        </a:rPr>
-                        <a:t>120</a:t>
+                        <a:t>255.255.255.192/26</a:t>
                       </a:r>
                       <a:endParaRPr lang="fr-FR" sz="1100" b="0" i="0" u="none" strike="noStrike">
                         <a:solidFill>
@@ -9207,10 +8753,63 @@
                     <a:p>
                       <a:pPr algn="ctr" rtl="0" fontAlgn="b"/>
                       <a:r>
+                        <a:rPr lang="fr-FR" sz="1100" u="none" strike="noStrike" dirty="0">
+                          <a:effectLst/>
+                        </a:rPr>
+                        <a:t>10.0.3.2 à 10.0.3.31</a:t>
+                      </a:r>
+                      <a:endParaRPr lang="fr-FR" sz="1100" b="0" i="0" u="none" strike="noStrike" dirty="0">
+                        <a:solidFill>
+                          <a:srgbClr val="000000"/>
+                        </a:solidFill>
+                        <a:effectLst/>
+                        <a:latin typeface="Calibri" panose="020F0502020204030204" pitchFamily="34" charset="0"/>
+                      </a:endParaRPr>
+                    </a:p>
+                  </a:txBody>
+                  <a:tcPr marL="6350" marR="6350" marT="6350" marB="0" anchor="b"/>
+                </a:tc>
+                <a:tc>
+                  <a:txBody>
+                    <a:bodyPr/>
+                    <a:lstStyle/>
+                    <a:p>
+                      <a:pPr algn="ctr" rtl="0" fontAlgn="b"/>
+                      <a:r>
+                        <a:rPr lang="fr-FR" sz="1100" u="none" strike="noStrike" dirty="0">
+                          <a:effectLst/>
+                        </a:rPr>
+                        <a:t>10.0.3.32</a:t>
+                      </a:r>
+                      <a:endParaRPr lang="fr-FR" sz="1100" b="0" i="0" u="none" strike="noStrike" dirty="0">
+                        <a:solidFill>
+                          <a:srgbClr val="000000"/>
+                        </a:solidFill>
+                        <a:effectLst/>
+                        <a:latin typeface="Calibri" panose="020F0502020204030204" pitchFamily="34" charset="0"/>
+                      </a:endParaRPr>
+                    </a:p>
+                  </a:txBody>
+                  <a:tcPr marL="6350" marR="6350" marT="6350" marB="0" anchor="b"/>
+                </a:tc>
+                <a:extLst>
+                  <a:ext uri="{0D108BD9-81ED-4DB2-BD59-A6C34878D82A}">
+                    <a16:rowId xmlns:a16="http://schemas.microsoft.com/office/drawing/2014/main" val="1096829101"/>
+                  </a:ext>
+                </a:extLst>
+              </a:tr>
+              <a:tr h="226770">
+                <a:tc>
+                  <a:txBody>
+                    <a:bodyPr/>
+                    <a:lstStyle/>
+                    <a:p>
+                      <a:pPr algn="ctr" rtl="0" fontAlgn="b"/>
+                      <a:r>
                         <a:rPr lang="fr-FR" sz="1100" u="none" strike="noStrike">
                           <a:effectLst/>
                         </a:rPr>
-                        <a:t>10.0.3.2 à 10.0.3.121</a:t>
+                        <a:t>30</a:t>
                       </a:r>
                       <a:endParaRPr lang="fr-FR" sz="1100" b="0" i="0" u="none" strike="noStrike">
                         <a:solidFill>
@@ -9233,37 +8832,7 @@
                         <a:rPr lang="fr-FR" sz="1100" u="none" strike="noStrike">
                           <a:effectLst/>
                         </a:rPr>
-                        <a:t>10.0.3.122</a:t>
-                      </a:r>
-                      <a:endParaRPr lang="fr-FR" sz="1100" b="0" i="0" u="none" strike="noStrike">
-                        <a:solidFill>
-                          <a:srgbClr val="000000"/>
-                        </a:solidFill>
-                        <a:effectLst/>
-                        <a:latin typeface="Calibri" panose="020F0502020204030204" pitchFamily="34" charset="0"/>
-                      </a:endParaRPr>
-                    </a:p>
-                  </a:txBody>
-                  <a:tcPr marL="6350" marR="6350" marT="6350" marB="0" anchor="b"/>
-                </a:tc>
-                <a:extLst>
-                  <a:ext uri="{0D108BD9-81ED-4DB2-BD59-A6C34878D82A}">
-                    <a16:rowId xmlns:a16="http://schemas.microsoft.com/office/drawing/2014/main" val="1984480829"/>
-                  </a:ext>
-                </a:extLst>
-              </a:tr>
-              <a:tr h="209877">
-                <a:tc>
-                  <a:txBody>
-                    <a:bodyPr/>
-                    <a:lstStyle/>
-                    <a:p>
-                      <a:pPr algn="ctr" rtl="0" fontAlgn="b"/>
-                      <a:r>
-                        <a:rPr lang="fr-FR" sz="1100" u="none" strike="noStrike">
-                          <a:effectLst/>
-                        </a:rPr>
-                        <a:t>120</a:t>
+                        <a:t>255.255.255.192/26</a:t>
                       </a:r>
                       <a:endParaRPr lang="fr-FR" sz="1100" b="0" i="0" u="none" strike="noStrike">
                         <a:solidFill>
@@ -9329,10 +8898,63 @@
                     <a:p>
                       <a:pPr algn="ctr" rtl="0" fontAlgn="b"/>
                       <a:r>
+                        <a:rPr lang="fr-FR" sz="1100" u="none" strike="noStrike" dirty="0">
+                          <a:effectLst/>
+                        </a:rPr>
+                        <a:t>10.0.4.2 à 10.0.4.31</a:t>
+                      </a:r>
+                      <a:endParaRPr lang="fr-FR" sz="1100" b="0" i="0" u="none" strike="noStrike" dirty="0">
+                        <a:solidFill>
+                          <a:srgbClr val="000000"/>
+                        </a:solidFill>
+                        <a:effectLst/>
+                        <a:latin typeface="Calibri" panose="020F0502020204030204" pitchFamily="34" charset="0"/>
+                      </a:endParaRPr>
+                    </a:p>
+                  </a:txBody>
+                  <a:tcPr marL="6350" marR="6350" marT="6350" marB="0" anchor="b"/>
+                </a:tc>
+                <a:tc>
+                  <a:txBody>
+                    <a:bodyPr/>
+                    <a:lstStyle/>
+                    <a:p>
+                      <a:pPr algn="ctr" rtl="0" fontAlgn="b"/>
+                      <a:r>
+                        <a:rPr lang="fr-FR" sz="1100" u="none" strike="noStrike" dirty="0">
+                          <a:effectLst/>
+                        </a:rPr>
+                        <a:t>10.0.4.32</a:t>
+                      </a:r>
+                      <a:endParaRPr lang="fr-FR" sz="1100" b="0" i="0" u="none" strike="noStrike" dirty="0">
+                        <a:solidFill>
+                          <a:srgbClr val="000000"/>
+                        </a:solidFill>
+                        <a:effectLst/>
+                        <a:latin typeface="Calibri" panose="020F0502020204030204" pitchFamily="34" charset="0"/>
+                      </a:endParaRPr>
+                    </a:p>
+                  </a:txBody>
+                  <a:tcPr marL="6350" marR="6350" marT="6350" marB="0" anchor="b"/>
+                </a:tc>
+                <a:extLst>
+                  <a:ext uri="{0D108BD9-81ED-4DB2-BD59-A6C34878D82A}">
+                    <a16:rowId xmlns:a16="http://schemas.microsoft.com/office/drawing/2014/main" val="2063928432"/>
+                  </a:ext>
+                </a:extLst>
+              </a:tr>
+              <a:tr h="226770">
+                <a:tc>
+                  <a:txBody>
+                    <a:bodyPr/>
+                    <a:lstStyle/>
+                    <a:p>
+                      <a:pPr algn="ctr" rtl="0" fontAlgn="b"/>
+                      <a:r>
                         <a:rPr lang="fr-FR" sz="1100" u="none" strike="noStrike">
                           <a:effectLst/>
                         </a:rPr>
-                        <a:t>10.0.4.2 à 10.0.4.121</a:t>
+                        <a:t>30</a:t>
                       </a:r>
                       <a:endParaRPr lang="fr-FR" sz="1100" b="0" i="0" u="none" strike="noStrike">
                         <a:solidFill>
@@ -9355,37 +8977,7 @@
                         <a:rPr lang="fr-FR" sz="1100" u="none" strike="noStrike">
                           <a:effectLst/>
                         </a:rPr>
-                        <a:t>10.0.4.122</a:t>
-                      </a:r>
-                      <a:endParaRPr lang="fr-FR" sz="1100" b="0" i="0" u="none" strike="noStrike">
-                        <a:solidFill>
-                          <a:srgbClr val="000000"/>
-                        </a:solidFill>
-                        <a:effectLst/>
-                        <a:latin typeface="Calibri" panose="020F0502020204030204" pitchFamily="34" charset="0"/>
-                      </a:endParaRPr>
-                    </a:p>
-                  </a:txBody>
-                  <a:tcPr marL="6350" marR="6350" marT="6350" marB="0" anchor="b"/>
-                </a:tc>
-                <a:extLst>
-                  <a:ext uri="{0D108BD9-81ED-4DB2-BD59-A6C34878D82A}">
-                    <a16:rowId xmlns:a16="http://schemas.microsoft.com/office/drawing/2014/main" val="1685255425"/>
-                  </a:ext>
-                </a:extLst>
-              </a:tr>
-              <a:tr h="209877">
-                <a:tc>
-                  <a:txBody>
-                    <a:bodyPr/>
-                    <a:lstStyle/>
-                    <a:p>
-                      <a:pPr algn="ctr" rtl="0" fontAlgn="b"/>
-                      <a:r>
-                        <a:rPr lang="fr-FR" sz="1100" u="none" strike="noStrike">
-                          <a:effectLst/>
-                        </a:rPr>
-                        <a:t>120</a:t>
+                        <a:t>255.255.255.192/26</a:t>
                       </a:r>
                       <a:endParaRPr lang="fr-FR" sz="1100" b="0" i="0" u="none" strike="noStrike">
                         <a:solidFill>
@@ -9451,10 +9043,63 @@
                     <a:p>
                       <a:pPr algn="ctr" rtl="0" fontAlgn="b"/>
                       <a:r>
+                        <a:rPr lang="fr-FR" sz="1100" u="none" strike="noStrike" dirty="0">
+                          <a:effectLst/>
+                        </a:rPr>
+                        <a:t>10.0.5.2 à 10.0.5.31</a:t>
+                      </a:r>
+                      <a:endParaRPr lang="fr-FR" sz="1100" b="0" i="0" u="none" strike="noStrike" dirty="0">
+                        <a:solidFill>
+                          <a:srgbClr val="000000"/>
+                        </a:solidFill>
+                        <a:effectLst/>
+                        <a:latin typeface="Calibri" panose="020F0502020204030204" pitchFamily="34" charset="0"/>
+                      </a:endParaRPr>
+                    </a:p>
+                  </a:txBody>
+                  <a:tcPr marL="6350" marR="6350" marT="6350" marB="0" anchor="b"/>
+                </a:tc>
+                <a:tc>
+                  <a:txBody>
+                    <a:bodyPr/>
+                    <a:lstStyle/>
+                    <a:p>
+                      <a:pPr algn="ctr" rtl="0" fontAlgn="b"/>
+                      <a:r>
+                        <a:rPr lang="fr-FR" sz="1100" u="none" strike="noStrike" dirty="0">
+                          <a:effectLst/>
+                        </a:rPr>
+                        <a:t>10.0.5.32</a:t>
+                      </a:r>
+                      <a:endParaRPr lang="fr-FR" sz="1100" b="0" i="0" u="none" strike="noStrike" dirty="0">
+                        <a:solidFill>
+                          <a:srgbClr val="000000"/>
+                        </a:solidFill>
+                        <a:effectLst/>
+                        <a:latin typeface="Calibri" panose="020F0502020204030204" pitchFamily="34" charset="0"/>
+                      </a:endParaRPr>
+                    </a:p>
+                  </a:txBody>
+                  <a:tcPr marL="6350" marR="6350" marT="6350" marB="0" anchor="b"/>
+                </a:tc>
+                <a:extLst>
+                  <a:ext uri="{0D108BD9-81ED-4DB2-BD59-A6C34878D82A}">
+                    <a16:rowId xmlns:a16="http://schemas.microsoft.com/office/drawing/2014/main" val="700866367"/>
+                  </a:ext>
+                </a:extLst>
+              </a:tr>
+              <a:tr h="226770">
+                <a:tc>
+                  <a:txBody>
+                    <a:bodyPr/>
+                    <a:lstStyle/>
+                    <a:p>
+                      <a:pPr algn="ctr" rtl="0" fontAlgn="b"/>
+                      <a:r>
                         <a:rPr lang="fr-FR" sz="1100" u="none" strike="noStrike">
                           <a:effectLst/>
                         </a:rPr>
-                        <a:t>10.0.5.2 à 10.0.5.121</a:t>
+                        <a:t>120</a:t>
                       </a:r>
                       <a:endParaRPr lang="fr-FR" sz="1100" b="0" i="0" u="none" strike="noStrike">
                         <a:solidFill>
@@ -9472,42 +9117,12 @@
                     <a:bodyPr/>
                     <a:lstStyle/>
                     <a:p>
-                      <a:pPr algn="ctr" rtl="0" fontAlgn="ctr"/>
-                      <a:r>
-                        <a:rPr lang="fr-FR" sz="1100" u="none" strike="noStrike">
-                          <a:effectLst/>
-                        </a:rPr>
-                        <a:t>10.0.5.122</a:t>
-                      </a:r>
-                      <a:endParaRPr lang="fr-FR" sz="1100" b="0" i="0" u="none" strike="noStrike">
-                        <a:solidFill>
-                          <a:srgbClr val="000000"/>
-                        </a:solidFill>
-                        <a:effectLst/>
-                        <a:latin typeface="Calibri" panose="020F0502020204030204" pitchFamily="34" charset="0"/>
-                      </a:endParaRPr>
-                    </a:p>
-                  </a:txBody>
-                  <a:tcPr marL="6350" marR="6350" marT="6350" marB="0" anchor="ctr"/>
-                </a:tc>
-                <a:extLst>
-                  <a:ext uri="{0D108BD9-81ED-4DB2-BD59-A6C34878D82A}">
-                    <a16:rowId xmlns:a16="http://schemas.microsoft.com/office/drawing/2014/main" val="4264513050"/>
-                  </a:ext>
-                </a:extLst>
-              </a:tr>
-              <a:tr h="209877">
-                <a:tc>
-                  <a:txBody>
-                    <a:bodyPr/>
-                    <a:lstStyle/>
-                    <a:p>
                       <a:pPr algn="ctr" rtl="0" fontAlgn="b"/>
                       <a:r>
                         <a:rPr lang="fr-FR" sz="1100" u="none" strike="noStrike">
                           <a:effectLst/>
                         </a:rPr>
-                        <a:t>160</a:t>
+                        <a:t>255.255.255.128/25</a:t>
                       </a:r>
                       <a:endParaRPr lang="fr-FR" sz="1100" b="0" i="0" u="none" strike="noStrike">
                         <a:solidFill>
@@ -9576,7 +9191,7 @@
                         <a:rPr lang="fr-FR" sz="1100" u="none" strike="noStrike">
                           <a:effectLst/>
                         </a:rPr>
-                        <a:t>10.0.6.2 à 10.0.6.161</a:t>
+                        <a:t>10.0.6.2 à 10.0.6.121</a:t>
                       </a:r>
                       <a:endParaRPr lang="fr-FR" sz="1100" b="0" i="0" u="none" strike="noStrike">
                         <a:solidFill>
@@ -9599,7 +9214,7 @@
                         <a:rPr lang="fr-FR" sz="1100" u="none" strike="noStrike">
                           <a:effectLst/>
                         </a:rPr>
-                        <a:t>10.0.6.162</a:t>
+                        <a:t>10.0.6.122</a:t>
                       </a:r>
                       <a:endParaRPr lang="fr-FR" sz="1100" b="0" i="0" u="none" strike="noStrike">
                         <a:solidFill>
@@ -9614,11 +9229,11 @@
                 </a:tc>
                 <a:extLst>
                   <a:ext uri="{0D108BD9-81ED-4DB2-BD59-A6C34878D82A}">
-                    <a16:rowId xmlns:a16="http://schemas.microsoft.com/office/drawing/2014/main" val="1913139835"/>
+                    <a16:rowId xmlns:a16="http://schemas.microsoft.com/office/drawing/2014/main" val="828621335"/>
                   </a:ext>
                 </a:extLst>
               </a:tr>
-              <a:tr h="209877">
+              <a:tr h="226770">
                 <a:tc>
                   <a:txBody>
                     <a:bodyPr/>
@@ -9629,7 +9244,30 @@
                         <a:rPr lang="fr-FR" sz="1100" u="none" strike="noStrike">
                           <a:effectLst/>
                         </a:rPr>
-                        <a:t>160</a:t>
+                        <a:t>120</a:t>
+                      </a:r>
+                      <a:endParaRPr lang="fr-FR" sz="1100" b="0" i="0" u="none" strike="noStrike">
+                        <a:solidFill>
+                          <a:srgbClr val="000000"/>
+                        </a:solidFill>
+                        <a:effectLst/>
+                        <a:latin typeface="Calibri" panose="020F0502020204030204" pitchFamily="34" charset="0"/>
+                      </a:endParaRPr>
+                    </a:p>
+                  </a:txBody>
+                  <a:tcPr marL="6350" marR="6350" marT="6350" marB="0" anchor="b"/>
+                </a:tc>
+                <a:tc>
+                  <a:txBody>
+                    <a:bodyPr/>
+                    <a:lstStyle/>
+                    <a:p>
+                      <a:pPr algn="ctr" rtl="0" fontAlgn="b"/>
+                      <a:r>
+                        <a:rPr lang="fr-FR" sz="1100" u="none" strike="noStrike">
+                          <a:effectLst/>
+                        </a:rPr>
+                        <a:t>255.255.255.128/25</a:t>
                       </a:r>
                       <a:endParaRPr lang="fr-FR" sz="1100" b="0" i="0" u="none" strike="noStrike">
                         <a:solidFill>
@@ -9698,7 +9336,7 @@
                         <a:rPr lang="fr-FR" sz="1100" u="none" strike="noStrike">
                           <a:effectLst/>
                         </a:rPr>
-                        <a:t>10.0.7.2 à 10.0.7.161</a:t>
+                        <a:t>10.0.7.2 à 10.0.7.121</a:t>
                       </a:r>
                       <a:endParaRPr lang="fr-FR" sz="1100" b="0" i="0" u="none" strike="noStrike">
                         <a:solidFill>
@@ -9721,7 +9359,7 @@
                         <a:rPr lang="fr-FR" sz="1100" u="none" strike="noStrike">
                           <a:effectLst/>
                         </a:rPr>
-                        <a:t>10.0.7.162</a:t>
+                        <a:t>10.0.7.122</a:t>
                       </a:r>
                       <a:endParaRPr lang="fr-FR" sz="1100" b="0" i="0" u="none" strike="noStrike">
                         <a:solidFill>
@@ -9736,11 +9374,11 @@
                 </a:tc>
                 <a:extLst>
                   <a:ext uri="{0D108BD9-81ED-4DB2-BD59-A6C34878D82A}">
-                    <a16:rowId xmlns:a16="http://schemas.microsoft.com/office/drawing/2014/main" val="1128287607"/>
+                    <a16:rowId xmlns:a16="http://schemas.microsoft.com/office/drawing/2014/main" val="2811950278"/>
                   </a:ext>
                 </a:extLst>
               </a:tr>
-              <a:tr h="209877">
+              <a:tr h="226770">
                 <a:tc>
                   <a:txBody>
                     <a:bodyPr/>
@@ -9751,7 +9389,30 @@
                         <a:rPr lang="fr-FR" sz="1100" u="none" strike="noStrike">
                           <a:effectLst/>
                         </a:rPr>
-                        <a:t>160</a:t>
+                        <a:t>120</a:t>
+                      </a:r>
+                      <a:endParaRPr lang="fr-FR" sz="1100" b="0" i="0" u="none" strike="noStrike">
+                        <a:solidFill>
+                          <a:srgbClr val="000000"/>
+                        </a:solidFill>
+                        <a:effectLst/>
+                        <a:latin typeface="Calibri" panose="020F0502020204030204" pitchFamily="34" charset="0"/>
+                      </a:endParaRPr>
+                    </a:p>
+                  </a:txBody>
+                  <a:tcPr marL="6350" marR="6350" marT="6350" marB="0" anchor="b"/>
+                </a:tc>
+                <a:tc>
+                  <a:txBody>
+                    <a:bodyPr/>
+                    <a:lstStyle/>
+                    <a:p>
+                      <a:pPr algn="ctr" rtl="0" fontAlgn="b"/>
+                      <a:r>
+                        <a:rPr lang="fr-FR" sz="1100" u="none" strike="noStrike">
+                          <a:effectLst/>
+                        </a:rPr>
+                        <a:t>255.255.255.128/25</a:t>
                       </a:r>
                       <a:endParaRPr lang="fr-FR" sz="1100" b="0" i="0" u="none" strike="noStrike">
                         <a:solidFill>
@@ -9820,7 +9481,7 @@
                         <a:rPr lang="fr-FR" sz="1100" u="none" strike="noStrike">
                           <a:effectLst/>
                         </a:rPr>
-                        <a:t>10.0.8.2 à 10.0.8.161</a:t>
+                        <a:t>10.0.8.2 à 10.0.8.121</a:t>
                       </a:r>
                       <a:endParaRPr lang="fr-FR" sz="1100" b="0" i="0" u="none" strike="noStrike">
                         <a:solidFill>
@@ -9843,7 +9504,7 @@
                         <a:rPr lang="fr-FR" sz="1100" u="none" strike="noStrike">
                           <a:effectLst/>
                         </a:rPr>
-                        <a:t>10.0.8.162</a:t>
+                        <a:t>10.0.8.122</a:t>
                       </a:r>
                       <a:endParaRPr lang="fr-FR" sz="1100" b="0" i="0" u="none" strike="noStrike">
                         <a:solidFill>
@@ -9858,11 +9519,11 @@
                 </a:tc>
                 <a:extLst>
                   <a:ext uri="{0D108BD9-81ED-4DB2-BD59-A6C34878D82A}">
-                    <a16:rowId xmlns:a16="http://schemas.microsoft.com/office/drawing/2014/main" val="4048532224"/>
+                    <a16:rowId xmlns:a16="http://schemas.microsoft.com/office/drawing/2014/main" val="3746594514"/>
                   </a:ext>
                 </a:extLst>
               </a:tr>
-              <a:tr h="209877">
+              <a:tr h="226770">
                 <a:tc>
                   <a:txBody>
                     <a:bodyPr/>
@@ -9873,7 +9534,30 @@
                         <a:rPr lang="fr-FR" sz="1100" u="none" strike="noStrike">
                           <a:effectLst/>
                         </a:rPr>
-                        <a:t>160</a:t>
+                        <a:t>120</a:t>
+                      </a:r>
+                      <a:endParaRPr lang="fr-FR" sz="1100" b="0" i="0" u="none" strike="noStrike">
+                        <a:solidFill>
+                          <a:srgbClr val="000000"/>
+                        </a:solidFill>
+                        <a:effectLst/>
+                        <a:latin typeface="Calibri" panose="020F0502020204030204" pitchFamily="34" charset="0"/>
+                      </a:endParaRPr>
+                    </a:p>
+                  </a:txBody>
+                  <a:tcPr marL="6350" marR="6350" marT="6350" marB="0" anchor="b"/>
+                </a:tc>
+                <a:tc>
+                  <a:txBody>
+                    <a:bodyPr/>
+                    <a:lstStyle/>
+                    <a:p>
+                      <a:pPr algn="ctr" rtl="0" fontAlgn="b"/>
+                      <a:r>
+                        <a:rPr lang="fr-FR" sz="1100" u="none" strike="noStrike">
+                          <a:effectLst/>
+                        </a:rPr>
+                        <a:t>255.255.255.128/25</a:t>
                       </a:r>
                       <a:endParaRPr lang="fr-FR" sz="1100" b="0" i="0" u="none" strike="noStrike">
                         <a:solidFill>
@@ -9942,7 +9626,7 @@
                         <a:rPr lang="fr-FR" sz="1100" u="none" strike="noStrike">
                           <a:effectLst/>
                         </a:rPr>
-                        <a:t>10.0.9.2 à 10.0.9.161</a:t>
+                        <a:t>10.0.9.2 à 10.0.9.121</a:t>
                       </a:r>
                       <a:endParaRPr lang="fr-FR" sz="1100" b="0" i="0" u="none" strike="noStrike">
                         <a:solidFill>
@@ -9965,7 +9649,7 @@
                         <a:rPr lang="fr-FR" sz="1100" u="none" strike="noStrike">
                           <a:effectLst/>
                         </a:rPr>
-                        <a:t>10.0.9.162</a:t>
+                        <a:t>10.0.9.122</a:t>
                       </a:r>
                       <a:endParaRPr lang="fr-FR" sz="1100" b="0" i="0" u="none" strike="noStrike">
                         <a:solidFill>
@@ -9980,11 +9664,11 @@
                 </a:tc>
                 <a:extLst>
                   <a:ext uri="{0D108BD9-81ED-4DB2-BD59-A6C34878D82A}">
-                    <a16:rowId xmlns:a16="http://schemas.microsoft.com/office/drawing/2014/main" val="2554541318"/>
+                    <a16:rowId xmlns:a16="http://schemas.microsoft.com/office/drawing/2014/main" val="234990838"/>
                   </a:ext>
                 </a:extLst>
               </a:tr>
-              <a:tr h="209877">
+              <a:tr h="226770">
                 <a:tc>
                   <a:txBody>
                     <a:bodyPr/>
@@ -9995,7 +9679,30 @@
                         <a:rPr lang="fr-FR" sz="1100" u="none" strike="noStrike">
                           <a:effectLst/>
                         </a:rPr>
-                        <a:t>160</a:t>
+                        <a:t>120</a:t>
+                      </a:r>
+                      <a:endParaRPr lang="fr-FR" sz="1100" b="0" i="0" u="none" strike="noStrike">
+                        <a:solidFill>
+                          <a:srgbClr val="000000"/>
+                        </a:solidFill>
+                        <a:effectLst/>
+                        <a:latin typeface="Calibri" panose="020F0502020204030204" pitchFamily="34" charset="0"/>
+                      </a:endParaRPr>
+                    </a:p>
+                  </a:txBody>
+                  <a:tcPr marL="6350" marR="6350" marT="6350" marB="0" anchor="b"/>
+                </a:tc>
+                <a:tc>
+                  <a:txBody>
+                    <a:bodyPr/>
+                    <a:lstStyle/>
+                    <a:p>
+                      <a:pPr algn="ctr" rtl="0" fontAlgn="b"/>
+                      <a:r>
+                        <a:rPr lang="fr-FR" sz="1100" u="none" strike="noStrike">
+                          <a:effectLst/>
+                        </a:rPr>
+                        <a:t>255.255.255.128/25</a:t>
                       </a:r>
                       <a:endParaRPr lang="fr-FR" sz="1100" b="0" i="0" u="none" strike="noStrike">
                         <a:solidFill>
@@ -10064,7 +9771,732 @@
                         <a:rPr lang="fr-FR" sz="1100" u="none" strike="noStrike">
                           <a:effectLst/>
                         </a:rPr>
-                        <a:t>10.0.10.2 à 10.0.10.161</a:t>
+                        <a:t>10.0.10.2 à 10.0.10.121</a:t>
+                      </a:r>
+                      <a:endParaRPr lang="fr-FR" sz="1100" b="0" i="0" u="none" strike="noStrike">
+                        <a:solidFill>
+                          <a:srgbClr val="000000"/>
+                        </a:solidFill>
+                        <a:effectLst/>
+                        <a:latin typeface="Calibri" panose="020F0502020204030204" pitchFamily="34" charset="0"/>
+                      </a:endParaRPr>
+                    </a:p>
+                  </a:txBody>
+                  <a:tcPr marL="6350" marR="6350" marT="6350" marB="0" anchor="b"/>
+                </a:tc>
+                <a:tc>
+                  <a:txBody>
+                    <a:bodyPr/>
+                    <a:lstStyle/>
+                    <a:p>
+                      <a:pPr algn="ctr" rtl="0" fontAlgn="b"/>
+                      <a:r>
+                        <a:rPr lang="fr-FR" sz="1100" u="none" strike="noStrike">
+                          <a:effectLst/>
+                        </a:rPr>
+                        <a:t>10.0.10.122</a:t>
+                      </a:r>
+                      <a:endParaRPr lang="fr-FR" sz="1100" b="0" i="0" u="none" strike="noStrike">
+                        <a:solidFill>
+                          <a:srgbClr val="000000"/>
+                        </a:solidFill>
+                        <a:effectLst/>
+                        <a:latin typeface="Calibri" panose="020F0502020204030204" pitchFamily="34" charset="0"/>
+                      </a:endParaRPr>
+                    </a:p>
+                  </a:txBody>
+                  <a:tcPr marL="6350" marR="6350" marT="6350" marB="0" anchor="b"/>
+                </a:tc>
+                <a:extLst>
+                  <a:ext uri="{0D108BD9-81ED-4DB2-BD59-A6C34878D82A}">
+                    <a16:rowId xmlns:a16="http://schemas.microsoft.com/office/drawing/2014/main" val="4226078466"/>
+                  </a:ext>
+                </a:extLst>
+              </a:tr>
+              <a:tr h="226770">
+                <a:tc>
+                  <a:txBody>
+                    <a:bodyPr/>
+                    <a:lstStyle/>
+                    <a:p>
+                      <a:pPr algn="ctr" rtl="0" fontAlgn="b"/>
+                      <a:r>
+                        <a:rPr lang="fr-FR" sz="1100" u="none" strike="noStrike">
+                          <a:effectLst/>
+                        </a:rPr>
+                        <a:t>160</a:t>
+                      </a:r>
+                      <a:endParaRPr lang="fr-FR" sz="1100" b="0" i="0" u="none" strike="noStrike">
+                        <a:solidFill>
+                          <a:srgbClr val="000000"/>
+                        </a:solidFill>
+                        <a:effectLst/>
+                        <a:latin typeface="Calibri" panose="020F0502020204030204" pitchFamily="34" charset="0"/>
+                      </a:endParaRPr>
+                    </a:p>
+                  </a:txBody>
+                  <a:tcPr marL="6350" marR="6350" marT="6350" marB="0" anchor="b"/>
+                </a:tc>
+                <a:tc>
+                  <a:txBody>
+                    <a:bodyPr/>
+                    <a:lstStyle/>
+                    <a:p>
+                      <a:pPr algn="ctr" rtl="0" fontAlgn="b"/>
+                      <a:r>
+                        <a:rPr lang="fr-FR" sz="1100" u="none" strike="noStrike">
+                          <a:effectLst/>
+                        </a:rPr>
+                        <a:t>255.255.255.0/24</a:t>
+                      </a:r>
+                      <a:endParaRPr lang="fr-FR" sz="1100" b="0" i="0" u="none" strike="noStrike">
+                        <a:solidFill>
+                          <a:srgbClr val="000000"/>
+                        </a:solidFill>
+                        <a:effectLst/>
+                        <a:latin typeface="Calibri" panose="020F0502020204030204" pitchFamily="34" charset="0"/>
+                      </a:endParaRPr>
+                    </a:p>
+                  </a:txBody>
+                  <a:tcPr marL="6350" marR="6350" marT="6350" marB="0" anchor="b"/>
+                </a:tc>
+                <a:tc>
+                  <a:txBody>
+                    <a:bodyPr/>
+                    <a:lstStyle/>
+                    <a:p>
+                      <a:pPr algn="ctr" rtl="0" fontAlgn="b"/>
+                      <a:r>
+                        <a:rPr lang="fr-FR" sz="1100" u="none" strike="noStrike">
+                          <a:effectLst/>
+                        </a:rPr>
+                        <a:t>10.0.11.0</a:t>
+                      </a:r>
+                      <a:endParaRPr lang="fr-FR" sz="1100" b="0" i="0" u="none" strike="noStrike">
+                        <a:solidFill>
+                          <a:srgbClr val="000000"/>
+                        </a:solidFill>
+                        <a:effectLst/>
+                        <a:latin typeface="Calibri" panose="020F0502020204030204" pitchFamily="34" charset="0"/>
+                      </a:endParaRPr>
+                    </a:p>
+                  </a:txBody>
+                  <a:tcPr marL="6350" marR="6350" marT="6350" marB="0" anchor="b"/>
+                </a:tc>
+                <a:tc>
+                  <a:txBody>
+                    <a:bodyPr/>
+                    <a:lstStyle/>
+                    <a:p>
+                      <a:pPr algn="ctr" rtl="0" fontAlgn="b"/>
+                      <a:r>
+                        <a:rPr lang="fr-FR" sz="1100" u="none" strike="noStrike">
+                          <a:effectLst/>
+                        </a:rPr>
+                        <a:t>10.0.11.1</a:t>
+                      </a:r>
+                      <a:endParaRPr lang="fr-FR" sz="1100" b="0" i="0" u="none" strike="noStrike">
+                        <a:solidFill>
+                          <a:srgbClr val="000000"/>
+                        </a:solidFill>
+                        <a:effectLst/>
+                        <a:latin typeface="Calibri" panose="020F0502020204030204" pitchFamily="34" charset="0"/>
+                      </a:endParaRPr>
+                    </a:p>
+                  </a:txBody>
+                  <a:tcPr marL="6350" marR="6350" marT="6350" marB="0" anchor="b"/>
+                </a:tc>
+                <a:tc>
+                  <a:txBody>
+                    <a:bodyPr/>
+                    <a:lstStyle/>
+                    <a:p>
+                      <a:pPr algn="ctr" rtl="0" fontAlgn="b"/>
+                      <a:r>
+                        <a:rPr lang="fr-FR" sz="1100" u="none" strike="noStrike">
+                          <a:effectLst/>
+                        </a:rPr>
+                        <a:t>10.0.11.2 à 10.0.11.161</a:t>
+                      </a:r>
+                      <a:endParaRPr lang="fr-FR" sz="1100" b="0" i="0" u="none" strike="noStrike">
+                        <a:solidFill>
+                          <a:srgbClr val="000000"/>
+                        </a:solidFill>
+                        <a:effectLst/>
+                        <a:latin typeface="Calibri" panose="020F0502020204030204" pitchFamily="34" charset="0"/>
+                      </a:endParaRPr>
+                    </a:p>
+                  </a:txBody>
+                  <a:tcPr marL="6350" marR="6350" marT="6350" marB="0" anchor="b"/>
+                </a:tc>
+                <a:tc>
+                  <a:txBody>
+                    <a:bodyPr/>
+                    <a:lstStyle/>
+                    <a:p>
+                      <a:pPr algn="ctr" rtl="0" fontAlgn="b"/>
+                      <a:r>
+                        <a:rPr lang="fr-FR" sz="1100" u="none" strike="noStrike">
+                          <a:effectLst/>
+                        </a:rPr>
+                        <a:t>10.0.11.162</a:t>
+                      </a:r>
+                      <a:endParaRPr lang="fr-FR" sz="1100" b="0" i="0" u="none" strike="noStrike">
+                        <a:solidFill>
+                          <a:srgbClr val="000000"/>
+                        </a:solidFill>
+                        <a:effectLst/>
+                        <a:latin typeface="Calibri" panose="020F0502020204030204" pitchFamily="34" charset="0"/>
+                      </a:endParaRPr>
+                    </a:p>
+                  </a:txBody>
+                  <a:tcPr marL="6350" marR="6350" marT="6350" marB="0" anchor="b"/>
+                </a:tc>
+                <a:extLst>
+                  <a:ext uri="{0D108BD9-81ED-4DB2-BD59-A6C34878D82A}">
+                    <a16:rowId xmlns:a16="http://schemas.microsoft.com/office/drawing/2014/main" val="3926419996"/>
+                  </a:ext>
+                </a:extLst>
+              </a:tr>
+              <a:tr h="226770">
+                <a:tc>
+                  <a:txBody>
+                    <a:bodyPr/>
+                    <a:lstStyle/>
+                    <a:p>
+                      <a:pPr algn="ctr" rtl="0" fontAlgn="b"/>
+                      <a:r>
+                        <a:rPr lang="fr-FR" sz="1100" u="none" strike="noStrike">
+                          <a:effectLst/>
+                        </a:rPr>
+                        <a:t>160</a:t>
+                      </a:r>
+                      <a:endParaRPr lang="fr-FR" sz="1100" b="0" i="0" u="none" strike="noStrike">
+                        <a:solidFill>
+                          <a:srgbClr val="000000"/>
+                        </a:solidFill>
+                        <a:effectLst/>
+                        <a:latin typeface="Calibri" panose="020F0502020204030204" pitchFamily="34" charset="0"/>
+                      </a:endParaRPr>
+                    </a:p>
+                  </a:txBody>
+                  <a:tcPr marL="6350" marR="6350" marT="6350" marB="0" anchor="b"/>
+                </a:tc>
+                <a:tc>
+                  <a:txBody>
+                    <a:bodyPr/>
+                    <a:lstStyle/>
+                    <a:p>
+                      <a:pPr algn="ctr" rtl="0" fontAlgn="b"/>
+                      <a:r>
+                        <a:rPr lang="fr-FR" sz="1100" u="none" strike="noStrike">
+                          <a:effectLst/>
+                        </a:rPr>
+                        <a:t>255.255.255.0/24</a:t>
+                      </a:r>
+                      <a:endParaRPr lang="fr-FR" sz="1100" b="0" i="0" u="none" strike="noStrike">
+                        <a:solidFill>
+                          <a:srgbClr val="000000"/>
+                        </a:solidFill>
+                        <a:effectLst/>
+                        <a:latin typeface="Calibri" panose="020F0502020204030204" pitchFamily="34" charset="0"/>
+                      </a:endParaRPr>
+                    </a:p>
+                  </a:txBody>
+                  <a:tcPr marL="6350" marR="6350" marT="6350" marB="0" anchor="b"/>
+                </a:tc>
+                <a:tc>
+                  <a:txBody>
+                    <a:bodyPr/>
+                    <a:lstStyle/>
+                    <a:p>
+                      <a:pPr algn="ctr" rtl="0" fontAlgn="b"/>
+                      <a:r>
+                        <a:rPr lang="fr-FR" sz="1100" u="none" strike="noStrike">
+                          <a:effectLst/>
+                        </a:rPr>
+                        <a:t>10.0.12.0</a:t>
+                      </a:r>
+                      <a:endParaRPr lang="fr-FR" sz="1100" b="0" i="0" u="none" strike="noStrike">
+                        <a:solidFill>
+                          <a:srgbClr val="000000"/>
+                        </a:solidFill>
+                        <a:effectLst/>
+                        <a:latin typeface="Calibri" panose="020F0502020204030204" pitchFamily="34" charset="0"/>
+                      </a:endParaRPr>
+                    </a:p>
+                  </a:txBody>
+                  <a:tcPr marL="6350" marR="6350" marT="6350" marB="0" anchor="b"/>
+                </a:tc>
+                <a:tc>
+                  <a:txBody>
+                    <a:bodyPr/>
+                    <a:lstStyle/>
+                    <a:p>
+                      <a:pPr algn="ctr" rtl="0" fontAlgn="b"/>
+                      <a:r>
+                        <a:rPr lang="fr-FR" sz="1100" u="none" strike="noStrike">
+                          <a:effectLst/>
+                        </a:rPr>
+                        <a:t>10.0.12.1</a:t>
+                      </a:r>
+                      <a:endParaRPr lang="fr-FR" sz="1100" b="0" i="0" u="none" strike="noStrike">
+                        <a:solidFill>
+                          <a:srgbClr val="000000"/>
+                        </a:solidFill>
+                        <a:effectLst/>
+                        <a:latin typeface="Calibri" panose="020F0502020204030204" pitchFamily="34" charset="0"/>
+                      </a:endParaRPr>
+                    </a:p>
+                  </a:txBody>
+                  <a:tcPr marL="6350" marR="6350" marT="6350" marB="0" anchor="b"/>
+                </a:tc>
+                <a:tc>
+                  <a:txBody>
+                    <a:bodyPr/>
+                    <a:lstStyle/>
+                    <a:p>
+                      <a:pPr algn="ctr" rtl="0" fontAlgn="b"/>
+                      <a:r>
+                        <a:rPr lang="fr-FR" sz="1100" u="none" strike="noStrike">
+                          <a:effectLst/>
+                        </a:rPr>
+                        <a:t>10.0.12.2 à 10.0.12.161</a:t>
+                      </a:r>
+                      <a:endParaRPr lang="fr-FR" sz="1100" b="0" i="0" u="none" strike="noStrike">
+                        <a:solidFill>
+                          <a:srgbClr val="000000"/>
+                        </a:solidFill>
+                        <a:effectLst/>
+                        <a:latin typeface="Calibri" panose="020F0502020204030204" pitchFamily="34" charset="0"/>
+                      </a:endParaRPr>
+                    </a:p>
+                  </a:txBody>
+                  <a:tcPr marL="6350" marR="6350" marT="6350" marB="0" anchor="b"/>
+                </a:tc>
+                <a:tc>
+                  <a:txBody>
+                    <a:bodyPr/>
+                    <a:lstStyle/>
+                    <a:p>
+                      <a:pPr algn="ctr" rtl="0" fontAlgn="b"/>
+                      <a:r>
+                        <a:rPr lang="fr-FR" sz="1100" u="none" strike="noStrike">
+                          <a:effectLst/>
+                        </a:rPr>
+                        <a:t>10.0.12.162</a:t>
+                      </a:r>
+                      <a:endParaRPr lang="fr-FR" sz="1100" b="0" i="0" u="none" strike="noStrike">
+                        <a:solidFill>
+                          <a:srgbClr val="000000"/>
+                        </a:solidFill>
+                        <a:effectLst/>
+                        <a:latin typeface="Calibri" panose="020F0502020204030204" pitchFamily="34" charset="0"/>
+                      </a:endParaRPr>
+                    </a:p>
+                  </a:txBody>
+                  <a:tcPr marL="6350" marR="6350" marT="6350" marB="0" anchor="b"/>
+                </a:tc>
+                <a:extLst>
+                  <a:ext uri="{0D108BD9-81ED-4DB2-BD59-A6C34878D82A}">
+                    <a16:rowId xmlns:a16="http://schemas.microsoft.com/office/drawing/2014/main" val="2426341348"/>
+                  </a:ext>
+                </a:extLst>
+              </a:tr>
+              <a:tr h="226770">
+                <a:tc>
+                  <a:txBody>
+                    <a:bodyPr/>
+                    <a:lstStyle/>
+                    <a:p>
+                      <a:pPr algn="ctr" rtl="0" fontAlgn="b"/>
+                      <a:r>
+                        <a:rPr lang="fr-FR" sz="1100" u="none" strike="noStrike">
+                          <a:effectLst/>
+                        </a:rPr>
+                        <a:t>160</a:t>
+                      </a:r>
+                      <a:endParaRPr lang="fr-FR" sz="1100" b="0" i="0" u="none" strike="noStrike">
+                        <a:solidFill>
+                          <a:srgbClr val="000000"/>
+                        </a:solidFill>
+                        <a:effectLst/>
+                        <a:latin typeface="Calibri" panose="020F0502020204030204" pitchFamily="34" charset="0"/>
+                      </a:endParaRPr>
+                    </a:p>
+                  </a:txBody>
+                  <a:tcPr marL="6350" marR="6350" marT="6350" marB="0" anchor="b"/>
+                </a:tc>
+                <a:tc>
+                  <a:txBody>
+                    <a:bodyPr/>
+                    <a:lstStyle/>
+                    <a:p>
+                      <a:pPr algn="ctr" rtl="0" fontAlgn="b"/>
+                      <a:r>
+                        <a:rPr lang="fr-FR" sz="1100" u="none" strike="noStrike">
+                          <a:effectLst/>
+                        </a:rPr>
+                        <a:t>255.255.255.0/24</a:t>
+                      </a:r>
+                      <a:endParaRPr lang="fr-FR" sz="1100" b="0" i="0" u="none" strike="noStrike">
+                        <a:solidFill>
+                          <a:srgbClr val="000000"/>
+                        </a:solidFill>
+                        <a:effectLst/>
+                        <a:latin typeface="Calibri" panose="020F0502020204030204" pitchFamily="34" charset="0"/>
+                      </a:endParaRPr>
+                    </a:p>
+                  </a:txBody>
+                  <a:tcPr marL="6350" marR="6350" marT="6350" marB="0" anchor="b"/>
+                </a:tc>
+                <a:tc>
+                  <a:txBody>
+                    <a:bodyPr/>
+                    <a:lstStyle/>
+                    <a:p>
+                      <a:pPr algn="ctr" rtl="0" fontAlgn="b"/>
+                      <a:r>
+                        <a:rPr lang="fr-FR" sz="1100" u="none" strike="noStrike">
+                          <a:effectLst/>
+                        </a:rPr>
+                        <a:t>10.0.13.0</a:t>
+                      </a:r>
+                      <a:endParaRPr lang="fr-FR" sz="1100" b="0" i="0" u="none" strike="noStrike">
+                        <a:solidFill>
+                          <a:srgbClr val="000000"/>
+                        </a:solidFill>
+                        <a:effectLst/>
+                        <a:latin typeface="Calibri" panose="020F0502020204030204" pitchFamily="34" charset="0"/>
+                      </a:endParaRPr>
+                    </a:p>
+                  </a:txBody>
+                  <a:tcPr marL="6350" marR="6350" marT="6350" marB="0" anchor="b"/>
+                </a:tc>
+                <a:tc>
+                  <a:txBody>
+                    <a:bodyPr/>
+                    <a:lstStyle/>
+                    <a:p>
+                      <a:pPr algn="ctr" rtl="0" fontAlgn="b"/>
+                      <a:r>
+                        <a:rPr lang="fr-FR" sz="1100" u="none" strike="noStrike">
+                          <a:effectLst/>
+                        </a:rPr>
+                        <a:t>10.0.13.1</a:t>
+                      </a:r>
+                      <a:endParaRPr lang="fr-FR" sz="1100" b="0" i="0" u="none" strike="noStrike">
+                        <a:solidFill>
+                          <a:srgbClr val="000000"/>
+                        </a:solidFill>
+                        <a:effectLst/>
+                        <a:latin typeface="Calibri" panose="020F0502020204030204" pitchFamily="34" charset="0"/>
+                      </a:endParaRPr>
+                    </a:p>
+                  </a:txBody>
+                  <a:tcPr marL="6350" marR="6350" marT="6350" marB="0" anchor="b"/>
+                </a:tc>
+                <a:tc>
+                  <a:txBody>
+                    <a:bodyPr/>
+                    <a:lstStyle/>
+                    <a:p>
+                      <a:pPr algn="ctr" rtl="0" fontAlgn="b"/>
+                      <a:r>
+                        <a:rPr lang="fr-FR" sz="1100" u="none" strike="noStrike">
+                          <a:effectLst/>
+                        </a:rPr>
+                        <a:t>10.0.13.2 à 10.0.13.161</a:t>
+                      </a:r>
+                      <a:endParaRPr lang="fr-FR" sz="1100" b="0" i="0" u="none" strike="noStrike">
+                        <a:solidFill>
+                          <a:srgbClr val="000000"/>
+                        </a:solidFill>
+                        <a:effectLst/>
+                        <a:latin typeface="Calibri" panose="020F0502020204030204" pitchFamily="34" charset="0"/>
+                      </a:endParaRPr>
+                    </a:p>
+                  </a:txBody>
+                  <a:tcPr marL="6350" marR="6350" marT="6350" marB="0" anchor="b"/>
+                </a:tc>
+                <a:tc>
+                  <a:txBody>
+                    <a:bodyPr/>
+                    <a:lstStyle/>
+                    <a:p>
+                      <a:pPr algn="ctr" rtl="0" fontAlgn="b"/>
+                      <a:r>
+                        <a:rPr lang="fr-FR" sz="1100" u="none" strike="noStrike">
+                          <a:effectLst/>
+                        </a:rPr>
+                        <a:t>10.0.13.162</a:t>
+                      </a:r>
+                      <a:endParaRPr lang="fr-FR" sz="1100" b="0" i="0" u="none" strike="noStrike">
+                        <a:solidFill>
+                          <a:srgbClr val="000000"/>
+                        </a:solidFill>
+                        <a:effectLst/>
+                        <a:latin typeface="Calibri" panose="020F0502020204030204" pitchFamily="34" charset="0"/>
+                      </a:endParaRPr>
+                    </a:p>
+                  </a:txBody>
+                  <a:tcPr marL="6350" marR="6350" marT="6350" marB="0" anchor="b"/>
+                </a:tc>
+                <a:extLst>
+                  <a:ext uri="{0D108BD9-81ED-4DB2-BD59-A6C34878D82A}">
+                    <a16:rowId xmlns:a16="http://schemas.microsoft.com/office/drawing/2014/main" val="497161055"/>
+                  </a:ext>
+                </a:extLst>
+              </a:tr>
+              <a:tr h="226770">
+                <a:tc>
+                  <a:txBody>
+                    <a:bodyPr/>
+                    <a:lstStyle/>
+                    <a:p>
+                      <a:pPr algn="ctr" rtl="0" fontAlgn="b"/>
+                      <a:r>
+                        <a:rPr lang="fr-FR" sz="1100" u="none" strike="noStrike">
+                          <a:effectLst/>
+                        </a:rPr>
+                        <a:t>160</a:t>
+                      </a:r>
+                      <a:endParaRPr lang="fr-FR" sz="1100" b="0" i="0" u="none" strike="noStrike">
+                        <a:solidFill>
+                          <a:srgbClr val="000000"/>
+                        </a:solidFill>
+                        <a:effectLst/>
+                        <a:latin typeface="Calibri" panose="020F0502020204030204" pitchFamily="34" charset="0"/>
+                      </a:endParaRPr>
+                    </a:p>
+                  </a:txBody>
+                  <a:tcPr marL="6350" marR="6350" marT="6350" marB="0" anchor="b"/>
+                </a:tc>
+                <a:tc>
+                  <a:txBody>
+                    <a:bodyPr/>
+                    <a:lstStyle/>
+                    <a:p>
+                      <a:pPr algn="ctr" rtl="0" fontAlgn="b"/>
+                      <a:r>
+                        <a:rPr lang="fr-FR" sz="1100" u="none" strike="noStrike">
+                          <a:effectLst/>
+                        </a:rPr>
+                        <a:t>255.255.255.0/24</a:t>
+                      </a:r>
+                      <a:endParaRPr lang="fr-FR" sz="1100" b="0" i="0" u="none" strike="noStrike">
+                        <a:solidFill>
+                          <a:srgbClr val="000000"/>
+                        </a:solidFill>
+                        <a:effectLst/>
+                        <a:latin typeface="Calibri" panose="020F0502020204030204" pitchFamily="34" charset="0"/>
+                      </a:endParaRPr>
+                    </a:p>
+                  </a:txBody>
+                  <a:tcPr marL="6350" marR="6350" marT="6350" marB="0" anchor="b"/>
+                </a:tc>
+                <a:tc>
+                  <a:txBody>
+                    <a:bodyPr/>
+                    <a:lstStyle/>
+                    <a:p>
+                      <a:pPr algn="ctr" rtl="0" fontAlgn="b"/>
+                      <a:r>
+                        <a:rPr lang="fr-FR" sz="1100" u="none" strike="noStrike">
+                          <a:effectLst/>
+                        </a:rPr>
+                        <a:t>10.0.14.0</a:t>
+                      </a:r>
+                      <a:endParaRPr lang="fr-FR" sz="1100" b="0" i="0" u="none" strike="noStrike">
+                        <a:solidFill>
+                          <a:srgbClr val="000000"/>
+                        </a:solidFill>
+                        <a:effectLst/>
+                        <a:latin typeface="Calibri" panose="020F0502020204030204" pitchFamily="34" charset="0"/>
+                      </a:endParaRPr>
+                    </a:p>
+                  </a:txBody>
+                  <a:tcPr marL="6350" marR="6350" marT="6350" marB="0" anchor="b"/>
+                </a:tc>
+                <a:tc>
+                  <a:txBody>
+                    <a:bodyPr/>
+                    <a:lstStyle/>
+                    <a:p>
+                      <a:pPr algn="ctr" rtl="0" fontAlgn="b"/>
+                      <a:r>
+                        <a:rPr lang="fr-FR" sz="1100" u="none" strike="noStrike">
+                          <a:effectLst/>
+                        </a:rPr>
+                        <a:t>10.0.14.1</a:t>
+                      </a:r>
+                      <a:endParaRPr lang="fr-FR" sz="1100" b="0" i="0" u="none" strike="noStrike">
+                        <a:solidFill>
+                          <a:srgbClr val="000000"/>
+                        </a:solidFill>
+                        <a:effectLst/>
+                        <a:latin typeface="Calibri" panose="020F0502020204030204" pitchFamily="34" charset="0"/>
+                      </a:endParaRPr>
+                    </a:p>
+                  </a:txBody>
+                  <a:tcPr marL="6350" marR="6350" marT="6350" marB="0" anchor="b"/>
+                </a:tc>
+                <a:tc>
+                  <a:txBody>
+                    <a:bodyPr/>
+                    <a:lstStyle/>
+                    <a:p>
+                      <a:pPr algn="ctr" rtl="0" fontAlgn="b"/>
+                      <a:r>
+                        <a:rPr lang="fr-FR" sz="1100" u="none" strike="noStrike">
+                          <a:effectLst/>
+                        </a:rPr>
+                        <a:t>10.0.14.2 à 10.0.14.161</a:t>
+                      </a:r>
+                      <a:endParaRPr lang="fr-FR" sz="1100" b="0" i="0" u="none" strike="noStrike">
+                        <a:solidFill>
+                          <a:srgbClr val="000000"/>
+                        </a:solidFill>
+                        <a:effectLst/>
+                        <a:latin typeface="Calibri" panose="020F0502020204030204" pitchFamily="34" charset="0"/>
+                      </a:endParaRPr>
+                    </a:p>
+                  </a:txBody>
+                  <a:tcPr marL="6350" marR="6350" marT="6350" marB="0" anchor="b"/>
+                </a:tc>
+                <a:tc>
+                  <a:txBody>
+                    <a:bodyPr/>
+                    <a:lstStyle/>
+                    <a:p>
+                      <a:pPr algn="ctr" rtl="0" fontAlgn="b"/>
+                      <a:r>
+                        <a:rPr lang="fr-FR" sz="1100" u="none" strike="noStrike">
+                          <a:effectLst/>
+                        </a:rPr>
+                        <a:t>10.0.14.162</a:t>
+                      </a:r>
+                      <a:endParaRPr lang="fr-FR" sz="1100" b="0" i="0" u="none" strike="noStrike">
+                        <a:solidFill>
+                          <a:srgbClr val="000000"/>
+                        </a:solidFill>
+                        <a:effectLst/>
+                        <a:latin typeface="Calibri" panose="020F0502020204030204" pitchFamily="34" charset="0"/>
+                      </a:endParaRPr>
+                    </a:p>
+                  </a:txBody>
+                  <a:tcPr marL="6350" marR="6350" marT="6350" marB="0" anchor="b"/>
+                </a:tc>
+                <a:extLst>
+                  <a:ext uri="{0D108BD9-81ED-4DB2-BD59-A6C34878D82A}">
+                    <a16:rowId xmlns:a16="http://schemas.microsoft.com/office/drawing/2014/main" val="2054880764"/>
+                  </a:ext>
+                </a:extLst>
+              </a:tr>
+              <a:tr h="226770">
+                <a:tc>
+                  <a:txBody>
+                    <a:bodyPr/>
+                    <a:lstStyle/>
+                    <a:p>
+                      <a:pPr algn="ctr" rtl="0" fontAlgn="b"/>
+                      <a:r>
+                        <a:rPr lang="fr-FR" sz="1100" u="none" strike="noStrike">
+                          <a:effectLst/>
+                        </a:rPr>
+                        <a:t>160</a:t>
+                      </a:r>
+                      <a:endParaRPr lang="fr-FR" sz="1100" b="0" i="0" u="none" strike="noStrike">
+                        <a:solidFill>
+                          <a:srgbClr val="000000"/>
+                        </a:solidFill>
+                        <a:effectLst/>
+                        <a:latin typeface="Calibri" panose="020F0502020204030204" pitchFamily="34" charset="0"/>
+                      </a:endParaRPr>
+                    </a:p>
+                  </a:txBody>
+                  <a:tcPr marL="6350" marR="6350" marT="6350" marB="0" anchor="b"/>
+                </a:tc>
+                <a:tc>
+                  <a:txBody>
+                    <a:bodyPr/>
+                    <a:lstStyle/>
+                    <a:p>
+                      <a:pPr algn="ctr" rtl="0" fontAlgn="b"/>
+                      <a:r>
+                        <a:rPr lang="fr-FR" sz="1100" u="none" strike="noStrike">
+                          <a:effectLst/>
+                        </a:rPr>
+                        <a:t>255.255.255.0/24</a:t>
+                      </a:r>
+                      <a:endParaRPr lang="fr-FR" sz="1100" b="0" i="0" u="none" strike="noStrike">
+                        <a:solidFill>
+                          <a:srgbClr val="000000"/>
+                        </a:solidFill>
+                        <a:effectLst/>
+                        <a:latin typeface="Calibri" panose="020F0502020204030204" pitchFamily="34" charset="0"/>
+                      </a:endParaRPr>
+                    </a:p>
+                  </a:txBody>
+                  <a:tcPr marL="6350" marR="6350" marT="6350" marB="0" anchor="b"/>
+                </a:tc>
+                <a:tc>
+                  <a:txBody>
+                    <a:bodyPr/>
+                    <a:lstStyle/>
+                    <a:p>
+                      <a:pPr algn="ctr" rtl="0" fontAlgn="b"/>
+                      <a:r>
+                        <a:rPr lang="fr-FR" sz="1100" u="none" strike="noStrike">
+                          <a:effectLst/>
+                        </a:rPr>
+                        <a:t>10.0.15.0</a:t>
+                      </a:r>
+                      <a:endParaRPr lang="fr-FR" sz="1100" b="0" i="0" u="none" strike="noStrike">
+                        <a:solidFill>
+                          <a:srgbClr val="000000"/>
+                        </a:solidFill>
+                        <a:effectLst/>
+                        <a:latin typeface="Calibri" panose="020F0502020204030204" pitchFamily="34" charset="0"/>
+                      </a:endParaRPr>
+                    </a:p>
+                  </a:txBody>
+                  <a:tcPr marL="6350" marR="6350" marT="6350" marB="0" anchor="b"/>
+                </a:tc>
+                <a:tc>
+                  <a:txBody>
+                    <a:bodyPr/>
+                    <a:lstStyle/>
+                    <a:p>
+                      <a:pPr algn="ctr" rtl="0" fontAlgn="b"/>
+                      <a:r>
+                        <a:rPr lang="fr-FR" sz="1100" u="none" strike="noStrike">
+                          <a:effectLst/>
+                        </a:rPr>
+                        <a:t>10.0.15.1</a:t>
+                      </a:r>
+                      <a:endParaRPr lang="fr-FR" sz="1100" b="0" i="0" u="none" strike="noStrike">
+                        <a:solidFill>
+                          <a:srgbClr val="000000"/>
+                        </a:solidFill>
+                        <a:effectLst/>
+                        <a:latin typeface="Calibri" panose="020F0502020204030204" pitchFamily="34" charset="0"/>
+                      </a:endParaRPr>
+                    </a:p>
+                  </a:txBody>
+                  <a:tcPr marL="6350" marR="6350" marT="6350" marB="0" anchor="b"/>
+                </a:tc>
+                <a:tc>
+                  <a:txBody>
+                    <a:bodyPr/>
+                    <a:lstStyle/>
+                    <a:p>
+                      <a:pPr algn="ctr" rtl="0" fontAlgn="b"/>
+                      <a:r>
+                        <a:rPr lang="fr-FR" sz="1100" u="none" strike="noStrike">
+                          <a:effectLst/>
+                        </a:rPr>
+                        <a:t>10.0.15.2 à 10.0.15.161</a:t>
                       </a:r>
                       <a:endParaRPr lang="fr-FR" sz="1100" b="0" i="0" u="none" strike="noStrike">
                         <a:solidFill>
@@ -10087,7 +10519,7 @@
                         <a:rPr lang="fr-FR" sz="1100" u="none" strike="noStrike" dirty="0">
                           <a:effectLst/>
                         </a:rPr>
-                        <a:t>10.0.5.162</a:t>
+                        <a:t>10.0.15.162</a:t>
                       </a:r>
                       <a:endParaRPr lang="fr-FR" sz="1100" b="0" i="0" u="none" strike="noStrike" dirty="0">
                         <a:solidFill>
@@ -10102,7 +10534,7 @@
                 </a:tc>
                 <a:extLst>
                   <a:ext uri="{0D108BD9-81ED-4DB2-BD59-A6C34878D82A}">
-                    <a16:rowId xmlns:a16="http://schemas.microsoft.com/office/drawing/2014/main" val="435441958"/>
+                    <a16:rowId xmlns:a16="http://schemas.microsoft.com/office/drawing/2014/main" val="1905108704"/>
                   </a:ext>
                 </a:extLst>
               </a:tr>
@@ -11906,7 +12338,7 @@
         <p:spPr>
           <a:xfrm>
             <a:off x="6715762" y="1565619"/>
-            <a:ext cx="4592321" cy="1015663"/>
+            <a:ext cx="4592321" cy="1323439"/>
           </a:xfrm>
           <a:prstGeom prst="rect">
             <a:avLst/>
@@ -11922,7 +12354,7 @@
             <a:pPr algn="ctr"/>
             <a:r>
               <a:rPr lang="fr-FR" sz="2000" dirty="0"/>
-              <a:t>Une architecture en étoile sur un switch pouvant accueillir 24 machines en Fast Ethernet et 2 en </a:t>
+              <a:t>Un réseau LAN avec une architecture en étoile sur un switch pouvant accueillir 24 machines en Fast Ethernet et 2 en </a:t>
             </a:r>
             <a:r>
               <a:rPr lang="fr-FR" sz="2000" dirty="0" err="1"/>
@@ -12286,7 +12718,7 @@
         </p:blipFill>
         <p:spPr>
           <a:xfrm>
-            <a:off x="7567294" y="755687"/>
+            <a:off x="7567294" y="765847"/>
             <a:ext cx="3699179" cy="1798321"/>
           </a:xfrm>
           <a:prstGeom prst="rect">
@@ -14423,7 +14855,7 @@
             </a:pPr>
             <a:r>
               <a:rPr lang="fr-FR" dirty="0"/>
-              <a:t>Commutateurs Switch ou switch</a:t>
+              <a:t>Commutateurs ou Switch</a:t>
             </a:r>
           </a:p>
           <a:p>
@@ -15141,7 +15573,7 @@
           <a:p>
             <a:r>
               <a:rPr lang="fr-FR" dirty="0"/>
-              <a:t>Le commutateur Switch ou Switch permet de faire circuler les informations et de créer des circuits au sein d’un même réseaux</a:t>
+              <a:t>Le commutateur ou Switch permet de faire circuler les informations et de créer des circuits au sein d’un même réseaux</a:t>
             </a:r>
           </a:p>
         </p:txBody>
